--- a/doc/introduce.pptx
+++ b/doc/introduce.pptx
@@ -104,6 +104,11 @@
       </a:defRPr>
     </a:lvl9pPr>
   </p:defaultTextStyle>
+  <p:extLst>
+    <p:ext uri="{EFAFB233-063F-42B5-8137-9DF3F51BA10A}">
+      <p15:sldGuideLst xmlns:p15="http://schemas.microsoft.com/office/powerpoint/2012/main"/>
+    </p:ext>
+  </p:extLst>
 </p:presentation>
 </file>
 
@@ -254,7 +259,7 @@
           <a:p>
             <a:fld id="{414311E8-89AB-614A-AC6D-9A334C9AF756}" type="datetimeFigureOut">
               <a:rPr kumimoji="1" lang="zh-TW" altLang="en-US" smtClean="0"/>
-              <a:t>2023/8/24</a:t>
+              <a:t>2023/8/25</a:t>
             </a:fld>
             <a:endParaRPr kumimoji="1" lang="zh-TW" altLang="en-US"/>
           </a:p>
@@ -452,7 +457,7 @@
           <a:p>
             <a:fld id="{414311E8-89AB-614A-AC6D-9A334C9AF756}" type="datetimeFigureOut">
               <a:rPr kumimoji="1" lang="zh-TW" altLang="en-US" smtClean="0"/>
-              <a:t>2023/8/24</a:t>
+              <a:t>2023/8/25</a:t>
             </a:fld>
             <a:endParaRPr kumimoji="1" lang="zh-TW" altLang="en-US"/>
           </a:p>
@@ -660,7 +665,7 @@
           <a:p>
             <a:fld id="{414311E8-89AB-614A-AC6D-9A334C9AF756}" type="datetimeFigureOut">
               <a:rPr kumimoji="1" lang="zh-TW" altLang="en-US" smtClean="0"/>
-              <a:t>2023/8/24</a:t>
+              <a:t>2023/8/25</a:t>
             </a:fld>
             <a:endParaRPr kumimoji="1" lang="zh-TW" altLang="en-US"/>
           </a:p>
@@ -858,7 +863,7 @@
           <a:p>
             <a:fld id="{414311E8-89AB-614A-AC6D-9A334C9AF756}" type="datetimeFigureOut">
               <a:rPr kumimoji="1" lang="zh-TW" altLang="en-US" smtClean="0"/>
-              <a:t>2023/8/24</a:t>
+              <a:t>2023/8/25</a:t>
             </a:fld>
             <a:endParaRPr kumimoji="1" lang="zh-TW" altLang="en-US"/>
           </a:p>
@@ -1133,7 +1138,7 @@
           <a:p>
             <a:fld id="{414311E8-89AB-614A-AC6D-9A334C9AF756}" type="datetimeFigureOut">
               <a:rPr kumimoji="1" lang="zh-TW" altLang="en-US" smtClean="0"/>
-              <a:t>2023/8/24</a:t>
+              <a:t>2023/8/25</a:t>
             </a:fld>
             <a:endParaRPr kumimoji="1" lang="zh-TW" altLang="en-US"/>
           </a:p>
@@ -1398,7 +1403,7 @@
           <a:p>
             <a:fld id="{414311E8-89AB-614A-AC6D-9A334C9AF756}" type="datetimeFigureOut">
               <a:rPr kumimoji="1" lang="zh-TW" altLang="en-US" smtClean="0"/>
-              <a:t>2023/8/24</a:t>
+              <a:t>2023/8/25</a:t>
             </a:fld>
             <a:endParaRPr kumimoji="1" lang="zh-TW" altLang="en-US"/>
           </a:p>
@@ -1810,7 +1815,7 @@
           <a:p>
             <a:fld id="{414311E8-89AB-614A-AC6D-9A334C9AF756}" type="datetimeFigureOut">
               <a:rPr kumimoji="1" lang="zh-TW" altLang="en-US" smtClean="0"/>
-              <a:t>2023/8/24</a:t>
+              <a:t>2023/8/25</a:t>
             </a:fld>
             <a:endParaRPr kumimoji="1" lang="zh-TW" altLang="en-US"/>
           </a:p>
@@ -1951,7 +1956,7 @@
           <a:p>
             <a:fld id="{414311E8-89AB-614A-AC6D-9A334C9AF756}" type="datetimeFigureOut">
               <a:rPr kumimoji="1" lang="zh-TW" altLang="en-US" smtClean="0"/>
-              <a:t>2023/8/24</a:t>
+              <a:t>2023/8/25</a:t>
             </a:fld>
             <a:endParaRPr kumimoji="1" lang="zh-TW" altLang="en-US"/>
           </a:p>
@@ -2064,7 +2069,7 @@
           <a:p>
             <a:fld id="{414311E8-89AB-614A-AC6D-9A334C9AF756}" type="datetimeFigureOut">
               <a:rPr kumimoji="1" lang="zh-TW" altLang="en-US" smtClean="0"/>
-              <a:t>2023/8/24</a:t>
+              <a:t>2023/8/25</a:t>
             </a:fld>
             <a:endParaRPr kumimoji="1" lang="zh-TW" altLang="en-US"/>
           </a:p>
@@ -2375,7 +2380,7 @@
           <a:p>
             <a:fld id="{414311E8-89AB-614A-AC6D-9A334C9AF756}" type="datetimeFigureOut">
               <a:rPr kumimoji="1" lang="zh-TW" altLang="en-US" smtClean="0"/>
-              <a:t>2023/8/24</a:t>
+              <a:t>2023/8/25</a:t>
             </a:fld>
             <a:endParaRPr kumimoji="1" lang="zh-TW" altLang="en-US"/>
           </a:p>
@@ -2663,7 +2668,7 @@
           <a:p>
             <a:fld id="{414311E8-89AB-614A-AC6D-9A334C9AF756}" type="datetimeFigureOut">
               <a:rPr kumimoji="1" lang="zh-TW" altLang="en-US" smtClean="0"/>
-              <a:t>2023/8/24</a:t>
+              <a:t>2023/8/25</a:t>
             </a:fld>
             <a:endParaRPr kumimoji="1" lang="zh-TW" altLang="en-US"/>
           </a:p>
@@ -2904,7 +2909,7 @@
           <a:p>
             <a:fld id="{414311E8-89AB-614A-AC6D-9A334C9AF756}" type="datetimeFigureOut">
               <a:rPr kumimoji="1" lang="zh-TW" altLang="en-US" smtClean="0"/>
-              <a:t>2023/8/24</a:t>
+              <a:t>2023/8/25</a:t>
             </a:fld>
             <a:endParaRPr kumimoji="1" lang="zh-TW" altLang="en-US"/>
           </a:p>
@@ -4369,32 +4374,239 @@
           </a:p>
         </p:txBody>
       </p:sp>
+      <p:grpSp>
+        <p:nvGrpSpPr>
+          <p:cNvPr id="26" name="群組 25">
+            <a:extLst>
+              <a:ext uri="{FF2B5EF4-FFF2-40B4-BE49-F238E27FC236}">
+                <a16:creationId xmlns:a16="http://schemas.microsoft.com/office/drawing/2014/main" id="{2210B732-595D-8C23-4CC4-69BE8BE0E41A}"/>
+              </a:ext>
+            </a:extLst>
+          </p:cNvPr>
+          <p:cNvGrpSpPr/>
+          <p:nvPr/>
+        </p:nvGrpSpPr>
+        <p:grpSpPr>
+          <a:xfrm>
+            <a:off x="4034120" y="603635"/>
+            <a:ext cx="4735788" cy="4137293"/>
+            <a:chOff x="5472708" y="815508"/>
+            <a:chExt cx="4735788" cy="4137293"/>
+          </a:xfrm>
+        </p:grpSpPr>
+        <p:grpSp>
+          <p:nvGrpSpPr>
+            <p:cNvPr id="22" name="群組 21">
+              <a:extLst>
+                <a:ext uri="{FF2B5EF4-FFF2-40B4-BE49-F238E27FC236}">
+                  <a16:creationId xmlns:a16="http://schemas.microsoft.com/office/drawing/2014/main" id="{008FF1D3-B371-FFD9-D68F-3C7374C619AA}"/>
+                </a:ext>
+              </a:extLst>
+            </p:cNvPr>
+            <p:cNvGrpSpPr/>
+            <p:nvPr/>
+          </p:nvGrpSpPr>
+          <p:grpSpPr>
+            <a:xfrm>
+              <a:off x="5472708" y="1500986"/>
+              <a:ext cx="4735788" cy="3451815"/>
+              <a:chOff x="5226538" y="1099383"/>
+              <a:chExt cx="4735788" cy="3451815"/>
+            </a:xfrm>
+          </p:grpSpPr>
+          <p:pic>
+            <p:nvPicPr>
+              <p:cNvPr id="17" name="圖片 16" descr="一張含有 文字, 螢幕擷取畫面 的圖片&#10;&#10;自動產生的描述">
+                <a:extLst>
+                  <a:ext uri="{FF2B5EF4-FFF2-40B4-BE49-F238E27FC236}">
+                    <a16:creationId xmlns:a16="http://schemas.microsoft.com/office/drawing/2014/main" id="{0A179718-38A2-8DCC-140F-5C028521779A}"/>
+                  </a:ext>
+                </a:extLst>
+              </p:cNvPr>
+              <p:cNvPicPr>
+                <a:picLocks noChangeAspect="1"/>
+              </p:cNvPicPr>
+              <p:nvPr/>
+            </p:nvPicPr>
+            <p:blipFill rotWithShape="1">
+              <a:blip r:embed="rId2"/>
+              <a:srcRect b="35802"/>
+              <a:stretch/>
+            </p:blipFill>
+            <p:spPr>
+              <a:xfrm>
+                <a:off x="5226538" y="1147089"/>
+                <a:ext cx="2282400" cy="3404109"/>
+              </a:xfrm>
+              <a:prstGeom prst="rect">
+                <a:avLst/>
+              </a:prstGeom>
+            </p:spPr>
+          </p:pic>
+          <p:pic>
+            <p:nvPicPr>
+              <p:cNvPr id="18" name="圖片 17" descr="一張含有 文字, 螢幕擷取畫面 的圖片&#10;&#10;自動產生的描述">
+                <a:extLst>
+                  <a:ext uri="{FF2B5EF4-FFF2-40B4-BE49-F238E27FC236}">
+                    <a16:creationId xmlns:a16="http://schemas.microsoft.com/office/drawing/2014/main" id="{3ABA0862-F7F3-5336-5170-01751694C9C3}"/>
+                  </a:ext>
+                </a:extLst>
+              </p:cNvPr>
+              <p:cNvPicPr>
+                <a:picLocks noChangeAspect="1"/>
+              </p:cNvPicPr>
+              <p:nvPr/>
+            </p:nvPicPr>
+            <p:blipFill rotWithShape="1">
+              <a:blip r:embed="rId3"/>
+              <a:srcRect t="65345"/>
+              <a:stretch/>
+            </p:blipFill>
+            <p:spPr>
+              <a:xfrm>
+                <a:off x="7679926" y="1099383"/>
+                <a:ext cx="2281532" cy="1836887"/>
+              </a:xfrm>
+              <a:prstGeom prst="rect">
+                <a:avLst/>
+              </a:prstGeom>
+            </p:spPr>
+          </p:pic>
+          <p:pic>
+            <p:nvPicPr>
+              <p:cNvPr id="20" name="圖片 19" descr="一張含有 文字, 字型, 螢幕擷取畫面, 數字 的圖片&#10;&#10;自動產生的描述">
+                <a:extLst>
+                  <a:ext uri="{FF2B5EF4-FFF2-40B4-BE49-F238E27FC236}">
+                    <a16:creationId xmlns:a16="http://schemas.microsoft.com/office/drawing/2014/main" id="{0B2712AD-888E-929C-AEA5-F107577E885B}"/>
+                  </a:ext>
+                </a:extLst>
+              </p:cNvPr>
+              <p:cNvPicPr>
+                <a:picLocks noChangeAspect="1"/>
+              </p:cNvPicPr>
+              <p:nvPr/>
+            </p:nvPicPr>
+            <p:blipFill>
+              <a:blip r:embed="rId4"/>
+              <a:stretch>
+                <a:fillRect/>
+              </a:stretch>
+            </p:blipFill>
+            <p:spPr>
+              <a:xfrm>
+                <a:off x="7679926" y="3039622"/>
+                <a:ext cx="2282400" cy="741588"/>
+              </a:xfrm>
+              <a:prstGeom prst="rect">
+                <a:avLst/>
+              </a:prstGeom>
+            </p:spPr>
+          </p:pic>
+        </p:grpSp>
+        <p:pic>
+          <p:nvPicPr>
+            <p:cNvPr id="25" name="圖片 24" descr="一張含有 文字, 螢幕擷取畫面, 白色, 字型 的圖片&#10;&#10;自動產生的描述">
+              <a:extLst>
+                <a:ext uri="{FF2B5EF4-FFF2-40B4-BE49-F238E27FC236}">
+                  <a16:creationId xmlns:a16="http://schemas.microsoft.com/office/drawing/2014/main" id="{242CDBDE-AF1B-46B2-11CA-9E33659BF95F}"/>
+                </a:ext>
+              </a:extLst>
+            </p:cNvPr>
+            <p:cNvPicPr>
+              <a:picLocks noChangeAspect="1"/>
+            </p:cNvPicPr>
+            <p:nvPr/>
+          </p:nvPicPr>
+          <p:blipFill>
+            <a:blip r:embed="rId5"/>
+            <a:stretch>
+              <a:fillRect/>
+            </a:stretch>
+          </p:blipFill>
+          <p:spPr>
+            <a:xfrm>
+              <a:off x="5759207" y="815508"/>
+              <a:ext cx="4162790" cy="651750"/>
+            </a:xfrm>
+            <a:prstGeom prst="rect">
+              <a:avLst/>
+            </a:prstGeom>
+          </p:spPr>
+        </p:pic>
+      </p:grpSp>
+      <p:sp>
+        <p:nvSpPr>
+          <p:cNvPr id="7" name="文字方塊 6">
+            <a:extLst>
+              <a:ext uri="{FF2B5EF4-FFF2-40B4-BE49-F238E27FC236}">
+                <a16:creationId xmlns:a16="http://schemas.microsoft.com/office/drawing/2014/main" id="{1BCB4DF1-9847-A9E7-6F25-7C234586E2BB}"/>
+              </a:ext>
+            </a:extLst>
+          </p:cNvPr>
+          <p:cNvSpPr txBox="1"/>
+          <p:nvPr/>
+        </p:nvSpPr>
+        <p:spPr>
+          <a:xfrm>
+            <a:off x="7506891" y="456065"/>
+            <a:ext cx="1338349" cy="307777"/>
+          </a:xfrm>
+          <a:prstGeom prst="rect">
+            <a:avLst/>
+          </a:prstGeom>
+          <a:noFill/>
+        </p:spPr>
+        <p:txBody>
+          <a:bodyPr wrap="square">
+            <a:spAutoFit/>
+          </a:bodyPr>
+          <a:lstStyle/>
+          <a:p>
+            <a:pPr marL="7938" algn="ctr"/>
+            <a:r>
+              <a:rPr kumimoji="1" lang="zh-TW" altLang="en-US" sz="1400" dirty="0">
+                <a:solidFill>
+                  <a:srgbClr val="A16B40"/>
+                </a:solidFill>
+                <a:latin typeface="Heiti TC Medium" pitchFamily="2" charset="-128"/>
+                <a:ea typeface="Heiti TC Medium" pitchFamily="2" charset="-128"/>
+              </a:rPr>
+              <a:t>篩選 分組</a:t>
+            </a:r>
+            <a:endParaRPr kumimoji="1" lang="en-US" altLang="zh-TW" sz="1400" dirty="0">
+              <a:solidFill>
+                <a:srgbClr val="A16B40"/>
+              </a:solidFill>
+              <a:latin typeface="Heiti TC Medium" pitchFamily="2" charset="-128"/>
+              <a:ea typeface="Heiti TC Medium" pitchFamily="2" charset="-128"/>
+            </a:endParaRPr>
+          </a:p>
+        </p:txBody>
+      </p:sp>
       <p:pic>
         <p:nvPicPr>
-          <p:cNvPr id="5" name="內容版面配置區 4" descr="一張含有 文字, 螢幕擷取畫面, 行動電話, 行動裝置 的圖片&#10;&#10;自動產生的描述">
-            <a:extLst>
-              <a:ext uri="{FF2B5EF4-FFF2-40B4-BE49-F238E27FC236}">
-                <a16:creationId xmlns:a16="http://schemas.microsoft.com/office/drawing/2014/main" id="{A5A6A5D8-D54D-ED44-A33D-B50147089060}"/>
+          <p:cNvPr id="19" name="圖片 18" descr="一張含有 文字, 螢幕擷取畫面, 行動電話, 行動裝置 的圖片&#10;&#10;自動產生的描述">
+            <a:extLst>
+              <a:ext uri="{FF2B5EF4-FFF2-40B4-BE49-F238E27FC236}">
+                <a16:creationId xmlns:a16="http://schemas.microsoft.com/office/drawing/2014/main" id="{09620B8B-7BA3-4217-0BA2-FE12D3053A0D}"/>
               </a:ext>
             </a:extLst>
           </p:cNvPr>
           <p:cNvPicPr>
-            <a:picLocks noGrp="1" noChangeAspect="1"/>
+            <a:picLocks noChangeAspect="1"/>
           </p:cNvPicPr>
-          <p:nvPr>
-            <p:ph idx="1"/>
-          </p:nvPr>
+          <p:nvPr/>
         </p:nvPicPr>
         <p:blipFill>
-          <a:blip r:embed="rId2"/>
+          <a:blip r:embed="rId6"/>
           <a:stretch>
             <a:fillRect/>
           </a:stretch>
         </p:blipFill>
         <p:spPr>
           <a:xfrm>
-            <a:off x="823777" y="431594"/>
-            <a:ext cx="2743748" cy="5571066"/>
+            <a:off x="821460" y="430291"/>
+            <a:ext cx="2748633" cy="5569200"/>
           </a:xfrm>
           <a:prstGeom prst="rect">
             <a:avLst/>
@@ -4403,10 +4615,10 @@
       </p:pic>
       <p:grpSp>
         <p:nvGrpSpPr>
-          <p:cNvPr id="15" name="群組 14">
-            <a:extLst>
-              <a:ext uri="{FF2B5EF4-FFF2-40B4-BE49-F238E27FC236}">
-                <a16:creationId xmlns:a16="http://schemas.microsoft.com/office/drawing/2014/main" id="{88395908-7051-789D-02C4-CFC495E933F3}"/>
+          <p:cNvPr id="31" name="群組 30">
+            <a:extLst>
+              <a:ext uri="{FF2B5EF4-FFF2-40B4-BE49-F238E27FC236}">
+                <a16:creationId xmlns:a16="http://schemas.microsoft.com/office/drawing/2014/main" id="{19663807-CF58-0757-6DBE-1177B0F530DD}"/>
               </a:ext>
             </a:extLst>
           </p:cNvPr>
@@ -4423,10 +4635,10 @@
         </p:grpSpPr>
         <p:pic>
           <p:nvPicPr>
-            <p:cNvPr id="13" name="圖片 12" descr="一張含有 文字, 卡通 的圖片&#10;&#10;自動產生的描述">
+            <p:cNvPr id="32" name="圖片 31" descr="一張含有 文字, 卡通 的圖片&#10;&#10;自動產生的描述">
               <a:extLst>
                 <a:ext uri="{FF2B5EF4-FFF2-40B4-BE49-F238E27FC236}">
-                  <a16:creationId xmlns:a16="http://schemas.microsoft.com/office/drawing/2014/main" id="{EE0687D2-4749-0E10-A19F-6484A0D72049}"/>
+                  <a16:creationId xmlns:a16="http://schemas.microsoft.com/office/drawing/2014/main" id="{C8C8B899-C772-DDD5-3E03-2A1B172BC38E}"/>
                 </a:ext>
               </a:extLst>
             </p:cNvPr>
@@ -4436,7 +4648,7 @@
             <p:nvPr/>
           </p:nvPicPr>
           <p:blipFill>
-            <a:blip r:embed="rId3"/>
+            <a:blip r:embed="rId7"/>
             <a:stretch>
               <a:fillRect/>
             </a:stretch>
@@ -4460,10 +4672,10 @@
         </p:pic>
         <p:sp>
           <p:nvSpPr>
-            <p:cNvPr id="14" name="文字方塊 13">
+            <p:cNvPr id="33" name="文字方塊 32">
               <a:extLst>
                 <a:ext uri="{FF2B5EF4-FFF2-40B4-BE49-F238E27FC236}">
-                  <a16:creationId xmlns:a16="http://schemas.microsoft.com/office/drawing/2014/main" id="{BA7D07E3-25E4-A44B-0BF4-866F8F00AA74}"/>
+                  <a16:creationId xmlns:a16="http://schemas.microsoft.com/office/drawing/2014/main" id="{F24367B1-2E54-0E2C-2959-8600707EC533}"/>
                 </a:ext>
               </a:extLst>
             </p:cNvPr>
@@ -4592,183 +4804,16 @@
                 </a:rPr>
                 <a:t>收集食材</a:t>
               </a:r>
-              <a:endParaRPr kumimoji="1" lang="zh-TW" altLang="en-US" dirty="0">
-                <a:solidFill>
-                  <a:srgbClr val="A16B40"/>
-                </a:solidFill>
-                <a:latin typeface="Heiti TC Medium" pitchFamily="2" charset="-128"/>
-                <a:ea typeface="Heiti TC Medium" pitchFamily="2" charset="-128"/>
-              </a:endParaRPr>
             </a:p>
           </p:txBody>
         </p:sp>
       </p:grpSp>
-      <p:grpSp>
-        <p:nvGrpSpPr>
-          <p:cNvPr id="26" name="群組 25">
-            <a:extLst>
-              <a:ext uri="{FF2B5EF4-FFF2-40B4-BE49-F238E27FC236}">
-                <a16:creationId xmlns:a16="http://schemas.microsoft.com/office/drawing/2014/main" id="{2210B732-595D-8C23-4CC4-69BE8BE0E41A}"/>
-              </a:ext>
-            </a:extLst>
-          </p:cNvPr>
-          <p:cNvGrpSpPr/>
-          <p:nvPr/>
-        </p:nvGrpSpPr>
-        <p:grpSpPr>
-          <a:xfrm>
-            <a:off x="4034120" y="603635"/>
-            <a:ext cx="4735788" cy="4137293"/>
-            <a:chOff x="5472708" y="815508"/>
-            <a:chExt cx="4735788" cy="4137293"/>
-          </a:xfrm>
-        </p:grpSpPr>
-        <p:grpSp>
-          <p:nvGrpSpPr>
-            <p:cNvPr id="22" name="群組 21">
-              <a:extLst>
-                <a:ext uri="{FF2B5EF4-FFF2-40B4-BE49-F238E27FC236}">
-                  <a16:creationId xmlns:a16="http://schemas.microsoft.com/office/drawing/2014/main" id="{008FF1D3-B371-FFD9-D68F-3C7374C619AA}"/>
-                </a:ext>
-              </a:extLst>
-            </p:cNvPr>
-            <p:cNvGrpSpPr/>
-            <p:nvPr/>
-          </p:nvGrpSpPr>
-          <p:grpSpPr>
-            <a:xfrm>
-              <a:off x="5472708" y="1500986"/>
-              <a:ext cx="4735788" cy="3451815"/>
-              <a:chOff x="5226538" y="1099383"/>
-              <a:chExt cx="4735788" cy="3451815"/>
-            </a:xfrm>
-          </p:grpSpPr>
-          <p:pic>
-            <p:nvPicPr>
-              <p:cNvPr id="17" name="圖片 16" descr="一張含有 文字, 螢幕擷取畫面 的圖片&#10;&#10;自動產生的描述">
-                <a:extLst>
-                  <a:ext uri="{FF2B5EF4-FFF2-40B4-BE49-F238E27FC236}">
-                    <a16:creationId xmlns:a16="http://schemas.microsoft.com/office/drawing/2014/main" id="{0A179718-38A2-8DCC-140F-5C028521779A}"/>
-                  </a:ext>
-                </a:extLst>
-              </p:cNvPr>
-              <p:cNvPicPr>
-                <a:picLocks noChangeAspect="1"/>
-              </p:cNvPicPr>
-              <p:nvPr/>
-            </p:nvPicPr>
-            <p:blipFill rotWithShape="1">
-              <a:blip r:embed="rId4"/>
-              <a:srcRect b="35802"/>
-              <a:stretch/>
-            </p:blipFill>
-            <p:spPr>
-              <a:xfrm>
-                <a:off x="5226538" y="1147089"/>
-                <a:ext cx="2282400" cy="3404109"/>
-              </a:xfrm>
-              <a:prstGeom prst="rect">
-                <a:avLst/>
-              </a:prstGeom>
-            </p:spPr>
-          </p:pic>
-          <p:pic>
-            <p:nvPicPr>
-              <p:cNvPr id="18" name="圖片 17" descr="一張含有 文字, 螢幕擷取畫面 的圖片&#10;&#10;自動產生的描述">
-                <a:extLst>
-                  <a:ext uri="{FF2B5EF4-FFF2-40B4-BE49-F238E27FC236}">
-                    <a16:creationId xmlns:a16="http://schemas.microsoft.com/office/drawing/2014/main" id="{3ABA0862-F7F3-5336-5170-01751694C9C3}"/>
-                  </a:ext>
-                </a:extLst>
-              </p:cNvPr>
-              <p:cNvPicPr>
-                <a:picLocks noChangeAspect="1"/>
-              </p:cNvPicPr>
-              <p:nvPr/>
-            </p:nvPicPr>
-            <p:blipFill rotWithShape="1">
-              <a:blip r:embed="rId5"/>
-              <a:srcRect t="65345"/>
-              <a:stretch/>
-            </p:blipFill>
-            <p:spPr>
-              <a:xfrm>
-                <a:off x="7679926" y="1099383"/>
-                <a:ext cx="2281532" cy="1836887"/>
-              </a:xfrm>
-              <a:prstGeom prst="rect">
-                <a:avLst/>
-              </a:prstGeom>
-            </p:spPr>
-          </p:pic>
-          <p:pic>
-            <p:nvPicPr>
-              <p:cNvPr id="20" name="圖片 19" descr="一張含有 文字, 字型, 螢幕擷取畫面, 數字 的圖片&#10;&#10;自動產生的描述">
-                <a:extLst>
-                  <a:ext uri="{FF2B5EF4-FFF2-40B4-BE49-F238E27FC236}">
-                    <a16:creationId xmlns:a16="http://schemas.microsoft.com/office/drawing/2014/main" id="{0B2712AD-888E-929C-AEA5-F107577E885B}"/>
-                  </a:ext>
-                </a:extLst>
-              </p:cNvPr>
-              <p:cNvPicPr>
-                <a:picLocks noChangeAspect="1"/>
-              </p:cNvPicPr>
-              <p:nvPr/>
-            </p:nvPicPr>
-            <p:blipFill>
-              <a:blip r:embed="rId6"/>
-              <a:stretch>
-                <a:fillRect/>
-              </a:stretch>
-            </p:blipFill>
-            <p:spPr>
-              <a:xfrm>
-                <a:off x="7679926" y="3039622"/>
-                <a:ext cx="2282400" cy="741588"/>
-              </a:xfrm>
-              <a:prstGeom prst="rect">
-                <a:avLst/>
-              </a:prstGeom>
-            </p:spPr>
-          </p:pic>
-        </p:grpSp>
-        <p:pic>
-          <p:nvPicPr>
-            <p:cNvPr id="25" name="圖片 24" descr="一張含有 文字, 螢幕擷取畫面, 白色, 字型 的圖片&#10;&#10;自動產生的描述">
-              <a:extLst>
-                <a:ext uri="{FF2B5EF4-FFF2-40B4-BE49-F238E27FC236}">
-                  <a16:creationId xmlns:a16="http://schemas.microsoft.com/office/drawing/2014/main" id="{242CDBDE-AF1B-46B2-11CA-9E33659BF95F}"/>
-                </a:ext>
-              </a:extLst>
-            </p:cNvPr>
-            <p:cNvPicPr>
-              <a:picLocks noChangeAspect="1"/>
-            </p:cNvPicPr>
-            <p:nvPr/>
-          </p:nvPicPr>
-          <p:blipFill>
-            <a:blip r:embed="rId7"/>
-            <a:stretch>
-              <a:fillRect/>
-            </a:stretch>
-          </p:blipFill>
-          <p:spPr>
-            <a:xfrm>
-              <a:off x="5759207" y="815508"/>
-              <a:ext cx="4162790" cy="651750"/>
-            </a:xfrm>
-            <a:prstGeom prst="rect">
-              <a:avLst/>
-            </a:prstGeom>
-          </p:spPr>
-        </p:pic>
-      </p:grpSp>
       <p:pic>
         <p:nvPicPr>
-          <p:cNvPr id="38" name="圖片 37" descr="一張含有 文字, 螢幕擷取畫面, 行動電話, 多媒體 的圖片&#10;&#10;自動產生的描述">
-            <a:extLst>
-              <a:ext uri="{FF2B5EF4-FFF2-40B4-BE49-F238E27FC236}">
-                <a16:creationId xmlns:a16="http://schemas.microsoft.com/office/drawing/2014/main" id="{4D0FE406-A1FC-A0F9-B7B6-1BE573883817}"/>
+          <p:cNvPr id="35" name="圖片 34" descr="一張含有 螢幕擷取畫面, 多媒體, 作業系統, 軟體 的圖片&#10;&#10;自動產生的描述">
+            <a:extLst>
+              <a:ext uri="{FF2B5EF4-FFF2-40B4-BE49-F238E27FC236}">
+                <a16:creationId xmlns:a16="http://schemas.microsoft.com/office/drawing/2014/main" id="{8704F2D7-D9C1-975F-1BEA-A5C6C2892765}"/>
               </a:ext>
             </a:extLst>
           </p:cNvPr>
@@ -4784,9 +4829,9 @@
           </a:stretch>
         </p:blipFill>
         <p:spPr>
-          <a:xfrm rot="1020093">
-            <a:off x="8474851" y="1063495"/>
-            <a:ext cx="2584115" cy="5232299"/>
+          <a:xfrm rot="1211875">
+            <a:off x="8632234" y="1228589"/>
+            <a:ext cx="2581619" cy="5230800"/>
           </a:xfrm>
           <a:prstGeom prst="rect">
             <a:avLst/>

--- a/doc/introduce.pptx
+++ b/doc/introduce.pptx
@@ -5,7 +5,9 @@
     <p:sldMasterId id="2147483648" r:id="rId1"/>
   </p:sldMasterIdLst>
   <p:sldIdLst>
-    <p:sldId id="257" r:id="rId2"/>
+    <p:sldId id="258" r:id="rId2"/>
+    <p:sldId id="257" r:id="rId3"/>
+    <p:sldId id="259" r:id="rId4"/>
   </p:sldIdLst>
   <p:sldSz cx="12192000" cy="6858000"/>
   <p:notesSz cx="6858000" cy="9144000"/>
@@ -3339,6 +3341,1339 @@
           <p:cNvPr id="10" name="Rectangle 9">
             <a:extLst>
               <a:ext uri="{FF2B5EF4-FFF2-40B4-BE49-F238E27FC236}">
+                <a16:creationId xmlns:a16="http://schemas.microsoft.com/office/drawing/2014/main" id="{D153EDB2-4AAD-43F4-AE78-4D326C813369}"/>
+              </a:ext>
+              <a:ext uri="{C183D7F6-B498-43B3-948B-1728B52AA6E4}">
+                <adec:decorative xmlns:adec="http://schemas.microsoft.com/office/drawing/2017/decorative" val="1"/>
+              </a:ext>
+            </a:extLst>
+          </p:cNvPr>
+          <p:cNvSpPr>
+            <a:spLocks noGrp="1" noRot="1" noChangeAspect="1" noMove="1" noResize="1" noEditPoints="1" noAdjustHandles="1" noChangeArrowheads="1" noChangeShapeType="1" noTextEdit="1"/>
+          </p:cNvSpPr>
+          <p:nvPr>
+            <p:extLst>
+              <p:ext uri="{386F3935-93C4-4BCD-93E2-E3B085C9AB24}">
+                <p16:designElem xmlns:p16="http://schemas.microsoft.com/office/powerpoint/2015/main" val="1"/>
+              </p:ext>
+            </p:extLst>
+          </p:nvPr>
+        </p:nvSpPr>
+        <p:spPr>
+          <a:xfrm>
+            <a:off x="0" y="0"/>
+            <a:ext cx="12192000" cy="6858000"/>
+          </a:xfrm>
+          <a:prstGeom prst="rect">
+            <a:avLst/>
+          </a:prstGeom>
+          <a:solidFill>
+            <a:schemeClr val="bg2">
+              <a:tint val="95000"/>
+              <a:satMod val="170000"/>
+            </a:schemeClr>
+          </a:solidFill>
+          <a:ln>
+            <a:noFill/>
+          </a:ln>
+        </p:spPr>
+        <p:style>
+          <a:lnRef idx="2">
+            <a:schemeClr val="accent1">
+              <a:shade val="50000"/>
+            </a:schemeClr>
+          </a:lnRef>
+          <a:fillRef idx="1">
+            <a:schemeClr val="accent1"/>
+          </a:fillRef>
+          <a:effectRef idx="0">
+            <a:schemeClr val="accent1"/>
+          </a:effectRef>
+          <a:fontRef idx="minor">
+            <a:schemeClr val="lt1"/>
+          </a:fontRef>
+        </p:style>
+        <p:txBody>
+          <a:bodyPr rtlCol="0" anchor="ctr"/>
+          <a:lstStyle/>
+          <a:p>
+            <a:pPr algn="ctr"/>
+            <a:endParaRPr lang="en-US">
+              <a:solidFill>
+                <a:prstClr val="white"/>
+              </a:solidFill>
+              <a:latin typeface="Meiryo"/>
+            </a:endParaRPr>
+          </a:p>
+        </p:txBody>
+      </p:sp>
+      <p:grpSp>
+        <p:nvGrpSpPr>
+          <p:cNvPr id="12" name="Group 11">
+            <a:extLst>
+              <a:ext uri="{FF2B5EF4-FFF2-40B4-BE49-F238E27FC236}">
+                <a16:creationId xmlns:a16="http://schemas.microsoft.com/office/drawing/2014/main" id="{A3CB7779-72E2-4E92-AE18-6BBC335DD881}"/>
+              </a:ext>
+              <a:ext uri="{C183D7F6-B498-43B3-948B-1728B52AA6E4}">
+                <adec:decorative xmlns:adec="http://schemas.microsoft.com/office/drawing/2017/decorative" val="1"/>
+              </a:ext>
+            </a:extLst>
+          </p:cNvPr>
+          <p:cNvGrpSpPr>
+            <a:grpSpLocks noGrp="1" noUngrp="1" noRot="1" noChangeAspect="1" noMove="1" noResize="1"/>
+          </p:cNvGrpSpPr>
+          <p:nvPr>
+            <p:extLst>
+              <p:ext uri="{386F3935-93C4-4BCD-93E2-E3B085C9AB24}">
+                <p16:designElem xmlns:p16="http://schemas.microsoft.com/office/powerpoint/2015/main" val="1"/>
+              </p:ext>
+            </p:extLst>
+          </p:nvPr>
+        </p:nvGrpSpPr>
+        <p:grpSpPr>
+          <a:xfrm>
+            <a:off x="547625" y="0"/>
+            <a:ext cx="11097905" cy="6858000"/>
+            <a:chOff x="547625" y="0"/>
+            <a:chExt cx="11097905" cy="6858000"/>
+          </a:xfrm>
+        </p:grpSpPr>
+        <p:sp>
+          <p:nvSpPr>
+            <p:cNvPr id="13" name="Freeform: Shape 12">
+              <a:extLst>
+                <a:ext uri="{FF2B5EF4-FFF2-40B4-BE49-F238E27FC236}">
+                  <a16:creationId xmlns:a16="http://schemas.microsoft.com/office/drawing/2014/main" id="{175B9DA5-08BD-40EA-B06C-3D3CCD06A8D2}"/>
+                </a:ext>
+                <a:ext uri="{C183D7F6-B498-43B3-948B-1728B52AA6E4}">
+                  <adec:decorative xmlns:adec="http://schemas.microsoft.com/office/drawing/2017/decorative" val="1"/>
+                </a:ext>
+              </a:extLst>
+            </p:cNvPr>
+            <p:cNvSpPr/>
+            <p:nvPr>
+              <p:extLst>
+                <p:ext uri="{386F3935-93C4-4BCD-93E2-E3B085C9AB24}">
+                  <p16:designElem xmlns:p16="http://schemas.microsoft.com/office/powerpoint/2015/main" val="1"/>
+                </p:ext>
+              </p:extLst>
+            </p:nvPr>
+          </p:nvSpPr>
+          <p:spPr>
+            <a:xfrm flipH="1">
+              <a:off x="907575" y="0"/>
+              <a:ext cx="10345003" cy="6858000"/>
+            </a:xfrm>
+            <a:custGeom>
+              <a:avLst/>
+              <a:gdLst>
+                <a:gd name="connsiteX0" fmla="*/ 7551973 w 9174595"/>
+                <a:gd name="connsiteY0" fmla="*/ 0 h 6858000"/>
+                <a:gd name="connsiteX1" fmla="*/ 5634635 w 9174595"/>
+                <a:gd name="connsiteY1" fmla="*/ 0 h 6858000"/>
+                <a:gd name="connsiteX2" fmla="*/ 5550590 w 9174595"/>
+                <a:gd name="connsiteY2" fmla="*/ 0 h 6858000"/>
+                <a:gd name="connsiteX3" fmla="*/ 5480986 w 9174595"/>
+                <a:gd name="connsiteY3" fmla="*/ 0 h 6858000"/>
+                <a:gd name="connsiteX4" fmla="*/ 4886240 w 9174595"/>
+                <a:gd name="connsiteY4" fmla="*/ 0 h 6858000"/>
+                <a:gd name="connsiteX5" fmla="*/ 4816638 w 9174595"/>
+                <a:gd name="connsiteY5" fmla="*/ 0 h 6858000"/>
+                <a:gd name="connsiteX6" fmla="*/ 4357958 w 9174595"/>
+                <a:gd name="connsiteY6" fmla="*/ 0 h 6858000"/>
+                <a:gd name="connsiteX7" fmla="*/ 4288354 w 9174595"/>
+                <a:gd name="connsiteY7" fmla="*/ 0 h 6858000"/>
+                <a:gd name="connsiteX8" fmla="*/ 3693608 w 9174595"/>
+                <a:gd name="connsiteY8" fmla="*/ 0 h 6858000"/>
+                <a:gd name="connsiteX9" fmla="*/ 3624006 w 9174595"/>
+                <a:gd name="connsiteY9" fmla="*/ 0 h 6858000"/>
+                <a:gd name="connsiteX10" fmla="*/ 3276448 w 9174595"/>
+                <a:gd name="connsiteY10" fmla="*/ 0 h 6858000"/>
+                <a:gd name="connsiteX11" fmla="*/ 1622622 w 9174595"/>
+                <a:gd name="connsiteY11" fmla="*/ 0 h 6858000"/>
+                <a:gd name="connsiteX12" fmla="*/ 1600504 w 9174595"/>
+                <a:gd name="connsiteY12" fmla="*/ 14997 h 6858000"/>
+                <a:gd name="connsiteX13" fmla="*/ 0 w 9174595"/>
+                <a:gd name="connsiteY13" fmla="*/ 3621656 h 6858000"/>
+                <a:gd name="connsiteX14" fmla="*/ 1873886 w 9174595"/>
+                <a:gd name="connsiteY14" fmla="*/ 6374814 h 6858000"/>
+                <a:gd name="connsiteX15" fmla="*/ 2390406 w 9174595"/>
+                <a:gd name="connsiteY15" fmla="*/ 6780599 h 6858000"/>
+                <a:gd name="connsiteX16" fmla="*/ 2502136 w 9174595"/>
+                <a:gd name="connsiteY16" fmla="*/ 6858000 h 6858000"/>
+                <a:gd name="connsiteX17" fmla="*/ 3276448 w 9174595"/>
+                <a:gd name="connsiteY17" fmla="*/ 6858000 h 6858000"/>
+                <a:gd name="connsiteX18" fmla="*/ 3624006 w 9174595"/>
+                <a:gd name="connsiteY18" fmla="*/ 6858000 h 6858000"/>
+                <a:gd name="connsiteX19" fmla="*/ 3693608 w 9174595"/>
+                <a:gd name="connsiteY19" fmla="*/ 6858000 h 6858000"/>
+                <a:gd name="connsiteX20" fmla="*/ 4288354 w 9174595"/>
+                <a:gd name="connsiteY20" fmla="*/ 6858000 h 6858000"/>
+                <a:gd name="connsiteX21" fmla="*/ 4357958 w 9174595"/>
+                <a:gd name="connsiteY21" fmla="*/ 6858000 h 6858000"/>
+                <a:gd name="connsiteX22" fmla="*/ 4816638 w 9174595"/>
+                <a:gd name="connsiteY22" fmla="*/ 6858000 h 6858000"/>
+                <a:gd name="connsiteX23" fmla="*/ 4886240 w 9174595"/>
+                <a:gd name="connsiteY23" fmla="*/ 6858000 h 6858000"/>
+                <a:gd name="connsiteX24" fmla="*/ 5480986 w 9174595"/>
+                <a:gd name="connsiteY24" fmla="*/ 6858000 h 6858000"/>
+                <a:gd name="connsiteX25" fmla="*/ 5550590 w 9174595"/>
+                <a:gd name="connsiteY25" fmla="*/ 6858000 h 6858000"/>
+                <a:gd name="connsiteX26" fmla="*/ 5634635 w 9174595"/>
+                <a:gd name="connsiteY26" fmla="*/ 6858000 h 6858000"/>
+                <a:gd name="connsiteX27" fmla="*/ 6672460 w 9174595"/>
+                <a:gd name="connsiteY27" fmla="*/ 6858000 h 6858000"/>
+                <a:gd name="connsiteX28" fmla="*/ 6784188 w 9174595"/>
+                <a:gd name="connsiteY28" fmla="*/ 6780599 h 6858000"/>
+                <a:gd name="connsiteX29" fmla="*/ 7300708 w 9174595"/>
+                <a:gd name="connsiteY29" fmla="*/ 6374814 h 6858000"/>
+                <a:gd name="connsiteX30" fmla="*/ 9174595 w 9174595"/>
+                <a:gd name="connsiteY30" fmla="*/ 3621656 h 6858000"/>
+                <a:gd name="connsiteX31" fmla="*/ 7574092 w 9174595"/>
+                <a:gd name="connsiteY31" fmla="*/ 14997 h 6858000"/>
+              </a:gdLst>
+              <a:ahLst/>
+              <a:cxnLst>
+                <a:cxn ang="0">
+                  <a:pos x="connsiteX0" y="connsiteY0"/>
+                </a:cxn>
+                <a:cxn ang="0">
+                  <a:pos x="connsiteX1" y="connsiteY1"/>
+                </a:cxn>
+                <a:cxn ang="0">
+                  <a:pos x="connsiteX2" y="connsiteY2"/>
+                </a:cxn>
+                <a:cxn ang="0">
+                  <a:pos x="connsiteX3" y="connsiteY3"/>
+                </a:cxn>
+                <a:cxn ang="0">
+                  <a:pos x="connsiteX4" y="connsiteY4"/>
+                </a:cxn>
+                <a:cxn ang="0">
+                  <a:pos x="connsiteX5" y="connsiteY5"/>
+                </a:cxn>
+                <a:cxn ang="0">
+                  <a:pos x="connsiteX6" y="connsiteY6"/>
+                </a:cxn>
+                <a:cxn ang="0">
+                  <a:pos x="connsiteX7" y="connsiteY7"/>
+                </a:cxn>
+                <a:cxn ang="0">
+                  <a:pos x="connsiteX8" y="connsiteY8"/>
+                </a:cxn>
+                <a:cxn ang="0">
+                  <a:pos x="connsiteX9" y="connsiteY9"/>
+                </a:cxn>
+                <a:cxn ang="0">
+                  <a:pos x="connsiteX10" y="connsiteY10"/>
+                </a:cxn>
+                <a:cxn ang="0">
+                  <a:pos x="connsiteX11" y="connsiteY11"/>
+                </a:cxn>
+                <a:cxn ang="0">
+                  <a:pos x="connsiteX12" y="connsiteY12"/>
+                </a:cxn>
+                <a:cxn ang="0">
+                  <a:pos x="connsiteX13" y="connsiteY13"/>
+                </a:cxn>
+                <a:cxn ang="0">
+                  <a:pos x="connsiteX14" y="connsiteY14"/>
+                </a:cxn>
+                <a:cxn ang="0">
+                  <a:pos x="connsiteX15" y="connsiteY15"/>
+                </a:cxn>
+                <a:cxn ang="0">
+                  <a:pos x="connsiteX16" y="connsiteY16"/>
+                </a:cxn>
+                <a:cxn ang="0">
+                  <a:pos x="connsiteX17" y="connsiteY17"/>
+                </a:cxn>
+                <a:cxn ang="0">
+                  <a:pos x="connsiteX18" y="connsiteY18"/>
+                </a:cxn>
+                <a:cxn ang="0">
+                  <a:pos x="connsiteX19" y="connsiteY19"/>
+                </a:cxn>
+                <a:cxn ang="0">
+                  <a:pos x="connsiteX20" y="connsiteY20"/>
+                </a:cxn>
+                <a:cxn ang="0">
+                  <a:pos x="connsiteX21" y="connsiteY21"/>
+                </a:cxn>
+                <a:cxn ang="0">
+                  <a:pos x="connsiteX22" y="connsiteY22"/>
+                </a:cxn>
+                <a:cxn ang="0">
+                  <a:pos x="connsiteX23" y="connsiteY23"/>
+                </a:cxn>
+                <a:cxn ang="0">
+                  <a:pos x="connsiteX24" y="connsiteY24"/>
+                </a:cxn>
+                <a:cxn ang="0">
+                  <a:pos x="connsiteX25" y="connsiteY25"/>
+                </a:cxn>
+                <a:cxn ang="0">
+                  <a:pos x="connsiteX26" y="connsiteY26"/>
+                </a:cxn>
+                <a:cxn ang="0">
+                  <a:pos x="connsiteX27" y="connsiteY27"/>
+                </a:cxn>
+                <a:cxn ang="0">
+                  <a:pos x="connsiteX28" y="connsiteY28"/>
+                </a:cxn>
+                <a:cxn ang="0">
+                  <a:pos x="connsiteX29" y="connsiteY29"/>
+                </a:cxn>
+                <a:cxn ang="0">
+                  <a:pos x="connsiteX30" y="connsiteY30"/>
+                </a:cxn>
+                <a:cxn ang="0">
+                  <a:pos x="connsiteX31" y="connsiteY31"/>
+                </a:cxn>
+              </a:cxnLst>
+              <a:rect l="l" t="t" r="r" b="b"/>
+              <a:pathLst>
+                <a:path w="9174595" h="6858000">
+                  <a:moveTo>
+                    <a:pt x="7551973" y="0"/>
+                  </a:moveTo>
+                  <a:lnTo>
+                    <a:pt x="5634635" y="0"/>
+                  </a:lnTo>
+                  <a:lnTo>
+                    <a:pt x="5550590" y="0"/>
+                  </a:lnTo>
+                  <a:lnTo>
+                    <a:pt x="5480986" y="0"/>
+                  </a:lnTo>
+                  <a:lnTo>
+                    <a:pt x="4886240" y="0"/>
+                  </a:lnTo>
+                  <a:lnTo>
+                    <a:pt x="4816638" y="0"/>
+                  </a:lnTo>
+                  <a:lnTo>
+                    <a:pt x="4357958" y="0"/>
+                  </a:lnTo>
+                  <a:lnTo>
+                    <a:pt x="4288354" y="0"/>
+                  </a:lnTo>
+                  <a:lnTo>
+                    <a:pt x="3693608" y="0"/>
+                  </a:lnTo>
+                  <a:lnTo>
+                    <a:pt x="3624006" y="0"/>
+                  </a:lnTo>
+                  <a:lnTo>
+                    <a:pt x="3276448" y="0"/>
+                  </a:lnTo>
+                  <a:lnTo>
+                    <a:pt x="1622622" y="0"/>
+                  </a:lnTo>
+                  <a:lnTo>
+                    <a:pt x="1600504" y="14997"/>
+                  </a:lnTo>
+                  <a:cubicBezTo>
+                    <a:pt x="573594" y="754641"/>
+                    <a:pt x="0" y="2093192"/>
+                    <a:pt x="0" y="3621656"/>
+                  </a:cubicBezTo>
+                  <a:cubicBezTo>
+                    <a:pt x="0" y="4969131"/>
+                    <a:pt x="928496" y="5602839"/>
+                    <a:pt x="1873886" y="6374814"/>
+                  </a:cubicBezTo>
+                  <a:cubicBezTo>
+                    <a:pt x="2046046" y="6515397"/>
+                    <a:pt x="2216632" y="6653108"/>
+                    <a:pt x="2390406" y="6780599"/>
+                  </a:cubicBezTo>
+                  <a:lnTo>
+                    <a:pt x="2502136" y="6858000"/>
+                  </a:lnTo>
+                  <a:lnTo>
+                    <a:pt x="3276448" y="6858000"/>
+                  </a:lnTo>
+                  <a:lnTo>
+                    <a:pt x="3624006" y="6858000"/>
+                  </a:lnTo>
+                  <a:lnTo>
+                    <a:pt x="3693608" y="6858000"/>
+                  </a:lnTo>
+                  <a:lnTo>
+                    <a:pt x="4288354" y="6858000"/>
+                  </a:lnTo>
+                  <a:lnTo>
+                    <a:pt x="4357958" y="6858000"/>
+                  </a:lnTo>
+                  <a:lnTo>
+                    <a:pt x="4816638" y="6858000"/>
+                  </a:lnTo>
+                  <a:lnTo>
+                    <a:pt x="4886240" y="6858000"/>
+                  </a:lnTo>
+                  <a:lnTo>
+                    <a:pt x="5480986" y="6858000"/>
+                  </a:lnTo>
+                  <a:lnTo>
+                    <a:pt x="5550590" y="6858000"/>
+                  </a:lnTo>
+                  <a:lnTo>
+                    <a:pt x="5634635" y="6858000"/>
+                  </a:lnTo>
+                  <a:lnTo>
+                    <a:pt x="6672460" y="6858000"/>
+                  </a:lnTo>
+                  <a:lnTo>
+                    <a:pt x="6784188" y="6780599"/>
+                  </a:lnTo>
+                  <a:cubicBezTo>
+                    <a:pt x="6957963" y="6653108"/>
+                    <a:pt x="7128548" y="6515397"/>
+                    <a:pt x="7300708" y="6374814"/>
+                  </a:cubicBezTo>
+                  <a:cubicBezTo>
+                    <a:pt x="8246100" y="5602839"/>
+                    <a:pt x="9174595" y="4969131"/>
+                    <a:pt x="9174595" y="3621656"/>
+                  </a:cubicBezTo>
+                  <a:cubicBezTo>
+                    <a:pt x="9174595" y="2093192"/>
+                    <a:pt x="8601001" y="754641"/>
+                    <a:pt x="7574092" y="14997"/>
+                  </a:cubicBezTo>
+                  <a:close/>
+                </a:path>
+              </a:pathLst>
+            </a:custGeom>
+            <a:solidFill>
+              <a:schemeClr val="bg1">
+                <a:alpha val="30000"/>
+              </a:schemeClr>
+            </a:solidFill>
+            <a:ln>
+              <a:noFill/>
+            </a:ln>
+          </p:spPr>
+          <p:style>
+            <a:lnRef idx="2">
+              <a:schemeClr val="accent1">
+                <a:shade val="50000"/>
+              </a:schemeClr>
+            </a:lnRef>
+            <a:fillRef idx="1">
+              <a:schemeClr val="accent1"/>
+            </a:fillRef>
+            <a:effectRef idx="0">
+              <a:schemeClr val="accent1"/>
+            </a:effectRef>
+            <a:fontRef idx="minor">
+              <a:schemeClr val="lt1"/>
+            </a:fontRef>
+          </p:style>
+          <p:txBody>
+            <a:bodyPr wrap="square" rtlCol="0" anchor="ctr">
+              <a:noAutofit/>
+            </a:bodyPr>
+            <a:lstStyle/>
+            <a:p>
+              <a:pPr algn="ctr"/>
+              <a:endParaRPr lang="en-US"/>
+            </a:p>
+          </p:txBody>
+        </p:sp>
+        <p:sp>
+          <p:nvSpPr>
+            <p:cNvPr id="14" name="Freeform: Shape 13">
+              <a:extLst>
+                <a:ext uri="{FF2B5EF4-FFF2-40B4-BE49-F238E27FC236}">
+                  <a16:creationId xmlns:a16="http://schemas.microsoft.com/office/drawing/2014/main" id="{9EE62D72-11EF-40E9-BF23-0FCAEACDD7F8}"/>
+                </a:ext>
+                <a:ext uri="{C183D7F6-B498-43B3-948B-1728B52AA6E4}">
+                  <adec:decorative xmlns:adec="http://schemas.microsoft.com/office/drawing/2017/decorative" val="1"/>
+                </a:ext>
+              </a:extLst>
+            </p:cNvPr>
+            <p:cNvSpPr/>
+            <p:nvPr>
+              <p:extLst>
+                <p:ext uri="{386F3935-93C4-4BCD-93E2-E3B085C9AB24}">
+                  <p16:designElem xmlns:p16="http://schemas.microsoft.com/office/powerpoint/2015/main" val="1"/>
+                </p:ext>
+              </p:extLst>
+            </p:nvPr>
+          </p:nvSpPr>
+          <p:spPr>
+            <a:xfrm flipH="1">
+              <a:off x="708673" y="0"/>
+              <a:ext cx="2486322" cy="6858000"/>
+            </a:xfrm>
+            <a:custGeom>
+              <a:avLst/>
+              <a:gdLst>
+                <a:gd name="connsiteX0" fmla="*/ 879731 w 2521425"/>
+                <a:gd name="connsiteY0" fmla="*/ 0 h 6858000"/>
+                <a:gd name="connsiteX1" fmla="*/ 898402 w 2521425"/>
+                <a:gd name="connsiteY1" fmla="*/ 0 h 6858000"/>
+                <a:gd name="connsiteX2" fmla="*/ 920526 w 2521425"/>
+                <a:gd name="connsiteY2" fmla="*/ 14997 h 6858000"/>
+                <a:gd name="connsiteX3" fmla="*/ 2521425 w 2521425"/>
+                <a:gd name="connsiteY3" fmla="*/ 3621656 h 6858000"/>
+                <a:gd name="connsiteX4" fmla="*/ 647075 w 2521425"/>
+                <a:gd name="connsiteY4" fmla="*/ 6374814 h 6858000"/>
+                <a:gd name="connsiteX5" fmla="*/ 130427 w 2521425"/>
+                <a:gd name="connsiteY5" fmla="*/ 6780599 h 6858000"/>
+                <a:gd name="connsiteX6" fmla="*/ 18671 w 2521425"/>
+                <a:gd name="connsiteY6" fmla="*/ 6858000 h 6858000"/>
+                <a:gd name="connsiteX7" fmla="*/ 0 w 2521425"/>
+                <a:gd name="connsiteY7" fmla="*/ 6858000 h 6858000"/>
+                <a:gd name="connsiteX8" fmla="*/ 111756 w 2521425"/>
+                <a:gd name="connsiteY8" fmla="*/ 6780599 h 6858000"/>
+                <a:gd name="connsiteX9" fmla="*/ 628404 w 2521425"/>
+                <a:gd name="connsiteY9" fmla="*/ 6374814 h 6858000"/>
+                <a:gd name="connsiteX10" fmla="*/ 2502754 w 2521425"/>
+                <a:gd name="connsiteY10" fmla="*/ 3621656 h 6858000"/>
+                <a:gd name="connsiteX11" fmla="*/ 901855 w 2521425"/>
+                <a:gd name="connsiteY11" fmla="*/ 14997 h 6858000"/>
+              </a:gdLst>
+              <a:ahLst/>
+              <a:cxnLst>
+                <a:cxn ang="0">
+                  <a:pos x="connsiteX0" y="connsiteY0"/>
+                </a:cxn>
+                <a:cxn ang="0">
+                  <a:pos x="connsiteX1" y="connsiteY1"/>
+                </a:cxn>
+                <a:cxn ang="0">
+                  <a:pos x="connsiteX2" y="connsiteY2"/>
+                </a:cxn>
+                <a:cxn ang="0">
+                  <a:pos x="connsiteX3" y="connsiteY3"/>
+                </a:cxn>
+                <a:cxn ang="0">
+                  <a:pos x="connsiteX4" y="connsiteY4"/>
+                </a:cxn>
+                <a:cxn ang="0">
+                  <a:pos x="connsiteX5" y="connsiteY5"/>
+                </a:cxn>
+                <a:cxn ang="0">
+                  <a:pos x="connsiteX6" y="connsiteY6"/>
+                </a:cxn>
+                <a:cxn ang="0">
+                  <a:pos x="connsiteX7" y="connsiteY7"/>
+                </a:cxn>
+                <a:cxn ang="0">
+                  <a:pos x="connsiteX8" y="connsiteY8"/>
+                </a:cxn>
+                <a:cxn ang="0">
+                  <a:pos x="connsiteX9" y="connsiteY9"/>
+                </a:cxn>
+                <a:cxn ang="0">
+                  <a:pos x="connsiteX10" y="connsiteY10"/>
+                </a:cxn>
+                <a:cxn ang="0">
+                  <a:pos x="connsiteX11" y="connsiteY11"/>
+                </a:cxn>
+              </a:cxnLst>
+              <a:rect l="l" t="t" r="r" b="b"/>
+              <a:pathLst>
+                <a:path w="2521425" h="6858000">
+                  <a:moveTo>
+                    <a:pt x="879731" y="0"/>
+                  </a:moveTo>
+                  <a:lnTo>
+                    <a:pt x="898402" y="0"/>
+                  </a:lnTo>
+                  <a:lnTo>
+                    <a:pt x="920526" y="14997"/>
+                  </a:lnTo>
+                  <a:cubicBezTo>
+                    <a:pt x="1947689" y="754641"/>
+                    <a:pt x="2521425" y="2093192"/>
+                    <a:pt x="2521425" y="3621656"/>
+                  </a:cubicBezTo>
+                  <a:cubicBezTo>
+                    <a:pt x="2521425" y="4969131"/>
+                    <a:pt x="1592700" y="5602839"/>
+                    <a:pt x="647075" y="6374814"/>
+                  </a:cubicBezTo>
+                  <a:cubicBezTo>
+                    <a:pt x="474872" y="6515397"/>
+                    <a:pt x="304245" y="6653108"/>
+                    <a:pt x="130427" y="6780599"/>
+                  </a:cubicBezTo>
+                  <a:lnTo>
+                    <a:pt x="18671" y="6858000"/>
+                  </a:lnTo>
+                  <a:lnTo>
+                    <a:pt x="0" y="6858000"/>
+                  </a:lnTo>
+                  <a:lnTo>
+                    <a:pt x="111756" y="6780599"/>
+                  </a:lnTo>
+                  <a:cubicBezTo>
+                    <a:pt x="285574" y="6653108"/>
+                    <a:pt x="456201" y="6515397"/>
+                    <a:pt x="628404" y="6374814"/>
+                  </a:cubicBezTo>
+                  <a:cubicBezTo>
+                    <a:pt x="1574029" y="5602839"/>
+                    <a:pt x="2502754" y="4969131"/>
+                    <a:pt x="2502754" y="3621656"/>
+                  </a:cubicBezTo>
+                  <a:cubicBezTo>
+                    <a:pt x="2502754" y="2093192"/>
+                    <a:pt x="1929018" y="754641"/>
+                    <a:pt x="901855" y="14997"/>
+                  </a:cubicBezTo>
+                  <a:close/>
+                </a:path>
+              </a:pathLst>
+            </a:custGeom>
+            <a:solidFill>
+              <a:srgbClr val="FFFFFF">
+                <a:alpha val="50000"/>
+              </a:srgbClr>
+            </a:solidFill>
+            <a:ln>
+              <a:noFill/>
+            </a:ln>
+          </p:spPr>
+          <p:style>
+            <a:lnRef idx="2">
+              <a:schemeClr val="accent1">
+                <a:shade val="50000"/>
+              </a:schemeClr>
+            </a:lnRef>
+            <a:fillRef idx="1">
+              <a:schemeClr val="accent1"/>
+            </a:fillRef>
+            <a:effectRef idx="0">
+              <a:schemeClr val="accent1"/>
+            </a:effectRef>
+            <a:fontRef idx="minor">
+              <a:schemeClr val="lt1"/>
+            </a:fontRef>
+          </p:style>
+          <p:txBody>
+            <a:bodyPr wrap="square" rtlCol="0" anchor="ctr">
+              <a:noAutofit/>
+            </a:bodyPr>
+            <a:lstStyle/>
+            <a:p>
+              <a:pPr marL="0" marR="0" lvl="0" indent="0" algn="ctr" defTabSz="914400" rtl="0" eaLnBrk="1" fontAlgn="auto" latinLnBrk="0" hangingPunct="1">
+                <a:lnSpc>
+                  <a:spcPct val="100000"/>
+                </a:lnSpc>
+                <a:spcBef>
+                  <a:spcPts val="0"/>
+                </a:spcBef>
+                <a:spcAft>
+                  <a:spcPts val="0"/>
+                </a:spcAft>
+                <a:buClrTx/>
+                <a:buSzTx/>
+                <a:buFontTx/>
+                <a:buNone/>
+                <a:tabLst/>
+                <a:defRPr/>
+              </a:pPr>
+              <a:endParaRPr kumimoji="0" lang="en-US" sz="1800" b="0" i="0" u="none" strike="noStrike" kern="1200" cap="none" spc="0" normalizeH="0" baseline="0" noProof="0" dirty="0">
+                <a:ln>
+                  <a:noFill/>
+                </a:ln>
+                <a:solidFill>
+                  <a:prstClr val="white"/>
+                </a:solidFill>
+                <a:effectLst/>
+                <a:uLnTx/>
+                <a:uFillTx/>
+                <a:latin typeface="Meiryo"/>
+                <a:ea typeface="+mn-ea"/>
+                <a:cs typeface="+mn-cs"/>
+              </a:endParaRPr>
+            </a:p>
+          </p:txBody>
+        </p:sp>
+        <p:sp>
+          <p:nvSpPr>
+            <p:cNvPr id="15" name="Freeform: Shape 14">
+              <a:extLst>
+                <a:ext uri="{FF2B5EF4-FFF2-40B4-BE49-F238E27FC236}">
+                  <a16:creationId xmlns:a16="http://schemas.microsoft.com/office/drawing/2014/main" id="{676336F2-6633-4E26-8760-05F94D87D5D0}"/>
+                </a:ext>
+                <a:ext uri="{C183D7F6-B498-43B3-948B-1728B52AA6E4}">
+                  <adec:decorative xmlns:adec="http://schemas.microsoft.com/office/drawing/2017/decorative" val="1"/>
+                </a:ext>
+              </a:extLst>
+            </p:cNvPr>
+            <p:cNvSpPr/>
+            <p:nvPr>
+              <p:extLst>
+                <p:ext uri="{386F3935-93C4-4BCD-93E2-E3B085C9AB24}">
+                  <p16:designElem xmlns:p16="http://schemas.microsoft.com/office/powerpoint/2015/main" val="1"/>
+                </p:ext>
+              </p:extLst>
+            </p:nvPr>
+          </p:nvSpPr>
+          <p:spPr>
+            <a:xfrm>
+              <a:off x="8975235" y="0"/>
+              <a:ext cx="2486322" cy="6858000"/>
+            </a:xfrm>
+            <a:custGeom>
+              <a:avLst/>
+              <a:gdLst>
+                <a:gd name="connsiteX0" fmla="*/ 879731 w 2521425"/>
+                <a:gd name="connsiteY0" fmla="*/ 0 h 6858000"/>
+                <a:gd name="connsiteX1" fmla="*/ 898402 w 2521425"/>
+                <a:gd name="connsiteY1" fmla="*/ 0 h 6858000"/>
+                <a:gd name="connsiteX2" fmla="*/ 920526 w 2521425"/>
+                <a:gd name="connsiteY2" fmla="*/ 14997 h 6858000"/>
+                <a:gd name="connsiteX3" fmla="*/ 2521425 w 2521425"/>
+                <a:gd name="connsiteY3" fmla="*/ 3621656 h 6858000"/>
+                <a:gd name="connsiteX4" fmla="*/ 647075 w 2521425"/>
+                <a:gd name="connsiteY4" fmla="*/ 6374814 h 6858000"/>
+                <a:gd name="connsiteX5" fmla="*/ 130427 w 2521425"/>
+                <a:gd name="connsiteY5" fmla="*/ 6780599 h 6858000"/>
+                <a:gd name="connsiteX6" fmla="*/ 18671 w 2521425"/>
+                <a:gd name="connsiteY6" fmla="*/ 6858000 h 6858000"/>
+                <a:gd name="connsiteX7" fmla="*/ 0 w 2521425"/>
+                <a:gd name="connsiteY7" fmla="*/ 6858000 h 6858000"/>
+                <a:gd name="connsiteX8" fmla="*/ 111756 w 2521425"/>
+                <a:gd name="connsiteY8" fmla="*/ 6780599 h 6858000"/>
+                <a:gd name="connsiteX9" fmla="*/ 628404 w 2521425"/>
+                <a:gd name="connsiteY9" fmla="*/ 6374814 h 6858000"/>
+                <a:gd name="connsiteX10" fmla="*/ 2502754 w 2521425"/>
+                <a:gd name="connsiteY10" fmla="*/ 3621656 h 6858000"/>
+                <a:gd name="connsiteX11" fmla="*/ 901855 w 2521425"/>
+                <a:gd name="connsiteY11" fmla="*/ 14997 h 6858000"/>
+              </a:gdLst>
+              <a:ahLst/>
+              <a:cxnLst>
+                <a:cxn ang="0">
+                  <a:pos x="connsiteX0" y="connsiteY0"/>
+                </a:cxn>
+                <a:cxn ang="0">
+                  <a:pos x="connsiteX1" y="connsiteY1"/>
+                </a:cxn>
+                <a:cxn ang="0">
+                  <a:pos x="connsiteX2" y="connsiteY2"/>
+                </a:cxn>
+                <a:cxn ang="0">
+                  <a:pos x="connsiteX3" y="connsiteY3"/>
+                </a:cxn>
+                <a:cxn ang="0">
+                  <a:pos x="connsiteX4" y="connsiteY4"/>
+                </a:cxn>
+                <a:cxn ang="0">
+                  <a:pos x="connsiteX5" y="connsiteY5"/>
+                </a:cxn>
+                <a:cxn ang="0">
+                  <a:pos x="connsiteX6" y="connsiteY6"/>
+                </a:cxn>
+                <a:cxn ang="0">
+                  <a:pos x="connsiteX7" y="connsiteY7"/>
+                </a:cxn>
+                <a:cxn ang="0">
+                  <a:pos x="connsiteX8" y="connsiteY8"/>
+                </a:cxn>
+                <a:cxn ang="0">
+                  <a:pos x="connsiteX9" y="connsiteY9"/>
+                </a:cxn>
+                <a:cxn ang="0">
+                  <a:pos x="connsiteX10" y="connsiteY10"/>
+                </a:cxn>
+                <a:cxn ang="0">
+                  <a:pos x="connsiteX11" y="connsiteY11"/>
+                </a:cxn>
+              </a:cxnLst>
+              <a:rect l="l" t="t" r="r" b="b"/>
+              <a:pathLst>
+                <a:path w="2521425" h="6858000">
+                  <a:moveTo>
+                    <a:pt x="879731" y="0"/>
+                  </a:moveTo>
+                  <a:lnTo>
+                    <a:pt x="898402" y="0"/>
+                  </a:lnTo>
+                  <a:lnTo>
+                    <a:pt x="920526" y="14997"/>
+                  </a:lnTo>
+                  <a:cubicBezTo>
+                    <a:pt x="1947689" y="754641"/>
+                    <a:pt x="2521425" y="2093192"/>
+                    <a:pt x="2521425" y="3621656"/>
+                  </a:cubicBezTo>
+                  <a:cubicBezTo>
+                    <a:pt x="2521425" y="4969131"/>
+                    <a:pt x="1592700" y="5602839"/>
+                    <a:pt x="647075" y="6374814"/>
+                  </a:cubicBezTo>
+                  <a:cubicBezTo>
+                    <a:pt x="474872" y="6515397"/>
+                    <a:pt x="304245" y="6653108"/>
+                    <a:pt x="130427" y="6780599"/>
+                  </a:cubicBezTo>
+                  <a:lnTo>
+                    <a:pt x="18671" y="6858000"/>
+                  </a:lnTo>
+                  <a:lnTo>
+                    <a:pt x="0" y="6858000"/>
+                  </a:lnTo>
+                  <a:lnTo>
+                    <a:pt x="111756" y="6780599"/>
+                  </a:lnTo>
+                  <a:cubicBezTo>
+                    <a:pt x="285574" y="6653108"/>
+                    <a:pt x="456201" y="6515397"/>
+                    <a:pt x="628404" y="6374814"/>
+                  </a:cubicBezTo>
+                  <a:cubicBezTo>
+                    <a:pt x="1574029" y="5602839"/>
+                    <a:pt x="2502754" y="4969131"/>
+                    <a:pt x="2502754" y="3621656"/>
+                  </a:cubicBezTo>
+                  <a:cubicBezTo>
+                    <a:pt x="2502754" y="2093192"/>
+                    <a:pt x="1929018" y="754641"/>
+                    <a:pt x="901855" y="14997"/>
+                  </a:cubicBezTo>
+                  <a:close/>
+                </a:path>
+              </a:pathLst>
+            </a:custGeom>
+            <a:solidFill>
+              <a:srgbClr val="FFFFFF">
+                <a:alpha val="50000"/>
+              </a:srgbClr>
+            </a:solidFill>
+            <a:ln>
+              <a:noFill/>
+            </a:ln>
+          </p:spPr>
+          <p:style>
+            <a:lnRef idx="2">
+              <a:schemeClr val="accent1">
+                <a:shade val="50000"/>
+              </a:schemeClr>
+            </a:lnRef>
+            <a:fillRef idx="1">
+              <a:schemeClr val="accent1"/>
+            </a:fillRef>
+            <a:effectRef idx="0">
+              <a:schemeClr val="accent1"/>
+            </a:effectRef>
+            <a:fontRef idx="minor">
+              <a:schemeClr val="lt1"/>
+            </a:fontRef>
+          </p:style>
+          <p:txBody>
+            <a:bodyPr wrap="square" rtlCol="0" anchor="ctr">
+              <a:noAutofit/>
+            </a:bodyPr>
+            <a:lstStyle/>
+            <a:p>
+              <a:pPr marL="0" marR="0" lvl="0" indent="0" algn="ctr" defTabSz="914400" rtl="0" eaLnBrk="1" fontAlgn="auto" latinLnBrk="0" hangingPunct="1">
+                <a:lnSpc>
+                  <a:spcPct val="100000"/>
+                </a:lnSpc>
+                <a:spcBef>
+                  <a:spcPts val="0"/>
+                </a:spcBef>
+                <a:spcAft>
+                  <a:spcPts val="0"/>
+                </a:spcAft>
+                <a:buClrTx/>
+                <a:buSzTx/>
+                <a:buFontTx/>
+                <a:buNone/>
+                <a:tabLst/>
+                <a:defRPr/>
+              </a:pPr>
+              <a:endParaRPr kumimoji="0" lang="en-US" sz="1800" b="0" i="0" u="none" strike="noStrike" kern="1200" cap="none" spc="0" normalizeH="0" baseline="0" noProof="0" dirty="0">
+                <a:ln>
+                  <a:noFill/>
+                </a:ln>
+                <a:solidFill>
+                  <a:prstClr val="white"/>
+                </a:solidFill>
+                <a:effectLst/>
+                <a:uLnTx/>
+                <a:uFillTx/>
+                <a:latin typeface="Meiryo"/>
+                <a:ea typeface="+mn-ea"/>
+                <a:cs typeface="+mn-cs"/>
+              </a:endParaRPr>
+            </a:p>
+          </p:txBody>
+        </p:sp>
+        <p:sp>
+          <p:nvSpPr>
+            <p:cNvPr id="16" name="Freeform: Shape 15">
+              <a:extLst>
+                <a:ext uri="{FF2B5EF4-FFF2-40B4-BE49-F238E27FC236}">
+                  <a16:creationId xmlns:a16="http://schemas.microsoft.com/office/drawing/2014/main" id="{39F3102E-7749-422F-8F51-A148252B8E32}"/>
+                </a:ext>
+                <a:ext uri="{C183D7F6-B498-43B3-948B-1728B52AA6E4}">
+                  <adec:decorative xmlns:adec="http://schemas.microsoft.com/office/drawing/2017/decorative" val="1"/>
+                </a:ext>
+              </a:extLst>
+            </p:cNvPr>
+            <p:cNvSpPr/>
+            <p:nvPr>
+              <p:extLst>
+                <p:ext uri="{386F3935-93C4-4BCD-93E2-E3B085C9AB24}">
+                  <p16:designElem xmlns:p16="http://schemas.microsoft.com/office/powerpoint/2015/main" val="1"/>
+                </p:ext>
+              </p:extLst>
+            </p:nvPr>
+          </p:nvSpPr>
+          <p:spPr>
+            <a:xfrm flipH="1">
+              <a:off x="547625" y="0"/>
+              <a:ext cx="2209181" cy="6858000"/>
+            </a:xfrm>
+            <a:custGeom>
+              <a:avLst/>
+              <a:gdLst>
+                <a:gd name="connsiteX0" fmla="*/ 955085 w 2209181"/>
+                <a:gd name="connsiteY0" fmla="*/ 0 h 6858000"/>
+                <a:gd name="connsiteX1" fmla="*/ 937727 w 2209181"/>
+                <a:gd name="connsiteY1" fmla="*/ 0 h 6858000"/>
+                <a:gd name="connsiteX2" fmla="*/ 963738 w 2209181"/>
+                <a:gd name="connsiteY2" fmla="*/ 24346 h 6858000"/>
+                <a:gd name="connsiteX3" fmla="*/ 2184004 w 2209181"/>
+                <a:gd name="connsiteY3" fmla="*/ 3809420 h 6858000"/>
+                <a:gd name="connsiteX4" fmla="*/ 218679 w 2209181"/>
+                <a:gd name="connsiteY4" fmla="*/ 6681644 h 6858000"/>
+                <a:gd name="connsiteX5" fmla="*/ 0 w 2209181"/>
+                <a:gd name="connsiteY5" fmla="*/ 6858000 h 6858000"/>
+                <a:gd name="connsiteX6" fmla="*/ 19349 w 2209181"/>
+                <a:gd name="connsiteY6" fmla="*/ 6858000 h 6858000"/>
+                <a:gd name="connsiteX7" fmla="*/ 236958 w 2209181"/>
+                <a:gd name="connsiteY7" fmla="*/ 6682507 h 6858000"/>
+                <a:gd name="connsiteX8" fmla="*/ 2202283 w 2209181"/>
+                <a:gd name="connsiteY8" fmla="*/ 3810283 h 6858000"/>
+                <a:gd name="connsiteX9" fmla="*/ 982018 w 2209181"/>
+                <a:gd name="connsiteY9" fmla="*/ 25210 h 6858000"/>
+              </a:gdLst>
+              <a:ahLst/>
+              <a:cxnLst>
+                <a:cxn ang="0">
+                  <a:pos x="connsiteX0" y="connsiteY0"/>
+                </a:cxn>
+                <a:cxn ang="0">
+                  <a:pos x="connsiteX1" y="connsiteY1"/>
+                </a:cxn>
+                <a:cxn ang="0">
+                  <a:pos x="connsiteX2" y="connsiteY2"/>
+                </a:cxn>
+                <a:cxn ang="0">
+                  <a:pos x="connsiteX3" y="connsiteY3"/>
+                </a:cxn>
+                <a:cxn ang="0">
+                  <a:pos x="connsiteX4" y="connsiteY4"/>
+                </a:cxn>
+                <a:cxn ang="0">
+                  <a:pos x="connsiteX5" y="connsiteY5"/>
+                </a:cxn>
+                <a:cxn ang="0">
+                  <a:pos x="connsiteX6" y="connsiteY6"/>
+                </a:cxn>
+                <a:cxn ang="0">
+                  <a:pos x="connsiteX7" y="connsiteY7"/>
+                </a:cxn>
+                <a:cxn ang="0">
+                  <a:pos x="connsiteX8" y="connsiteY8"/>
+                </a:cxn>
+                <a:cxn ang="0">
+                  <a:pos x="connsiteX9" y="connsiteY9"/>
+                </a:cxn>
+              </a:cxnLst>
+              <a:rect l="l" t="t" r="r" b="b"/>
+              <a:pathLst>
+                <a:path w="2209181" h="6858000">
+                  <a:moveTo>
+                    <a:pt x="955085" y="0"/>
+                  </a:moveTo>
+                  <a:lnTo>
+                    <a:pt x="937727" y="0"/>
+                  </a:lnTo>
+                  <a:lnTo>
+                    <a:pt x="963738" y="24346"/>
+                  </a:lnTo>
+                  <a:cubicBezTo>
+                    <a:pt x="1818009" y="885455"/>
+                    <a:pt x="2251801" y="2269402"/>
+                    <a:pt x="2184004" y="3809420"/>
+                  </a:cubicBezTo>
+                  <a:cubicBezTo>
+                    <a:pt x="2120250" y="5257592"/>
+                    <a:pt x="1181008" y="5895709"/>
+                    <a:pt x="218679" y="6681644"/>
+                  </a:cubicBezTo>
+                  <a:lnTo>
+                    <a:pt x="0" y="6858000"/>
+                  </a:lnTo>
+                  <a:lnTo>
+                    <a:pt x="19349" y="6858000"/>
+                  </a:lnTo>
+                  <a:lnTo>
+                    <a:pt x="236958" y="6682507"/>
+                  </a:lnTo>
+                  <a:cubicBezTo>
+                    <a:pt x="1199288" y="5896573"/>
+                    <a:pt x="2138530" y="5258455"/>
+                    <a:pt x="2202283" y="3810283"/>
+                  </a:cubicBezTo>
+                  <a:cubicBezTo>
+                    <a:pt x="2270080" y="2270266"/>
+                    <a:pt x="1836289" y="886318"/>
+                    <a:pt x="982018" y="25210"/>
+                  </a:cubicBezTo>
+                  <a:close/>
+                </a:path>
+              </a:pathLst>
+            </a:custGeom>
+            <a:solidFill>
+              <a:srgbClr val="FFFFFF">
+                <a:alpha val="50000"/>
+              </a:srgbClr>
+            </a:solidFill>
+            <a:ln>
+              <a:noFill/>
+            </a:ln>
+          </p:spPr>
+          <p:style>
+            <a:lnRef idx="2">
+              <a:schemeClr val="accent1">
+                <a:shade val="50000"/>
+              </a:schemeClr>
+            </a:lnRef>
+            <a:fillRef idx="1">
+              <a:schemeClr val="accent1"/>
+            </a:fillRef>
+            <a:effectRef idx="0">
+              <a:schemeClr val="accent1"/>
+            </a:effectRef>
+            <a:fontRef idx="minor">
+              <a:schemeClr val="lt1"/>
+            </a:fontRef>
+          </p:style>
+          <p:txBody>
+            <a:bodyPr wrap="square" rtlCol="0" anchor="ctr">
+              <a:noAutofit/>
+            </a:bodyPr>
+            <a:lstStyle/>
+            <a:p>
+              <a:pPr marL="0" marR="0" lvl="0" indent="0" algn="ctr" defTabSz="457200" rtl="0" eaLnBrk="1" fontAlgn="auto" latinLnBrk="0" hangingPunct="1">
+                <a:lnSpc>
+                  <a:spcPct val="100000"/>
+                </a:lnSpc>
+                <a:spcBef>
+                  <a:spcPts val="0"/>
+                </a:spcBef>
+                <a:spcAft>
+                  <a:spcPts val="0"/>
+                </a:spcAft>
+                <a:buClrTx/>
+                <a:buSzTx/>
+                <a:buFontTx/>
+                <a:buNone/>
+                <a:tabLst/>
+                <a:defRPr/>
+              </a:pPr>
+              <a:endParaRPr kumimoji="0" lang="en-US" sz="1800" b="0" i="0" u="none" strike="noStrike" kern="1200" cap="none" spc="0" normalizeH="0" baseline="0" noProof="0" dirty="0">
+                <a:ln>
+                  <a:noFill/>
+                </a:ln>
+                <a:solidFill>
+                  <a:prstClr val="white"/>
+                </a:solidFill>
+                <a:effectLst/>
+                <a:uLnTx/>
+                <a:uFillTx/>
+                <a:latin typeface="Meiryo"/>
+                <a:ea typeface="+mn-ea"/>
+                <a:cs typeface="+mn-cs"/>
+              </a:endParaRPr>
+            </a:p>
+          </p:txBody>
+        </p:sp>
+        <p:sp>
+          <p:nvSpPr>
+            <p:cNvPr id="17" name="Freeform: Shape 16">
+              <a:extLst>
+                <a:ext uri="{FF2B5EF4-FFF2-40B4-BE49-F238E27FC236}">
+                  <a16:creationId xmlns:a16="http://schemas.microsoft.com/office/drawing/2014/main" id="{871191CD-1211-4C40-9D45-449D9BE65A23}"/>
+                </a:ext>
+                <a:ext uri="{C183D7F6-B498-43B3-948B-1728B52AA6E4}">
+                  <adec:decorative xmlns:adec="http://schemas.microsoft.com/office/drawing/2017/decorative" val="1"/>
+                </a:ext>
+              </a:extLst>
+            </p:cNvPr>
+            <p:cNvSpPr/>
+            <p:nvPr>
+              <p:extLst>
+                <p:ext uri="{386F3935-93C4-4BCD-93E2-E3B085C9AB24}">
+                  <p16:designElem xmlns:p16="http://schemas.microsoft.com/office/powerpoint/2015/main" val="1"/>
+                </p:ext>
+              </p:extLst>
+            </p:nvPr>
+          </p:nvSpPr>
+          <p:spPr>
+            <a:xfrm>
+              <a:off x="9436349" y="0"/>
+              <a:ext cx="2209181" cy="6858000"/>
+            </a:xfrm>
+            <a:custGeom>
+              <a:avLst/>
+              <a:gdLst>
+                <a:gd name="connsiteX0" fmla="*/ 937727 w 2209181"/>
+                <a:gd name="connsiteY0" fmla="*/ 0 h 6858000"/>
+                <a:gd name="connsiteX1" fmla="*/ 955085 w 2209181"/>
+                <a:gd name="connsiteY1" fmla="*/ 0 h 6858000"/>
+                <a:gd name="connsiteX2" fmla="*/ 982018 w 2209181"/>
+                <a:gd name="connsiteY2" fmla="*/ 25210 h 6858000"/>
+                <a:gd name="connsiteX3" fmla="*/ 2202283 w 2209181"/>
+                <a:gd name="connsiteY3" fmla="*/ 3810283 h 6858000"/>
+                <a:gd name="connsiteX4" fmla="*/ 236958 w 2209181"/>
+                <a:gd name="connsiteY4" fmla="*/ 6682507 h 6858000"/>
+                <a:gd name="connsiteX5" fmla="*/ 19349 w 2209181"/>
+                <a:gd name="connsiteY5" fmla="*/ 6858000 h 6858000"/>
+                <a:gd name="connsiteX6" fmla="*/ 0 w 2209181"/>
+                <a:gd name="connsiteY6" fmla="*/ 6858000 h 6858000"/>
+                <a:gd name="connsiteX7" fmla="*/ 218679 w 2209181"/>
+                <a:gd name="connsiteY7" fmla="*/ 6681644 h 6858000"/>
+                <a:gd name="connsiteX8" fmla="*/ 2184004 w 2209181"/>
+                <a:gd name="connsiteY8" fmla="*/ 3809420 h 6858000"/>
+                <a:gd name="connsiteX9" fmla="*/ 963738 w 2209181"/>
+                <a:gd name="connsiteY9" fmla="*/ 24346 h 6858000"/>
+              </a:gdLst>
+              <a:ahLst/>
+              <a:cxnLst>
+                <a:cxn ang="0">
+                  <a:pos x="connsiteX0" y="connsiteY0"/>
+                </a:cxn>
+                <a:cxn ang="0">
+                  <a:pos x="connsiteX1" y="connsiteY1"/>
+                </a:cxn>
+                <a:cxn ang="0">
+                  <a:pos x="connsiteX2" y="connsiteY2"/>
+                </a:cxn>
+                <a:cxn ang="0">
+                  <a:pos x="connsiteX3" y="connsiteY3"/>
+                </a:cxn>
+                <a:cxn ang="0">
+                  <a:pos x="connsiteX4" y="connsiteY4"/>
+                </a:cxn>
+                <a:cxn ang="0">
+                  <a:pos x="connsiteX5" y="connsiteY5"/>
+                </a:cxn>
+                <a:cxn ang="0">
+                  <a:pos x="connsiteX6" y="connsiteY6"/>
+                </a:cxn>
+                <a:cxn ang="0">
+                  <a:pos x="connsiteX7" y="connsiteY7"/>
+                </a:cxn>
+                <a:cxn ang="0">
+                  <a:pos x="connsiteX8" y="connsiteY8"/>
+                </a:cxn>
+                <a:cxn ang="0">
+                  <a:pos x="connsiteX9" y="connsiteY9"/>
+                </a:cxn>
+              </a:cxnLst>
+              <a:rect l="l" t="t" r="r" b="b"/>
+              <a:pathLst>
+                <a:path w="2209181" h="6858000">
+                  <a:moveTo>
+                    <a:pt x="937727" y="0"/>
+                  </a:moveTo>
+                  <a:lnTo>
+                    <a:pt x="955085" y="0"/>
+                  </a:lnTo>
+                  <a:lnTo>
+                    <a:pt x="982018" y="25210"/>
+                  </a:lnTo>
+                  <a:cubicBezTo>
+                    <a:pt x="1836289" y="886318"/>
+                    <a:pt x="2270080" y="2270266"/>
+                    <a:pt x="2202283" y="3810283"/>
+                  </a:cubicBezTo>
+                  <a:cubicBezTo>
+                    <a:pt x="2138530" y="5258455"/>
+                    <a:pt x="1199288" y="5896573"/>
+                    <a:pt x="236958" y="6682507"/>
+                  </a:cubicBezTo>
+                  <a:lnTo>
+                    <a:pt x="19349" y="6858000"/>
+                  </a:lnTo>
+                  <a:lnTo>
+                    <a:pt x="0" y="6858000"/>
+                  </a:lnTo>
+                  <a:lnTo>
+                    <a:pt x="218679" y="6681644"/>
+                  </a:lnTo>
+                  <a:cubicBezTo>
+                    <a:pt x="1181008" y="5895709"/>
+                    <a:pt x="2120250" y="5257592"/>
+                    <a:pt x="2184004" y="3809420"/>
+                  </a:cubicBezTo>
+                  <a:cubicBezTo>
+                    <a:pt x="2251801" y="2269402"/>
+                    <a:pt x="1818009" y="885455"/>
+                    <a:pt x="963738" y="24346"/>
+                  </a:cubicBezTo>
+                  <a:close/>
+                </a:path>
+              </a:pathLst>
+            </a:custGeom>
+            <a:solidFill>
+              <a:srgbClr val="FFFFFF">
+                <a:alpha val="50000"/>
+              </a:srgbClr>
+            </a:solidFill>
+            <a:ln>
+              <a:noFill/>
+            </a:ln>
+          </p:spPr>
+          <p:style>
+            <a:lnRef idx="2">
+              <a:schemeClr val="accent1">
+                <a:shade val="50000"/>
+              </a:schemeClr>
+            </a:lnRef>
+            <a:fillRef idx="1">
+              <a:schemeClr val="accent1"/>
+            </a:fillRef>
+            <a:effectRef idx="0">
+              <a:schemeClr val="accent1"/>
+            </a:effectRef>
+            <a:fontRef idx="minor">
+              <a:schemeClr val="lt1"/>
+            </a:fontRef>
+          </p:style>
+          <p:txBody>
+            <a:bodyPr wrap="square" rtlCol="0" anchor="ctr">
+              <a:noAutofit/>
+            </a:bodyPr>
+            <a:lstStyle/>
+            <a:p>
+              <a:pPr marL="0" marR="0" lvl="0" indent="0" algn="ctr" defTabSz="457200" rtl="0" eaLnBrk="1" fontAlgn="auto" latinLnBrk="0" hangingPunct="1">
+                <a:lnSpc>
+                  <a:spcPct val="100000"/>
+                </a:lnSpc>
+                <a:spcBef>
+                  <a:spcPts val="0"/>
+                </a:spcBef>
+                <a:spcAft>
+                  <a:spcPts val="0"/>
+                </a:spcAft>
+                <a:buClrTx/>
+                <a:buSzTx/>
+                <a:buFontTx/>
+                <a:buNone/>
+                <a:tabLst/>
+                <a:defRPr/>
+              </a:pPr>
+              <a:endParaRPr kumimoji="0" lang="en-US" sz="1800" b="0" i="0" u="none" strike="noStrike" kern="1200" cap="none" spc="0" normalizeH="0" baseline="0" noProof="0" dirty="0">
+                <a:ln>
+                  <a:noFill/>
+                </a:ln>
+                <a:solidFill>
+                  <a:prstClr val="white"/>
+                </a:solidFill>
+                <a:effectLst/>
+                <a:uLnTx/>
+                <a:uFillTx/>
+                <a:latin typeface="Meiryo"/>
+                <a:ea typeface="+mn-ea"/>
+                <a:cs typeface="+mn-cs"/>
+              </a:endParaRPr>
+            </a:p>
+          </p:txBody>
+        </p:sp>
+      </p:grpSp>
+      <p:pic>
+        <p:nvPicPr>
+          <p:cNvPr id="5" name="圖形 4">
+            <a:extLst>
+              <a:ext uri="{FF2B5EF4-FFF2-40B4-BE49-F238E27FC236}">
+                <a16:creationId xmlns:a16="http://schemas.microsoft.com/office/drawing/2014/main" id="{CE531E6E-9BE9-EFEA-2486-8E0C75262CD3}"/>
+              </a:ext>
+            </a:extLst>
+          </p:cNvPr>
+          <p:cNvPicPr>
+            <a:picLocks noChangeAspect="1"/>
+          </p:cNvPicPr>
+          <p:nvPr/>
+        </p:nvPicPr>
+        <p:blipFill>
+          <a:blip r:embed="rId2">
+            <a:extLst>
+              <a:ext uri="{96DAC541-7B7A-43D3-8B79-37D633B846F1}">
+                <asvg:svgBlip xmlns:asvg="http://schemas.microsoft.com/office/drawing/2016/SVG/main" r:embed="rId3"/>
+              </a:ext>
+            </a:extLst>
+          </a:blip>
+          <a:stretch>
+            <a:fillRect/>
+          </a:stretch>
+        </p:blipFill>
+        <p:spPr>
+          <a:xfrm>
+            <a:off x="1016000" y="1905000"/>
+            <a:ext cx="10160000" cy="3048000"/>
+          </a:xfrm>
+          <a:prstGeom prst="rect">
+            <a:avLst/>
+          </a:prstGeom>
+        </p:spPr>
+      </p:pic>
+    </p:spTree>
+    <p:extLst>
+      <p:ext uri="{BB962C8B-B14F-4D97-AF65-F5344CB8AC3E}">
+        <p14:creationId xmlns:p14="http://schemas.microsoft.com/office/powerpoint/2010/main" val="4149866466"/>
+      </p:ext>
+    </p:extLst>
+  </p:cSld>
+  <p:clrMapOvr>
+    <a:masterClrMapping/>
+  </p:clrMapOvr>
+</p:sld>
+</file>
+
+<file path=ppt/slides/slide2.xml><?xml version="1.0" encoding="utf-8"?>
+<p:sld xmlns:a="http://schemas.openxmlformats.org/drawingml/2006/main" xmlns:r="http://schemas.openxmlformats.org/officeDocument/2006/relationships" xmlns:p="http://schemas.openxmlformats.org/presentationml/2006/main">
+  <p:cSld>
+    <p:bg>
+      <p:bgPr>
+        <a:solidFill>
+          <a:schemeClr val="bg1"/>
+        </a:solidFill>
+        <a:effectLst/>
+      </p:bgPr>
+    </p:bg>
+    <p:spTree>
+      <p:nvGrpSpPr>
+        <p:cNvPr id="1" name=""/>
+        <p:cNvGrpSpPr/>
+        <p:nvPr/>
+      </p:nvGrpSpPr>
+      <p:grpSpPr>
+        <a:xfrm>
+          <a:off x="0" y="0"/>
+          <a:ext cx="0" cy="0"/>
+          <a:chOff x="0" y="0"/>
+          <a:chExt cx="0" cy="0"/>
+        </a:xfrm>
+      </p:grpSpPr>
+      <p:sp useBgFill="1">
+        <p:nvSpPr>
+          <p:cNvPr id="10" name="Rectangle 9">
+            <a:extLst>
+              <a:ext uri="{FF2B5EF4-FFF2-40B4-BE49-F238E27FC236}">
                 <a16:creationId xmlns:a16="http://schemas.microsoft.com/office/drawing/2014/main" id="{5F879AC3-D4CE-493C-ADC7-06205677F4F8}"/>
               </a:ext>
               <a:ext uri="{C183D7F6-B498-43B3-948B-1728B52AA6E4}">
@@ -4585,10 +5920,10 @@
       </p:sp>
       <p:pic>
         <p:nvPicPr>
-          <p:cNvPr id="19" name="圖片 18" descr="一張含有 文字, 螢幕擷取畫面, 行動電話, 行動裝置 的圖片&#10;&#10;自動產生的描述">
+          <p:cNvPr id="39" name="圖片 38" descr="一張含有 螢幕擷取畫面, 多媒體, 文字, 小工具 的圖片&#10;&#10;自動產生的描述">
             <a:extLst>
               <a:ext uri="{FF2B5EF4-FFF2-40B4-BE49-F238E27FC236}">
-                <a16:creationId xmlns:a16="http://schemas.microsoft.com/office/drawing/2014/main" id="{09620B8B-7BA3-4217-0BA2-FE12D3053A0D}"/>
+                <a16:creationId xmlns:a16="http://schemas.microsoft.com/office/drawing/2014/main" id="{C2E2FD5B-D271-98AC-051F-DC04A90AE233}"/>
               </a:ext>
             </a:extLst>
           </p:cNvPr>
@@ -4604,9 +5939,39 @@
           </a:stretch>
         </p:blipFill>
         <p:spPr>
+          <a:xfrm rot="1133842">
+            <a:off x="8530998" y="1290580"/>
+            <a:ext cx="2584721" cy="5230800"/>
+          </a:xfrm>
+          <a:prstGeom prst="rect">
+            <a:avLst/>
+          </a:prstGeom>
+        </p:spPr>
+      </p:pic>
+      <p:pic>
+        <p:nvPicPr>
+          <p:cNvPr id="40" name="圖片 39" descr="一張含有 文字, 螢幕擷取畫面, 行動電話 的圖片&#10;&#10;自動產生的描述">
+            <a:extLst>
+              <a:ext uri="{FF2B5EF4-FFF2-40B4-BE49-F238E27FC236}">
+                <a16:creationId xmlns:a16="http://schemas.microsoft.com/office/drawing/2014/main" id="{82AB856F-FABC-07DA-EA7B-B13CD85933DD}"/>
+              </a:ext>
+            </a:extLst>
+          </p:cNvPr>
+          <p:cNvPicPr>
+            <a:picLocks noChangeAspect="1"/>
+          </p:cNvPicPr>
+          <p:nvPr/>
+        </p:nvPicPr>
+        <p:blipFill>
+          <a:blip r:embed="rId7"/>
+          <a:stretch>
+            <a:fillRect/>
+          </a:stretch>
+        </p:blipFill>
+        <p:spPr>
           <a:xfrm>
-            <a:off x="821460" y="430291"/>
-            <a:ext cx="2748633" cy="5569200"/>
+            <a:off x="817377" y="430291"/>
+            <a:ext cx="2751936" cy="5569200"/>
           </a:xfrm>
           <a:prstGeom prst="rect">
             <a:avLst/>
@@ -4615,10 +5980,10 @@
       </p:pic>
       <p:grpSp>
         <p:nvGrpSpPr>
-          <p:cNvPr id="31" name="群組 30">
+          <p:cNvPr id="41" name="群組 40">
             <a:extLst>
               <a:ext uri="{FF2B5EF4-FFF2-40B4-BE49-F238E27FC236}">
-                <a16:creationId xmlns:a16="http://schemas.microsoft.com/office/drawing/2014/main" id="{19663807-CF58-0757-6DBE-1177B0F530DD}"/>
+                <a16:creationId xmlns:a16="http://schemas.microsoft.com/office/drawing/2014/main" id="{ECC85F14-ABD1-BEB7-E236-6B24D5800F46}"/>
               </a:ext>
             </a:extLst>
           </p:cNvPr>
@@ -4635,10 +6000,10 @@
         </p:grpSpPr>
         <p:pic>
           <p:nvPicPr>
-            <p:cNvPr id="32" name="圖片 31" descr="一張含有 文字, 卡通 的圖片&#10;&#10;自動產生的描述">
+            <p:cNvPr id="42" name="圖片 41" descr="一張含有 文字, 卡通 的圖片&#10;&#10;自動產生的描述">
               <a:extLst>
                 <a:ext uri="{FF2B5EF4-FFF2-40B4-BE49-F238E27FC236}">
-                  <a16:creationId xmlns:a16="http://schemas.microsoft.com/office/drawing/2014/main" id="{C8C8B899-C772-DDD5-3E03-2A1B172BC38E}"/>
+                  <a16:creationId xmlns:a16="http://schemas.microsoft.com/office/drawing/2014/main" id="{59368641-9D09-0F5F-7C88-A26674DCC1A4}"/>
                 </a:ext>
               </a:extLst>
             </p:cNvPr>
@@ -4648,7 +6013,7 @@
             <p:nvPr/>
           </p:nvPicPr>
           <p:blipFill>
-            <a:blip r:embed="rId7"/>
+            <a:blip r:embed="rId8"/>
             <a:stretch>
               <a:fillRect/>
             </a:stretch>
@@ -4672,10 +6037,10 @@
         </p:pic>
         <p:sp>
           <p:nvSpPr>
-            <p:cNvPr id="33" name="文字方塊 32">
+            <p:cNvPr id="43" name="文字方塊 42">
               <a:extLst>
                 <a:ext uri="{FF2B5EF4-FFF2-40B4-BE49-F238E27FC236}">
-                  <a16:creationId xmlns:a16="http://schemas.microsoft.com/office/drawing/2014/main" id="{F24367B1-2E54-0E2C-2959-8600707EC533}"/>
+                  <a16:creationId xmlns:a16="http://schemas.microsoft.com/office/drawing/2014/main" id="{A45B6346-262E-2074-6D45-88BAF3C53912}"/>
                 </a:ext>
               </a:extLst>
             </p:cNvPr>
@@ -4808,12 +6173,1595 @@
           </p:txBody>
         </p:sp>
       </p:grpSp>
+    </p:spTree>
+    <p:extLst>
+      <p:ext uri="{BB962C8B-B14F-4D97-AF65-F5344CB8AC3E}">
+        <p14:creationId xmlns:p14="http://schemas.microsoft.com/office/powerpoint/2010/main" val="413373188"/>
+      </p:ext>
+    </p:extLst>
+  </p:cSld>
+  <p:clrMapOvr>
+    <a:masterClrMapping/>
+  </p:clrMapOvr>
+</p:sld>
+</file>
+
+<file path=ppt/slides/slide3.xml><?xml version="1.0" encoding="utf-8"?>
+<p:sld xmlns:a="http://schemas.openxmlformats.org/drawingml/2006/main" xmlns:r="http://schemas.openxmlformats.org/officeDocument/2006/relationships" xmlns:p="http://schemas.openxmlformats.org/presentationml/2006/main">
+  <p:cSld>
+    <p:bg>
+      <p:bgPr>
+        <a:solidFill>
+          <a:schemeClr val="bg1"/>
+        </a:solidFill>
+        <a:effectLst/>
+      </p:bgPr>
+    </p:bg>
+    <p:spTree>
+      <p:nvGrpSpPr>
+        <p:cNvPr id="1" name=""/>
+        <p:cNvGrpSpPr/>
+        <p:nvPr/>
+      </p:nvGrpSpPr>
+      <p:grpSpPr>
+        <a:xfrm>
+          <a:off x="0" y="0"/>
+          <a:ext cx="0" cy="0"/>
+          <a:chOff x="0" y="0"/>
+          <a:chExt cx="0" cy="0"/>
+        </a:xfrm>
+      </p:grpSpPr>
+      <p:sp useBgFill="1">
+        <p:nvSpPr>
+          <p:cNvPr id="45" name="Rectangle 44">
+            <a:extLst>
+              <a:ext uri="{FF2B5EF4-FFF2-40B4-BE49-F238E27FC236}">
+                <a16:creationId xmlns:a16="http://schemas.microsoft.com/office/drawing/2014/main" id="{7BDAC5B6-20CE-447F-8BA1-F2274AC7AE5B}"/>
+              </a:ext>
+              <a:ext uri="{C183D7F6-B498-43B3-948B-1728B52AA6E4}">
+                <adec:decorative xmlns:adec="http://schemas.microsoft.com/office/drawing/2017/decorative" val="1"/>
+              </a:ext>
+            </a:extLst>
+          </p:cNvPr>
+          <p:cNvSpPr>
+            <a:spLocks noGrp="1" noRot="1" noChangeAspect="1" noMove="1" noResize="1" noEditPoints="1" noAdjustHandles="1" noChangeArrowheads="1" noChangeShapeType="1" noTextEdit="1"/>
+          </p:cNvSpPr>
+          <p:nvPr>
+            <p:extLst>
+              <p:ext uri="{386F3935-93C4-4BCD-93E2-E3B085C9AB24}">
+                <p16:designElem xmlns:p16="http://schemas.microsoft.com/office/powerpoint/2015/main" val="1"/>
+              </p:ext>
+            </p:extLst>
+          </p:nvPr>
+        </p:nvSpPr>
+        <p:spPr>
+          <a:xfrm>
+            <a:off x="0" y="0"/>
+            <a:ext cx="12192000" cy="6858000"/>
+          </a:xfrm>
+          <a:prstGeom prst="rect">
+            <a:avLst/>
+          </a:prstGeom>
+          <a:ln>
+            <a:noFill/>
+          </a:ln>
+        </p:spPr>
+        <p:style>
+          <a:lnRef idx="2">
+            <a:schemeClr val="accent1">
+              <a:shade val="50000"/>
+            </a:schemeClr>
+          </a:lnRef>
+          <a:fillRef idx="1">
+            <a:schemeClr val="accent1"/>
+          </a:fillRef>
+          <a:effectRef idx="0">
+            <a:schemeClr val="accent1"/>
+          </a:effectRef>
+          <a:fontRef idx="minor">
+            <a:schemeClr val="lt1"/>
+          </a:fontRef>
+        </p:style>
+        <p:txBody>
+          <a:bodyPr rtlCol="0" anchor="ctr"/>
+          <a:lstStyle/>
+          <a:p>
+            <a:pPr algn="ctr"/>
+            <a:endParaRPr lang="en-US"/>
+          </a:p>
+        </p:txBody>
+      </p:sp>
+      <p:sp>
+        <p:nvSpPr>
+          <p:cNvPr id="47" name="Freeform: Shape 46">
+            <a:extLst>
+              <a:ext uri="{FF2B5EF4-FFF2-40B4-BE49-F238E27FC236}">
+                <a16:creationId xmlns:a16="http://schemas.microsoft.com/office/drawing/2014/main" id="{D1D22B31-BF8F-446B-9009-8A251FB177CB}"/>
+              </a:ext>
+              <a:ext uri="{C183D7F6-B498-43B3-948B-1728B52AA6E4}">
+                <adec:decorative xmlns:adec="http://schemas.microsoft.com/office/drawing/2017/decorative" val="1"/>
+              </a:ext>
+            </a:extLst>
+          </p:cNvPr>
+          <p:cNvSpPr>
+            <a:spLocks noGrp="1" noRot="1" noChangeAspect="1" noMove="1" noResize="1" noEditPoints="1" noAdjustHandles="1" noChangeArrowheads="1" noChangeShapeType="1" noTextEdit="1"/>
+          </p:cNvSpPr>
+          <p:nvPr>
+            <p:extLst>
+              <p:ext uri="{386F3935-93C4-4BCD-93E2-E3B085C9AB24}">
+                <p16:designElem xmlns:p16="http://schemas.microsoft.com/office/powerpoint/2015/main" val="1"/>
+              </p:ext>
+            </p:extLst>
+          </p:nvPr>
+        </p:nvSpPr>
+        <p:spPr>
+          <a:xfrm>
+            <a:off x="0" y="0"/>
+            <a:ext cx="12192000" cy="6858000"/>
+          </a:xfrm>
+          <a:custGeom>
+            <a:avLst/>
+            <a:gdLst>
+              <a:gd name="connsiteX0" fmla="*/ 3094406 w 12192000"/>
+              <a:gd name="connsiteY0" fmla="*/ 283966 h 6858000"/>
+              <a:gd name="connsiteX1" fmla="*/ 3038833 w 12192000"/>
+              <a:gd name="connsiteY1" fmla="*/ 309661 h 6858000"/>
+              <a:gd name="connsiteX2" fmla="*/ 3348384 w 12192000"/>
+              <a:gd name="connsiteY2" fmla="*/ 406000 h 6858000"/>
+              <a:gd name="connsiteX3" fmla="*/ 2864309 w 12192000"/>
+              <a:gd name="connsiteY3" fmla="*/ 355295 h 6858000"/>
+              <a:gd name="connsiteX4" fmla="*/ 2856039 w 12192000"/>
+              <a:gd name="connsiteY4" fmla="*/ 388058 h 6858000"/>
+              <a:gd name="connsiteX5" fmla="*/ 3405794 w 12192000"/>
+              <a:gd name="connsiteY5" fmla="*/ 512089 h 6858000"/>
+              <a:gd name="connsiteX6" fmla="*/ 3356651 w 12192000"/>
+              <a:gd name="connsiteY6" fmla="*/ 531204 h 6858000"/>
+              <a:gd name="connsiteX7" fmla="*/ 3064552 w 12192000"/>
+              <a:gd name="connsiteY7" fmla="*/ 483228 h 6858000"/>
+              <a:gd name="connsiteX8" fmla="*/ 3005765 w 12192000"/>
+              <a:gd name="connsiteY8" fmla="*/ 495708 h 6858000"/>
+              <a:gd name="connsiteX9" fmla="*/ 3034700 w 12192000"/>
+              <a:gd name="connsiteY9" fmla="*/ 553823 h 6858000"/>
+              <a:gd name="connsiteX10" fmla="*/ 3161459 w 12192000"/>
+              <a:gd name="connsiteY10" fmla="*/ 576445 h 6858000"/>
+              <a:gd name="connsiteX11" fmla="*/ 3358949 w 12192000"/>
+              <a:gd name="connsiteY11" fmla="*/ 712961 h 6858000"/>
+              <a:gd name="connsiteX12" fmla="*/ 3059960 w 12192000"/>
+              <a:gd name="connsiteY12" fmla="*/ 696576 h 6858000"/>
+              <a:gd name="connsiteX13" fmla="*/ 3007143 w 12192000"/>
+              <a:gd name="connsiteY13" fmla="*/ 729732 h 6858000"/>
+              <a:gd name="connsiteX14" fmla="*/ 2986935 w 12192000"/>
+              <a:gd name="connsiteY14" fmla="*/ 772635 h 6858000"/>
+              <a:gd name="connsiteX15" fmla="*/ 2871197 w 12192000"/>
+              <a:gd name="connsiteY15" fmla="*/ 808127 h 6858000"/>
+              <a:gd name="connsiteX16" fmla="*/ 3053071 w 12192000"/>
+              <a:gd name="connsiteY16" fmla="*/ 847913 h 6858000"/>
+              <a:gd name="connsiteX17" fmla="*/ 2858796 w 12192000"/>
+              <a:gd name="connsiteY17" fmla="*/ 847913 h 6858000"/>
+              <a:gd name="connsiteX18" fmla="*/ 2635588 w 12192000"/>
+              <a:gd name="connsiteY18" fmla="*/ 820611 h 6858000"/>
+              <a:gd name="connsiteX19" fmla="*/ 2397683 w 12192000"/>
+              <a:gd name="connsiteY19" fmla="*/ 829190 h 6858000"/>
+              <a:gd name="connsiteX20" fmla="*/ 1921874 w 12192000"/>
+              <a:gd name="connsiteY20" fmla="*/ 778877 h 6858000"/>
+              <a:gd name="connsiteX21" fmla="*/ 1695450 w 12192000"/>
+              <a:gd name="connsiteY21" fmla="*/ 782386 h 6858000"/>
+              <a:gd name="connsiteX22" fmla="*/ 2954324 w 12192000"/>
+              <a:gd name="connsiteY22" fmla="*/ 1120940 h 6858000"/>
+              <a:gd name="connsiteX23" fmla="*/ 2890028 w 12192000"/>
+              <a:gd name="connsiteY23" fmla="*/ 1195435 h 6858000"/>
+              <a:gd name="connsiteX24" fmla="*/ 3153652 w 12192000"/>
+              <a:gd name="connsiteY24" fmla="*/ 1276563 h 6858000"/>
+              <a:gd name="connsiteX25" fmla="*/ 3218410 w 12192000"/>
+              <a:gd name="connsiteY25" fmla="*/ 1356911 h 6858000"/>
+              <a:gd name="connsiteX26" fmla="*/ 3137118 w 12192000"/>
+              <a:gd name="connsiteY26" fmla="*/ 1349891 h 6858000"/>
+              <a:gd name="connsiteX27" fmla="*/ 3067309 w 12192000"/>
+              <a:gd name="connsiteY27" fmla="*/ 1365102 h 6858000"/>
+              <a:gd name="connsiteX28" fmla="*/ 3096243 w 12192000"/>
+              <a:gd name="connsiteY28" fmla="*/ 1467292 h 6858000"/>
+              <a:gd name="connsiteX29" fmla="*/ 3468716 w 12192000"/>
+              <a:gd name="connsiteY29" fmla="*/ 1599125 h 6858000"/>
+              <a:gd name="connsiteX30" fmla="*/ 3502241 w 12192000"/>
+              <a:gd name="connsiteY30" fmla="*/ 1642029 h 6858000"/>
+              <a:gd name="connsiteX31" fmla="*/ 3457692 w 12192000"/>
+              <a:gd name="connsiteY31" fmla="*/ 1672453 h 6858000"/>
+              <a:gd name="connsiteX32" fmla="*/ 3337362 w 12192000"/>
+              <a:gd name="connsiteY32" fmla="*/ 1688053 h 6858000"/>
+              <a:gd name="connsiteX33" fmla="*/ 3505915 w 12192000"/>
+              <a:gd name="connsiteY33" fmla="*/ 1834318 h 6858000"/>
+              <a:gd name="connsiteX34" fmla="*/ 3567458 w 12192000"/>
+              <a:gd name="connsiteY34" fmla="*/ 1874880 h 6858000"/>
+              <a:gd name="connsiteX35" fmla="*/ 3672634 w 12192000"/>
+              <a:gd name="connsiteY35" fmla="*/ 1937678 h 6858000"/>
+              <a:gd name="connsiteX36" fmla="*/ 3674470 w 12192000"/>
+              <a:gd name="connsiteY36" fmla="*/ 1956789 h 6858000"/>
+              <a:gd name="connsiteX37" fmla="*/ 3531176 w 12192000"/>
+              <a:gd name="connsiteY37" fmla="*/ 2024266 h 6858000"/>
+              <a:gd name="connsiteX38" fmla="*/ 3272604 w 12192000"/>
+              <a:gd name="connsiteY38" fmla="*/ 2005933 h 6858000"/>
+              <a:gd name="connsiteX39" fmla="*/ 3654720 w 12192000"/>
+              <a:gd name="connsiteY39" fmla="*/ 2106564 h 6858000"/>
+              <a:gd name="connsiteX40" fmla="*/ 2417892 w 12192000"/>
+              <a:gd name="connsiteY40" fmla="*/ 1866690 h 6858000"/>
+              <a:gd name="connsiteX41" fmla="*/ 2496888 w 12192000"/>
+              <a:gd name="connsiteY41" fmla="*/ 1929487 h 6858000"/>
+              <a:gd name="connsiteX42" fmla="*/ 2929526 w 12192000"/>
+              <a:gd name="connsiteY42" fmla="*/ 2094862 h 6858000"/>
+              <a:gd name="connsiteX43" fmla="*/ 3052152 w 12192000"/>
+              <a:gd name="connsiteY43" fmla="*/ 2198613 h 6858000"/>
+              <a:gd name="connsiteX44" fmla="*/ 3180748 w 12192000"/>
+              <a:gd name="connsiteY44" fmla="*/ 2255948 h 6858000"/>
+              <a:gd name="connsiteX45" fmla="*/ 3361244 w 12192000"/>
+              <a:gd name="connsiteY45" fmla="*/ 2254777 h 6858000"/>
+              <a:gd name="connsiteX46" fmla="*/ 3489382 w 12192000"/>
+              <a:gd name="connsiteY46" fmla="*/ 2342926 h 6858000"/>
+              <a:gd name="connsiteX47" fmla="*/ 3355733 w 12192000"/>
+              <a:gd name="connsiteY47" fmla="*/ 2361649 h 6858000"/>
+              <a:gd name="connsiteX48" fmla="*/ 3199121 w 12192000"/>
+              <a:gd name="connsiteY48" fmla="*/ 2347216 h 6858000"/>
+              <a:gd name="connsiteX49" fmla="*/ 2861091 w 12192000"/>
+              <a:gd name="connsiteY49" fmla="*/ 2351896 h 6858000"/>
+              <a:gd name="connsiteX50" fmla="*/ 2667278 w 12192000"/>
+              <a:gd name="connsiteY50" fmla="*/ 2369058 h 6858000"/>
+              <a:gd name="connsiteX51" fmla="*/ 2221781 w 12192000"/>
+              <a:gd name="connsiteY51" fmla="*/ 2339805 h 6858000"/>
+              <a:gd name="connsiteX52" fmla="*/ 2247961 w 12192000"/>
+              <a:gd name="connsiteY52" fmla="*/ 2414693 h 6858000"/>
+              <a:gd name="connsiteX53" fmla="*/ 2231425 w 12192000"/>
+              <a:gd name="connsiteY53" fmla="*/ 2479828 h 6858000"/>
+              <a:gd name="connsiteX54" fmla="*/ 2224996 w 12192000"/>
+              <a:gd name="connsiteY54" fmla="*/ 2621414 h 6858000"/>
+              <a:gd name="connsiteX55" fmla="*/ 2229131 w 12192000"/>
+              <a:gd name="connsiteY55" fmla="*/ 2644426 h 6858000"/>
+              <a:gd name="connsiteX56" fmla="*/ 2129466 w 12192000"/>
+              <a:gd name="connsiteY56" fmla="*/ 2659247 h 6858000"/>
+              <a:gd name="connsiteX57" fmla="*/ 2723312 w 12192000"/>
+              <a:gd name="connsiteY57" fmla="*/ 2953726 h 6858000"/>
+              <a:gd name="connsiteX58" fmla="*/ 2326496 w 12192000"/>
+              <a:gd name="connsiteY58" fmla="*/ 2878838 h 6858000"/>
+              <a:gd name="connsiteX59" fmla="*/ 2272759 w 12192000"/>
+              <a:gd name="connsiteY59" fmla="*/ 3002480 h 6858000"/>
+              <a:gd name="connsiteX60" fmla="*/ 2459226 w 12192000"/>
+              <a:gd name="connsiteY60" fmla="*/ 3112471 h 6858000"/>
+              <a:gd name="connsiteX61" fmla="*/ 2528117 w 12192000"/>
+              <a:gd name="connsiteY61" fmla="*/ 3330111 h 6858000"/>
+              <a:gd name="connsiteX62" fmla="*/ 2494590 w 12192000"/>
+              <a:gd name="connsiteY62" fmla="*/ 3529029 h 6858000"/>
+              <a:gd name="connsiteX63" fmla="*/ 2414677 w 12192000"/>
+              <a:gd name="connsiteY63" fmla="*/ 3592215 h 6858000"/>
+              <a:gd name="connsiteX64" fmla="*/ 2298940 w 12192000"/>
+              <a:gd name="connsiteY64" fmla="*/ 3705716 h 6858000"/>
+              <a:gd name="connsiteX65" fmla="*/ 2227294 w 12192000"/>
+              <a:gd name="connsiteY65" fmla="*/ 3775921 h 6858000"/>
+              <a:gd name="connsiteX66" fmla="*/ 1978366 w 12192000"/>
+              <a:gd name="connsiteY66" fmla="*/ 3748620 h 6858000"/>
+              <a:gd name="connsiteX67" fmla="*/ 2310421 w 12192000"/>
+              <a:gd name="connsiteY67" fmla="*/ 3926868 h 6858000"/>
+              <a:gd name="connsiteX68" fmla="*/ 2041285 w 12192000"/>
+              <a:gd name="connsiteY68" fmla="*/ 3904635 h 6858000"/>
+              <a:gd name="connsiteX69" fmla="*/ 1953565 w 12192000"/>
+              <a:gd name="connsiteY69" fmla="*/ 3917116 h 6858000"/>
+              <a:gd name="connsiteX70" fmla="*/ 2003623 w 12192000"/>
+              <a:gd name="connsiteY70" fmla="*/ 3974842 h 6858000"/>
+              <a:gd name="connsiteX71" fmla="*/ 2201114 w 12192000"/>
+              <a:gd name="connsiteY71" fmla="*/ 4072742 h 6858000"/>
+              <a:gd name="connsiteX72" fmla="*/ 2608032 w 12192000"/>
+              <a:gd name="connsiteY72" fmla="*/ 4337967 h 6858000"/>
+              <a:gd name="connsiteX73" fmla="*/ 2213973 w 12192000"/>
+              <a:gd name="connsiteY73" fmla="*/ 4216277 h 6858000"/>
+              <a:gd name="connsiteX74" fmla="*/ 2629158 w 12192000"/>
+              <a:gd name="connsiteY74" fmla="*/ 4488911 h 6858000"/>
+              <a:gd name="connsiteX75" fmla="*/ 2721471 w 12192000"/>
+              <a:gd name="connsiteY75" fmla="*/ 4579399 h 6858000"/>
+              <a:gd name="connsiteX76" fmla="*/ 2907939 w 12192000"/>
+              <a:gd name="connsiteY76" fmla="*/ 4804062 h 6858000"/>
+              <a:gd name="connsiteX77" fmla="*/ 2898753 w 12192000"/>
+              <a:gd name="connsiteY77" fmla="*/ 4829414 h 6858000"/>
+              <a:gd name="connsiteX78" fmla="*/ 2683352 w 12192000"/>
+              <a:gd name="connsiteY78" fmla="*/ 4793141 h 6858000"/>
+              <a:gd name="connsiteX79" fmla="*/ 2962594 w 12192000"/>
+              <a:gd name="connsiteY79" fmla="*/ 4981920 h 6858000"/>
+              <a:gd name="connsiteX80" fmla="*/ 3251019 w 12192000"/>
+              <a:gd name="connsiteY80" fmla="*/ 5127012 h 6858000"/>
+              <a:gd name="connsiteX81" fmla="*/ 3046180 w 12192000"/>
+              <a:gd name="connsiteY81" fmla="*/ 5104781 h 6858000"/>
+              <a:gd name="connsiteX82" fmla="*/ 2764646 w 12192000"/>
+              <a:gd name="connsiteY82" fmla="*/ 5021703 h 6858000"/>
+              <a:gd name="connsiteX83" fmla="*/ 2666820 w 12192000"/>
+              <a:gd name="connsiteY83" fmla="*/ 5052905 h 6858000"/>
+              <a:gd name="connsiteX84" fmla="*/ 2933657 w 12192000"/>
+              <a:gd name="connsiteY84" fmla="*/ 5190198 h 6858000"/>
+              <a:gd name="connsiteX85" fmla="*/ 3086598 w 12192000"/>
+              <a:gd name="connsiteY85" fmla="*/ 5253776 h 6858000"/>
+              <a:gd name="connsiteX86" fmla="*/ 3147680 w 12192000"/>
+              <a:gd name="connsiteY86" fmla="*/ 5302531 h 6858000"/>
+              <a:gd name="connsiteX87" fmla="*/ 3322204 w 12192000"/>
+              <a:gd name="connsiteY87" fmla="*/ 5476487 h 6858000"/>
+              <a:gd name="connsiteX88" fmla="*/ 3834758 w 12192000"/>
+              <a:gd name="connsiteY88" fmla="*/ 5666434 h 6858000"/>
+              <a:gd name="connsiteX89" fmla="*/ 4314240 w 12192000"/>
+              <a:gd name="connsiteY89" fmla="*/ 5902409 h 6858000"/>
+              <a:gd name="connsiteX90" fmla="*/ 4688552 w 12192000"/>
+              <a:gd name="connsiteY90" fmla="*/ 6049453 h 6858000"/>
+              <a:gd name="connsiteX91" fmla="*/ 5634660 w 12192000"/>
+              <a:gd name="connsiteY91" fmla="*/ 6238620 h 6858000"/>
+              <a:gd name="connsiteX92" fmla="*/ 9222980 w 12192000"/>
+              <a:gd name="connsiteY92" fmla="*/ 4955397 h 6858000"/>
+              <a:gd name="connsiteX93" fmla="*/ 9268448 w 12192000"/>
+              <a:gd name="connsiteY93" fmla="*/ 4917173 h 6858000"/>
+              <a:gd name="connsiteX94" fmla="*/ 9442512 w 12192000"/>
+              <a:gd name="connsiteY94" fmla="*/ 4773251 h 6858000"/>
+              <a:gd name="connsiteX95" fmla="*/ 9590400 w 12192000"/>
+              <a:gd name="connsiteY95" fmla="*/ 4643756 h 6858000"/>
+              <a:gd name="connsiteX96" fmla="*/ 9513242 w 12192000"/>
+              <a:gd name="connsiteY96" fmla="*/ 4600073 h 6858000"/>
+              <a:gd name="connsiteX97" fmla="*/ 9617498 w 12192000"/>
+              <a:gd name="connsiteY97" fmla="*/ 4476430 h 6858000"/>
+              <a:gd name="connsiteX98" fmla="*/ 9949094 w 12192000"/>
+              <a:gd name="connsiteY98" fmla="*/ 4095364 h 6858000"/>
+              <a:gd name="connsiteX99" fmla="*/ 10094686 w 12192000"/>
+              <a:gd name="connsiteY99" fmla="*/ 4011507 h 6858000"/>
+              <a:gd name="connsiteX100" fmla="*/ 10271967 w 12192000"/>
+              <a:gd name="connsiteY100" fmla="*/ 3800497 h 6858000"/>
+              <a:gd name="connsiteX101" fmla="*/ 10297226 w 12192000"/>
+              <a:gd name="connsiteY101" fmla="*/ 3751742 h 6858000"/>
+              <a:gd name="connsiteX102" fmla="*/ 10260943 w 12192000"/>
+              <a:gd name="connsiteY102" fmla="*/ 3689723 h 6858000"/>
+              <a:gd name="connsiteX103" fmla="*/ 10233847 w 12192000"/>
+              <a:gd name="connsiteY103" fmla="*/ 3627319 h 6858000"/>
+              <a:gd name="connsiteX104" fmla="*/ 10269209 w 12192000"/>
+              <a:gd name="connsiteY104" fmla="*/ 3608986 h 6858000"/>
+              <a:gd name="connsiteX105" fmla="*/ 10496550 w 12192000"/>
+              <a:gd name="connsiteY105" fmla="*/ 3577393 h 6858000"/>
+              <a:gd name="connsiteX106" fmla="*/ 10364738 w 12192000"/>
+              <a:gd name="connsiteY106" fmla="*/ 3458823 h 6858000"/>
+              <a:gd name="connsiteX107" fmla="*/ 10132346 w 12192000"/>
+              <a:gd name="connsiteY107" fmla="*/ 3282137 h 6858000"/>
+              <a:gd name="connsiteX108" fmla="*/ 10026712 w 12192000"/>
+              <a:gd name="connsiteY108" fmla="*/ 3156543 h 6858000"/>
+              <a:gd name="connsiteX109" fmla="*/ 10014312 w 12192000"/>
+              <a:gd name="connsiteY109" fmla="*/ 3044213 h 6858000"/>
+              <a:gd name="connsiteX110" fmla="*/ 9806718 w 12192000"/>
+              <a:gd name="connsiteY110" fmla="*/ 2977907 h 6858000"/>
+              <a:gd name="connsiteX111" fmla="*/ 10001912 w 12192000"/>
+              <a:gd name="connsiteY111" fmla="*/ 2740374 h 6858000"/>
+              <a:gd name="connsiteX112" fmla="*/ 10021662 w 12192000"/>
+              <a:gd name="connsiteY112" fmla="*/ 2691231 h 6858000"/>
+              <a:gd name="connsiteX113" fmla="*/ 9904546 w 12192000"/>
+              <a:gd name="connsiteY113" fmla="*/ 2515322 h 6858000"/>
+              <a:gd name="connsiteX114" fmla="*/ 9885256 w 12192000"/>
+              <a:gd name="connsiteY114" fmla="*/ 2487240 h 6858000"/>
+              <a:gd name="connsiteX115" fmla="*/ 9842085 w 12192000"/>
+              <a:gd name="connsiteY115" fmla="*/ 2431074 h 6858000"/>
+              <a:gd name="connsiteX116" fmla="*/ 9718078 w 12192000"/>
+              <a:gd name="connsiteY116" fmla="*/ 2417424 h 6858000"/>
+              <a:gd name="connsiteX117" fmla="*/ 9782378 w 12192000"/>
+              <a:gd name="connsiteY117" fmla="*/ 2377641 h 6858000"/>
+              <a:gd name="connsiteX118" fmla="*/ 9907302 w 12192000"/>
+              <a:gd name="connsiteY118" fmla="*/ 2243078 h 6858000"/>
+              <a:gd name="connsiteX119" fmla="*/ 9824171 w 12192000"/>
+              <a:gd name="connsiteY119" fmla="*/ 2114365 h 6858000"/>
+              <a:gd name="connsiteX120" fmla="*/ 9818662 w 12192000"/>
+              <a:gd name="connsiteY120" fmla="*/ 2043377 h 6858000"/>
+              <a:gd name="connsiteX121" fmla="*/ 9958740 w 12192000"/>
+              <a:gd name="connsiteY121" fmla="*/ 1952499 h 6858000"/>
+              <a:gd name="connsiteX122" fmla="*/ 10064374 w 12192000"/>
+              <a:gd name="connsiteY122" fmla="*/ 1916615 h 6858000"/>
+              <a:gd name="connsiteX123" fmla="*/ 10113055 w 12192000"/>
+              <a:gd name="connsiteY123" fmla="*/ 1865131 h 6858000"/>
+              <a:gd name="connsiteX124" fmla="*/ 10055646 w 12192000"/>
+              <a:gd name="connsiteY124" fmla="*/ 1822227 h 6858000"/>
+              <a:gd name="connsiteX125" fmla="*/ 9800748 w 12192000"/>
+              <a:gd name="connsiteY125" fmla="*/ 1720036 h 6858000"/>
+              <a:gd name="connsiteX126" fmla="*/ 9938071 w 12192000"/>
+              <a:gd name="connsiteY126" fmla="*/ 1634617 h 6858000"/>
+              <a:gd name="connsiteX127" fmla="*/ 9220224 w 12192000"/>
+              <a:gd name="connsiteY127" fmla="*/ 1231709 h 6858000"/>
+              <a:gd name="connsiteX128" fmla="*/ 9133419 w 12192000"/>
+              <a:gd name="connsiteY128" fmla="*/ 1170083 h 6858000"/>
+              <a:gd name="connsiteX129" fmla="*/ 8672768 w 12192000"/>
+              <a:gd name="connsiteY129" fmla="*/ 1020699 h 6858000"/>
+              <a:gd name="connsiteX130" fmla="*/ 8198797 w 12192000"/>
+              <a:gd name="connsiteY130" fmla="*/ 915000 h 6858000"/>
+              <a:gd name="connsiteX131" fmla="*/ 8528095 w 12192000"/>
+              <a:gd name="connsiteY131" fmla="*/ 691898 h 6858000"/>
+              <a:gd name="connsiteX132" fmla="*/ 8025190 w 12192000"/>
+              <a:gd name="connsiteY132" fmla="*/ 640021 h 6858000"/>
+              <a:gd name="connsiteX133" fmla="*/ 7976047 w 12192000"/>
+              <a:gd name="connsiteY133" fmla="*/ 641584 h 6858000"/>
+              <a:gd name="connsiteX134" fmla="*/ 6988604 w 12192000"/>
+              <a:gd name="connsiteY134" fmla="*/ 607260 h 6858000"/>
+              <a:gd name="connsiteX135" fmla="*/ 5573116 w 12192000"/>
+              <a:gd name="connsiteY135" fmla="*/ 493368 h 6858000"/>
+              <a:gd name="connsiteX136" fmla="*/ 4401503 w 12192000"/>
+              <a:gd name="connsiteY136" fmla="*/ 425112 h 6858000"/>
+              <a:gd name="connsiteX137" fmla="*/ 3154109 w 12192000"/>
+              <a:gd name="connsiteY137" fmla="*/ 292499 h 6858000"/>
+              <a:gd name="connsiteX138" fmla="*/ 3094406 w 12192000"/>
+              <a:gd name="connsiteY138" fmla="*/ 283966 h 6858000"/>
+              <a:gd name="connsiteX139" fmla="*/ 0 w 12192000"/>
+              <a:gd name="connsiteY139" fmla="*/ 0 h 6858000"/>
+              <a:gd name="connsiteX140" fmla="*/ 12192000 w 12192000"/>
+              <a:gd name="connsiteY140" fmla="*/ 0 h 6858000"/>
+              <a:gd name="connsiteX141" fmla="*/ 12192000 w 12192000"/>
+              <a:gd name="connsiteY141" fmla="*/ 6858000 h 6858000"/>
+              <a:gd name="connsiteX142" fmla="*/ 0 w 12192000"/>
+              <a:gd name="connsiteY142" fmla="*/ 6858000 h 6858000"/>
+            </a:gdLst>
+            <a:ahLst/>
+            <a:cxnLst>
+              <a:cxn ang="0">
+                <a:pos x="connsiteX0" y="connsiteY0"/>
+              </a:cxn>
+              <a:cxn ang="0">
+                <a:pos x="connsiteX1" y="connsiteY1"/>
+              </a:cxn>
+              <a:cxn ang="0">
+                <a:pos x="connsiteX2" y="connsiteY2"/>
+              </a:cxn>
+              <a:cxn ang="0">
+                <a:pos x="connsiteX3" y="connsiteY3"/>
+              </a:cxn>
+              <a:cxn ang="0">
+                <a:pos x="connsiteX4" y="connsiteY4"/>
+              </a:cxn>
+              <a:cxn ang="0">
+                <a:pos x="connsiteX5" y="connsiteY5"/>
+              </a:cxn>
+              <a:cxn ang="0">
+                <a:pos x="connsiteX6" y="connsiteY6"/>
+              </a:cxn>
+              <a:cxn ang="0">
+                <a:pos x="connsiteX7" y="connsiteY7"/>
+              </a:cxn>
+              <a:cxn ang="0">
+                <a:pos x="connsiteX8" y="connsiteY8"/>
+              </a:cxn>
+              <a:cxn ang="0">
+                <a:pos x="connsiteX9" y="connsiteY9"/>
+              </a:cxn>
+              <a:cxn ang="0">
+                <a:pos x="connsiteX10" y="connsiteY10"/>
+              </a:cxn>
+              <a:cxn ang="0">
+                <a:pos x="connsiteX11" y="connsiteY11"/>
+              </a:cxn>
+              <a:cxn ang="0">
+                <a:pos x="connsiteX12" y="connsiteY12"/>
+              </a:cxn>
+              <a:cxn ang="0">
+                <a:pos x="connsiteX13" y="connsiteY13"/>
+              </a:cxn>
+              <a:cxn ang="0">
+                <a:pos x="connsiteX14" y="connsiteY14"/>
+              </a:cxn>
+              <a:cxn ang="0">
+                <a:pos x="connsiteX15" y="connsiteY15"/>
+              </a:cxn>
+              <a:cxn ang="0">
+                <a:pos x="connsiteX16" y="connsiteY16"/>
+              </a:cxn>
+              <a:cxn ang="0">
+                <a:pos x="connsiteX17" y="connsiteY17"/>
+              </a:cxn>
+              <a:cxn ang="0">
+                <a:pos x="connsiteX18" y="connsiteY18"/>
+              </a:cxn>
+              <a:cxn ang="0">
+                <a:pos x="connsiteX19" y="connsiteY19"/>
+              </a:cxn>
+              <a:cxn ang="0">
+                <a:pos x="connsiteX20" y="connsiteY20"/>
+              </a:cxn>
+              <a:cxn ang="0">
+                <a:pos x="connsiteX21" y="connsiteY21"/>
+              </a:cxn>
+              <a:cxn ang="0">
+                <a:pos x="connsiteX22" y="connsiteY22"/>
+              </a:cxn>
+              <a:cxn ang="0">
+                <a:pos x="connsiteX23" y="connsiteY23"/>
+              </a:cxn>
+              <a:cxn ang="0">
+                <a:pos x="connsiteX24" y="connsiteY24"/>
+              </a:cxn>
+              <a:cxn ang="0">
+                <a:pos x="connsiteX25" y="connsiteY25"/>
+              </a:cxn>
+              <a:cxn ang="0">
+                <a:pos x="connsiteX26" y="connsiteY26"/>
+              </a:cxn>
+              <a:cxn ang="0">
+                <a:pos x="connsiteX27" y="connsiteY27"/>
+              </a:cxn>
+              <a:cxn ang="0">
+                <a:pos x="connsiteX28" y="connsiteY28"/>
+              </a:cxn>
+              <a:cxn ang="0">
+                <a:pos x="connsiteX29" y="connsiteY29"/>
+              </a:cxn>
+              <a:cxn ang="0">
+                <a:pos x="connsiteX30" y="connsiteY30"/>
+              </a:cxn>
+              <a:cxn ang="0">
+                <a:pos x="connsiteX31" y="connsiteY31"/>
+              </a:cxn>
+              <a:cxn ang="0">
+                <a:pos x="connsiteX32" y="connsiteY32"/>
+              </a:cxn>
+              <a:cxn ang="0">
+                <a:pos x="connsiteX33" y="connsiteY33"/>
+              </a:cxn>
+              <a:cxn ang="0">
+                <a:pos x="connsiteX34" y="connsiteY34"/>
+              </a:cxn>
+              <a:cxn ang="0">
+                <a:pos x="connsiteX35" y="connsiteY35"/>
+              </a:cxn>
+              <a:cxn ang="0">
+                <a:pos x="connsiteX36" y="connsiteY36"/>
+              </a:cxn>
+              <a:cxn ang="0">
+                <a:pos x="connsiteX37" y="connsiteY37"/>
+              </a:cxn>
+              <a:cxn ang="0">
+                <a:pos x="connsiteX38" y="connsiteY38"/>
+              </a:cxn>
+              <a:cxn ang="0">
+                <a:pos x="connsiteX39" y="connsiteY39"/>
+              </a:cxn>
+              <a:cxn ang="0">
+                <a:pos x="connsiteX40" y="connsiteY40"/>
+              </a:cxn>
+              <a:cxn ang="0">
+                <a:pos x="connsiteX41" y="connsiteY41"/>
+              </a:cxn>
+              <a:cxn ang="0">
+                <a:pos x="connsiteX42" y="connsiteY42"/>
+              </a:cxn>
+              <a:cxn ang="0">
+                <a:pos x="connsiteX43" y="connsiteY43"/>
+              </a:cxn>
+              <a:cxn ang="0">
+                <a:pos x="connsiteX44" y="connsiteY44"/>
+              </a:cxn>
+              <a:cxn ang="0">
+                <a:pos x="connsiteX45" y="connsiteY45"/>
+              </a:cxn>
+              <a:cxn ang="0">
+                <a:pos x="connsiteX46" y="connsiteY46"/>
+              </a:cxn>
+              <a:cxn ang="0">
+                <a:pos x="connsiteX47" y="connsiteY47"/>
+              </a:cxn>
+              <a:cxn ang="0">
+                <a:pos x="connsiteX48" y="connsiteY48"/>
+              </a:cxn>
+              <a:cxn ang="0">
+                <a:pos x="connsiteX49" y="connsiteY49"/>
+              </a:cxn>
+              <a:cxn ang="0">
+                <a:pos x="connsiteX50" y="connsiteY50"/>
+              </a:cxn>
+              <a:cxn ang="0">
+                <a:pos x="connsiteX51" y="connsiteY51"/>
+              </a:cxn>
+              <a:cxn ang="0">
+                <a:pos x="connsiteX52" y="connsiteY52"/>
+              </a:cxn>
+              <a:cxn ang="0">
+                <a:pos x="connsiteX53" y="connsiteY53"/>
+              </a:cxn>
+              <a:cxn ang="0">
+                <a:pos x="connsiteX54" y="connsiteY54"/>
+              </a:cxn>
+              <a:cxn ang="0">
+                <a:pos x="connsiteX55" y="connsiteY55"/>
+              </a:cxn>
+              <a:cxn ang="0">
+                <a:pos x="connsiteX56" y="connsiteY56"/>
+              </a:cxn>
+              <a:cxn ang="0">
+                <a:pos x="connsiteX57" y="connsiteY57"/>
+              </a:cxn>
+              <a:cxn ang="0">
+                <a:pos x="connsiteX58" y="connsiteY58"/>
+              </a:cxn>
+              <a:cxn ang="0">
+                <a:pos x="connsiteX59" y="connsiteY59"/>
+              </a:cxn>
+              <a:cxn ang="0">
+                <a:pos x="connsiteX60" y="connsiteY60"/>
+              </a:cxn>
+              <a:cxn ang="0">
+                <a:pos x="connsiteX61" y="connsiteY61"/>
+              </a:cxn>
+              <a:cxn ang="0">
+                <a:pos x="connsiteX62" y="connsiteY62"/>
+              </a:cxn>
+              <a:cxn ang="0">
+                <a:pos x="connsiteX63" y="connsiteY63"/>
+              </a:cxn>
+              <a:cxn ang="0">
+                <a:pos x="connsiteX64" y="connsiteY64"/>
+              </a:cxn>
+              <a:cxn ang="0">
+                <a:pos x="connsiteX65" y="connsiteY65"/>
+              </a:cxn>
+              <a:cxn ang="0">
+                <a:pos x="connsiteX66" y="connsiteY66"/>
+              </a:cxn>
+              <a:cxn ang="0">
+                <a:pos x="connsiteX67" y="connsiteY67"/>
+              </a:cxn>
+              <a:cxn ang="0">
+                <a:pos x="connsiteX68" y="connsiteY68"/>
+              </a:cxn>
+              <a:cxn ang="0">
+                <a:pos x="connsiteX69" y="connsiteY69"/>
+              </a:cxn>
+              <a:cxn ang="0">
+                <a:pos x="connsiteX70" y="connsiteY70"/>
+              </a:cxn>
+              <a:cxn ang="0">
+                <a:pos x="connsiteX71" y="connsiteY71"/>
+              </a:cxn>
+              <a:cxn ang="0">
+                <a:pos x="connsiteX72" y="connsiteY72"/>
+              </a:cxn>
+              <a:cxn ang="0">
+                <a:pos x="connsiteX73" y="connsiteY73"/>
+              </a:cxn>
+              <a:cxn ang="0">
+                <a:pos x="connsiteX74" y="connsiteY74"/>
+              </a:cxn>
+              <a:cxn ang="0">
+                <a:pos x="connsiteX75" y="connsiteY75"/>
+              </a:cxn>
+              <a:cxn ang="0">
+                <a:pos x="connsiteX76" y="connsiteY76"/>
+              </a:cxn>
+              <a:cxn ang="0">
+                <a:pos x="connsiteX77" y="connsiteY77"/>
+              </a:cxn>
+              <a:cxn ang="0">
+                <a:pos x="connsiteX78" y="connsiteY78"/>
+              </a:cxn>
+              <a:cxn ang="0">
+                <a:pos x="connsiteX79" y="connsiteY79"/>
+              </a:cxn>
+              <a:cxn ang="0">
+                <a:pos x="connsiteX80" y="connsiteY80"/>
+              </a:cxn>
+              <a:cxn ang="0">
+                <a:pos x="connsiteX81" y="connsiteY81"/>
+              </a:cxn>
+              <a:cxn ang="0">
+                <a:pos x="connsiteX82" y="connsiteY82"/>
+              </a:cxn>
+              <a:cxn ang="0">
+                <a:pos x="connsiteX83" y="connsiteY83"/>
+              </a:cxn>
+              <a:cxn ang="0">
+                <a:pos x="connsiteX84" y="connsiteY84"/>
+              </a:cxn>
+              <a:cxn ang="0">
+                <a:pos x="connsiteX85" y="connsiteY85"/>
+              </a:cxn>
+              <a:cxn ang="0">
+                <a:pos x="connsiteX86" y="connsiteY86"/>
+              </a:cxn>
+              <a:cxn ang="0">
+                <a:pos x="connsiteX87" y="connsiteY87"/>
+              </a:cxn>
+              <a:cxn ang="0">
+                <a:pos x="connsiteX88" y="connsiteY88"/>
+              </a:cxn>
+              <a:cxn ang="0">
+                <a:pos x="connsiteX89" y="connsiteY89"/>
+              </a:cxn>
+              <a:cxn ang="0">
+                <a:pos x="connsiteX90" y="connsiteY90"/>
+              </a:cxn>
+              <a:cxn ang="0">
+                <a:pos x="connsiteX91" y="connsiteY91"/>
+              </a:cxn>
+              <a:cxn ang="0">
+                <a:pos x="connsiteX92" y="connsiteY92"/>
+              </a:cxn>
+              <a:cxn ang="0">
+                <a:pos x="connsiteX93" y="connsiteY93"/>
+              </a:cxn>
+              <a:cxn ang="0">
+                <a:pos x="connsiteX94" y="connsiteY94"/>
+              </a:cxn>
+              <a:cxn ang="0">
+                <a:pos x="connsiteX95" y="connsiteY95"/>
+              </a:cxn>
+              <a:cxn ang="0">
+                <a:pos x="connsiteX96" y="connsiteY96"/>
+              </a:cxn>
+              <a:cxn ang="0">
+                <a:pos x="connsiteX97" y="connsiteY97"/>
+              </a:cxn>
+              <a:cxn ang="0">
+                <a:pos x="connsiteX98" y="connsiteY98"/>
+              </a:cxn>
+              <a:cxn ang="0">
+                <a:pos x="connsiteX99" y="connsiteY99"/>
+              </a:cxn>
+              <a:cxn ang="0">
+                <a:pos x="connsiteX100" y="connsiteY100"/>
+              </a:cxn>
+              <a:cxn ang="0">
+                <a:pos x="connsiteX101" y="connsiteY101"/>
+              </a:cxn>
+              <a:cxn ang="0">
+                <a:pos x="connsiteX102" y="connsiteY102"/>
+              </a:cxn>
+              <a:cxn ang="0">
+                <a:pos x="connsiteX103" y="connsiteY103"/>
+              </a:cxn>
+              <a:cxn ang="0">
+                <a:pos x="connsiteX104" y="connsiteY104"/>
+              </a:cxn>
+              <a:cxn ang="0">
+                <a:pos x="connsiteX105" y="connsiteY105"/>
+              </a:cxn>
+              <a:cxn ang="0">
+                <a:pos x="connsiteX106" y="connsiteY106"/>
+              </a:cxn>
+              <a:cxn ang="0">
+                <a:pos x="connsiteX107" y="connsiteY107"/>
+              </a:cxn>
+              <a:cxn ang="0">
+                <a:pos x="connsiteX108" y="connsiteY108"/>
+              </a:cxn>
+              <a:cxn ang="0">
+                <a:pos x="connsiteX109" y="connsiteY109"/>
+              </a:cxn>
+              <a:cxn ang="0">
+                <a:pos x="connsiteX110" y="connsiteY110"/>
+              </a:cxn>
+              <a:cxn ang="0">
+                <a:pos x="connsiteX111" y="connsiteY111"/>
+              </a:cxn>
+              <a:cxn ang="0">
+                <a:pos x="connsiteX112" y="connsiteY112"/>
+              </a:cxn>
+              <a:cxn ang="0">
+                <a:pos x="connsiteX113" y="connsiteY113"/>
+              </a:cxn>
+              <a:cxn ang="0">
+                <a:pos x="connsiteX114" y="connsiteY114"/>
+              </a:cxn>
+              <a:cxn ang="0">
+                <a:pos x="connsiteX115" y="connsiteY115"/>
+              </a:cxn>
+              <a:cxn ang="0">
+                <a:pos x="connsiteX116" y="connsiteY116"/>
+              </a:cxn>
+              <a:cxn ang="0">
+                <a:pos x="connsiteX117" y="connsiteY117"/>
+              </a:cxn>
+              <a:cxn ang="0">
+                <a:pos x="connsiteX118" y="connsiteY118"/>
+              </a:cxn>
+              <a:cxn ang="0">
+                <a:pos x="connsiteX119" y="connsiteY119"/>
+              </a:cxn>
+              <a:cxn ang="0">
+                <a:pos x="connsiteX120" y="connsiteY120"/>
+              </a:cxn>
+              <a:cxn ang="0">
+                <a:pos x="connsiteX121" y="connsiteY121"/>
+              </a:cxn>
+              <a:cxn ang="0">
+                <a:pos x="connsiteX122" y="connsiteY122"/>
+              </a:cxn>
+              <a:cxn ang="0">
+                <a:pos x="connsiteX123" y="connsiteY123"/>
+              </a:cxn>
+              <a:cxn ang="0">
+                <a:pos x="connsiteX124" y="connsiteY124"/>
+              </a:cxn>
+              <a:cxn ang="0">
+                <a:pos x="connsiteX125" y="connsiteY125"/>
+              </a:cxn>
+              <a:cxn ang="0">
+                <a:pos x="connsiteX126" y="connsiteY126"/>
+              </a:cxn>
+              <a:cxn ang="0">
+                <a:pos x="connsiteX127" y="connsiteY127"/>
+              </a:cxn>
+              <a:cxn ang="0">
+                <a:pos x="connsiteX128" y="connsiteY128"/>
+              </a:cxn>
+              <a:cxn ang="0">
+                <a:pos x="connsiteX129" y="connsiteY129"/>
+              </a:cxn>
+              <a:cxn ang="0">
+                <a:pos x="connsiteX130" y="connsiteY130"/>
+              </a:cxn>
+              <a:cxn ang="0">
+                <a:pos x="connsiteX131" y="connsiteY131"/>
+              </a:cxn>
+              <a:cxn ang="0">
+                <a:pos x="connsiteX132" y="connsiteY132"/>
+              </a:cxn>
+              <a:cxn ang="0">
+                <a:pos x="connsiteX133" y="connsiteY133"/>
+              </a:cxn>
+              <a:cxn ang="0">
+                <a:pos x="connsiteX134" y="connsiteY134"/>
+              </a:cxn>
+              <a:cxn ang="0">
+                <a:pos x="connsiteX135" y="connsiteY135"/>
+              </a:cxn>
+              <a:cxn ang="0">
+                <a:pos x="connsiteX136" y="connsiteY136"/>
+              </a:cxn>
+              <a:cxn ang="0">
+                <a:pos x="connsiteX137" y="connsiteY137"/>
+              </a:cxn>
+              <a:cxn ang="0">
+                <a:pos x="connsiteX138" y="connsiteY138"/>
+              </a:cxn>
+              <a:cxn ang="0">
+                <a:pos x="connsiteX139" y="connsiteY139"/>
+              </a:cxn>
+              <a:cxn ang="0">
+                <a:pos x="connsiteX140" y="connsiteY140"/>
+              </a:cxn>
+              <a:cxn ang="0">
+                <a:pos x="connsiteX141" y="connsiteY141"/>
+              </a:cxn>
+              <a:cxn ang="0">
+                <a:pos x="connsiteX142" y="connsiteY142"/>
+              </a:cxn>
+            </a:cxnLst>
+            <a:rect l="l" t="t" r="r" b="b"/>
+            <a:pathLst>
+              <a:path w="12192000" h="6858000">
+                <a:moveTo>
+                  <a:pt x="3094406" y="283966"/>
+                </a:moveTo>
+                <a:cubicBezTo>
+                  <a:pt x="3074312" y="283528"/>
+                  <a:pt x="3054907" y="288795"/>
+                  <a:pt x="3038833" y="309661"/>
+                </a:cubicBezTo>
+                <a:cubicBezTo>
+                  <a:pt x="3124259" y="364657"/>
+                  <a:pt x="3233105" y="343983"/>
+                  <a:pt x="3348384" y="406000"/>
+                </a:cubicBezTo>
+                <a:cubicBezTo>
+                  <a:pt x="3161001" y="386497"/>
+                  <a:pt x="3012653" y="370896"/>
+                  <a:pt x="2864309" y="355295"/>
+                </a:cubicBezTo>
+                <a:cubicBezTo>
+                  <a:pt x="2861553" y="366216"/>
+                  <a:pt x="2858796" y="377136"/>
+                  <a:pt x="2856039" y="388058"/>
+                </a:cubicBezTo>
+                <a:cubicBezTo>
+                  <a:pt x="3045722" y="411070"/>
+                  <a:pt x="3221166" y="470356"/>
+                  <a:pt x="3405794" y="512089"/>
+                </a:cubicBezTo>
+                <a:cubicBezTo>
+                  <a:pt x="3388799" y="537835"/>
+                  <a:pt x="3371808" y="532763"/>
+                  <a:pt x="3356651" y="531204"/>
+                </a:cubicBezTo>
+                <a:cubicBezTo>
+                  <a:pt x="3257907" y="521062"/>
+                  <a:pt x="3159164" y="510922"/>
+                  <a:pt x="3064552" y="483228"/>
+                </a:cubicBezTo>
+                <a:cubicBezTo>
+                  <a:pt x="3043427" y="476987"/>
+                  <a:pt x="3017704" y="476987"/>
+                  <a:pt x="3005765" y="495708"/>
+                </a:cubicBezTo>
+                <a:cubicBezTo>
+                  <a:pt x="2988771" y="522231"/>
+                  <a:pt x="3013113" y="539393"/>
+                  <a:pt x="3034700" y="553823"/>
+                </a:cubicBezTo>
+                <a:cubicBezTo>
+                  <a:pt x="3072360" y="578787"/>
+                  <a:pt x="3117827" y="571767"/>
+                  <a:pt x="3161459" y="576445"/>
+                </a:cubicBezTo>
+                <a:cubicBezTo>
+                  <a:pt x="3277655" y="588537"/>
+                  <a:pt x="3333228" y="626370"/>
+                  <a:pt x="3358949" y="712961"/>
+                </a:cubicBezTo>
+                <a:cubicBezTo>
+                  <a:pt x="3256987" y="677857"/>
+                  <a:pt x="3158703" y="721151"/>
+                  <a:pt x="3059960" y="696576"/>
+                </a:cubicBezTo>
+                <a:cubicBezTo>
+                  <a:pt x="3034240" y="690338"/>
+                  <a:pt x="2993364" y="699698"/>
+                  <a:pt x="3007143" y="729732"/>
+                </a:cubicBezTo>
+                <a:cubicBezTo>
+                  <a:pt x="3020003" y="757814"/>
+                  <a:pt x="3062716" y="778096"/>
+                  <a:pt x="2986935" y="772635"/>
+                </a:cubicBezTo>
+                <a:cubicBezTo>
+                  <a:pt x="2932740" y="768735"/>
+                  <a:pt x="2826647" y="800329"/>
+                  <a:pt x="2871197" y="808127"/>
+                </a:cubicBezTo>
+                <a:cubicBezTo>
+                  <a:pt x="2927228" y="817881"/>
+                  <a:pt x="2981883" y="831921"/>
+                  <a:pt x="3053071" y="847913"/>
+                </a:cubicBezTo>
+                <a:cubicBezTo>
+                  <a:pt x="2974533" y="874043"/>
+                  <a:pt x="2918042" y="868584"/>
+                  <a:pt x="2858796" y="847913"/>
+                </a:cubicBezTo>
+                <a:cubicBezTo>
+                  <a:pt x="2787150" y="822949"/>
+                  <a:pt x="2693916" y="792528"/>
+                  <a:pt x="2635588" y="820611"/>
+                </a:cubicBezTo>
+                <a:cubicBezTo>
+                  <a:pt x="2548326" y="862734"/>
+                  <a:pt x="2475760" y="836211"/>
+                  <a:pt x="2397683" y="829190"/>
+                </a:cubicBezTo>
+                <a:cubicBezTo>
+                  <a:pt x="2238775" y="814759"/>
+                  <a:pt x="2081241" y="790576"/>
+                  <a:pt x="1921874" y="778877"/>
+                </a:cubicBezTo>
+                <a:cubicBezTo>
+                  <a:pt x="1858036" y="774195"/>
+                  <a:pt x="1789143" y="751964"/>
+                  <a:pt x="1695450" y="782386"/>
+                </a:cubicBezTo>
+                <a:cubicBezTo>
+                  <a:pt x="2119822" y="938012"/>
+                  <a:pt x="2575423" y="928262"/>
+                  <a:pt x="2954324" y="1120940"/>
+                </a:cubicBezTo>
+                <a:cubicBezTo>
+                  <a:pt x="2938251" y="1139269"/>
+                  <a:pt x="2856502" y="1191535"/>
+                  <a:pt x="2890028" y="1195435"/>
+                </a:cubicBezTo>
+                <a:cubicBezTo>
+                  <a:pt x="2984178" y="1206748"/>
+                  <a:pt x="3067767" y="1244971"/>
+                  <a:pt x="3153652" y="1276563"/>
+                </a:cubicBezTo>
+                <a:cubicBezTo>
+                  <a:pt x="3190855" y="1290216"/>
+                  <a:pt x="3235862" y="1308157"/>
+                  <a:pt x="3218410" y="1356911"/>
+                </a:cubicBezTo>
+                <a:cubicBezTo>
+                  <a:pt x="3186719" y="1370562"/>
+                  <a:pt x="3163296" y="1351451"/>
+                  <a:pt x="3137118" y="1349891"/>
+                </a:cubicBezTo>
+                <a:cubicBezTo>
+                  <a:pt x="3110480" y="1348331"/>
+                  <a:pt x="3050773" y="1358471"/>
+                  <a:pt x="3067309" y="1365102"/>
+                </a:cubicBezTo>
+                <a:cubicBezTo>
+                  <a:pt x="3142629" y="1395136"/>
+                  <a:pt x="3007143" y="1467292"/>
+                  <a:pt x="3096243" y="1467292"/>
+                </a:cubicBezTo>
+                <a:cubicBezTo>
+                  <a:pt x="3245506" y="1467681"/>
+                  <a:pt x="3324961" y="1595613"/>
+                  <a:pt x="3468716" y="1599125"/>
+                </a:cubicBezTo>
+                <a:cubicBezTo>
+                  <a:pt x="3491677" y="1599513"/>
+                  <a:pt x="3502700" y="1622137"/>
+                  <a:pt x="3502241" y="1642029"/>
+                </a:cubicBezTo>
+                <a:cubicBezTo>
+                  <a:pt x="3502241" y="1665822"/>
+                  <a:pt x="3481116" y="1670112"/>
+                  <a:pt x="3457692" y="1672453"/>
+                </a:cubicBezTo>
+                <a:cubicBezTo>
+                  <a:pt x="3421868" y="1675962"/>
+                  <a:pt x="3384667" y="1642029"/>
+                  <a:pt x="3337362" y="1688053"/>
+                </a:cubicBezTo>
+                <a:cubicBezTo>
+                  <a:pt x="3422329" y="1714966"/>
+                  <a:pt x="3507294" y="1741878"/>
+                  <a:pt x="3505915" y="1834318"/>
+                </a:cubicBezTo>
+                <a:cubicBezTo>
+                  <a:pt x="3505457" y="1859279"/>
+                  <a:pt x="3540820" y="1868640"/>
+                  <a:pt x="3567458" y="1874880"/>
+                </a:cubicBezTo>
+                <a:cubicBezTo>
+                  <a:pt x="3611549" y="1885023"/>
+                  <a:pt x="3648750" y="1902965"/>
+                  <a:pt x="3672634" y="1937678"/>
+                </a:cubicBezTo>
+                <a:cubicBezTo>
+                  <a:pt x="3672172" y="1944308"/>
+                  <a:pt x="3671715" y="1951329"/>
+                  <a:pt x="3674470" y="1956789"/>
+                </a:cubicBezTo>
+                <a:cubicBezTo>
+                  <a:pt x="3666664" y="2040646"/>
+                  <a:pt x="3602363" y="2038306"/>
+                  <a:pt x="3531176" y="2024266"/>
+                </a:cubicBezTo>
+                <a:cubicBezTo>
+                  <a:pt x="3446211" y="2007103"/>
+                  <a:pt x="3362164" y="1975900"/>
+                  <a:pt x="3272604" y="2005933"/>
+                </a:cubicBezTo>
+                <a:cubicBezTo>
+                  <a:pt x="3398905" y="2046107"/>
+                  <a:pt x="3536229" y="2049228"/>
+                  <a:pt x="3654720" y="2106564"/>
+                </a:cubicBezTo>
+                <a:cubicBezTo>
+                  <a:pt x="3221166" y="2117095"/>
+                  <a:pt x="2838130" y="1936116"/>
+                  <a:pt x="2417892" y="1866690"/>
+                </a:cubicBezTo>
+                <a:cubicBezTo>
+                  <a:pt x="2432130" y="1913105"/>
+                  <a:pt x="2466114" y="1922465"/>
+                  <a:pt x="2496888" y="1929487"/>
+                </a:cubicBezTo>
+                <a:cubicBezTo>
+                  <a:pt x="2652123" y="1964590"/>
+                  <a:pt x="2788067" y="2034408"/>
+                  <a:pt x="2929526" y="2094862"/>
+                </a:cubicBezTo>
+                <a:cubicBezTo>
+                  <a:pt x="2987851" y="2119825"/>
+                  <a:pt x="3030106" y="2144789"/>
+                  <a:pt x="3052152" y="2198613"/>
+                </a:cubicBezTo>
+                <a:cubicBezTo>
+                  <a:pt x="3071903" y="2247367"/>
+                  <a:pt x="3110021" y="2269990"/>
+                  <a:pt x="3180748" y="2255948"/>
+                </a:cubicBezTo>
+                <a:cubicBezTo>
+                  <a:pt x="3238157" y="2244246"/>
+                  <a:pt x="3301078" y="2250487"/>
+                  <a:pt x="3361244" y="2254777"/>
+                </a:cubicBezTo>
+                <a:cubicBezTo>
+                  <a:pt x="3430596" y="2259459"/>
+                  <a:pt x="3508213" y="2314455"/>
+                  <a:pt x="3489382" y="2342926"/>
+                </a:cubicBezTo>
+                <a:cubicBezTo>
+                  <a:pt x="3457233" y="2391292"/>
+                  <a:pt x="3403498" y="2367110"/>
+                  <a:pt x="3355733" y="2361649"/>
+                </a:cubicBezTo>
+                <a:cubicBezTo>
+                  <a:pt x="3301537" y="2355018"/>
+                  <a:pt x="3200957" y="2341367"/>
+                  <a:pt x="3199121" y="2347216"/>
+                </a:cubicBezTo>
+                <a:cubicBezTo>
+                  <a:pt x="3163754" y="2468518"/>
+                  <a:pt x="2914827" y="2362819"/>
+                  <a:pt x="2861091" y="2351896"/>
+                </a:cubicBezTo>
+                <a:cubicBezTo>
+                  <a:pt x="2794038" y="2338245"/>
+                  <a:pt x="2731116" y="2363208"/>
+                  <a:pt x="2667278" y="2369058"/>
+                </a:cubicBezTo>
+                <a:cubicBezTo>
+                  <a:pt x="2610328" y="2374518"/>
+                  <a:pt x="2288376" y="2391292"/>
+                  <a:pt x="2221781" y="2339805"/>
+                </a:cubicBezTo>
+                <a:cubicBezTo>
+                  <a:pt x="2212595" y="2379978"/>
+                  <a:pt x="2231884" y="2396361"/>
+                  <a:pt x="2247961" y="2414693"/>
+                </a:cubicBezTo>
+                <a:cubicBezTo>
+                  <a:pt x="2270465" y="2440824"/>
+                  <a:pt x="2274138" y="2459157"/>
+                  <a:pt x="2231425" y="2479828"/>
+                </a:cubicBezTo>
+                <a:cubicBezTo>
+                  <a:pt x="2109717" y="2539115"/>
+                  <a:pt x="2111557" y="2541065"/>
+                  <a:pt x="2224996" y="2621414"/>
+                </a:cubicBezTo>
+                <a:cubicBezTo>
+                  <a:pt x="2230509" y="2624923"/>
+                  <a:pt x="2228211" y="2636624"/>
+                  <a:pt x="2229131" y="2644426"/>
+                </a:cubicBezTo>
+                <a:cubicBezTo>
+                  <a:pt x="2199276" y="2656906"/>
+                  <a:pt x="2164373" y="2625703"/>
+                  <a:pt x="2129466" y="2659247"/>
+                </a:cubicBezTo>
+                <a:cubicBezTo>
+                  <a:pt x="2281487" y="2806680"/>
+                  <a:pt x="2513421" y="2842953"/>
+                  <a:pt x="2723312" y="2953726"/>
+                </a:cubicBezTo>
+                <a:cubicBezTo>
+                  <a:pt x="2553377" y="2990389"/>
+                  <a:pt x="2451419" y="2862456"/>
+                  <a:pt x="2326496" y="2878838"/>
+                </a:cubicBezTo>
+                <a:cubicBezTo>
+                  <a:pt x="2264036" y="2919012"/>
+                  <a:pt x="2449582" y="2983367"/>
+                  <a:pt x="2272759" y="3002480"/>
+                </a:cubicBezTo>
+                <a:cubicBezTo>
+                  <a:pt x="2349461" y="3037583"/>
+                  <a:pt x="2406411" y="3071905"/>
+                  <a:pt x="2459226" y="3112471"/>
+                </a:cubicBezTo>
+                <a:cubicBezTo>
+                  <a:pt x="2553377" y="3185016"/>
+                  <a:pt x="2571749" y="3232602"/>
+                  <a:pt x="2528117" y="3330111"/>
+                </a:cubicBezTo>
+                <a:cubicBezTo>
+                  <a:pt x="2499642" y="3394076"/>
+                  <a:pt x="2457848" y="3452973"/>
+                  <a:pt x="2494590" y="3529029"/>
+                </a:cubicBezTo>
+                <a:cubicBezTo>
+                  <a:pt x="2520308" y="3581294"/>
+                  <a:pt x="2510206" y="3615617"/>
+                  <a:pt x="2414677" y="3592215"/>
+                </a:cubicBezTo>
+                <a:cubicBezTo>
+                  <a:pt x="2311799" y="3567251"/>
+                  <a:pt x="2273221" y="3614057"/>
+                  <a:pt x="2298940" y="3705716"/>
+                </a:cubicBezTo>
+                <a:cubicBezTo>
+                  <a:pt x="2315473" y="3764612"/>
+                  <a:pt x="2298020" y="3782553"/>
+                  <a:pt x="2227294" y="3775921"/>
+                </a:cubicBezTo>
+                <a:cubicBezTo>
+                  <a:pt x="2149215" y="3768512"/>
+                  <a:pt x="2074811" y="3729898"/>
+                  <a:pt x="1978366" y="3748620"/>
+                </a:cubicBezTo>
+                <a:cubicBezTo>
+                  <a:pt x="2055522" y="3855492"/>
+                  <a:pt x="2220403" y="3825068"/>
+                  <a:pt x="2310421" y="3926868"/>
+                </a:cubicBezTo>
+                <a:cubicBezTo>
+                  <a:pt x="2202950" y="3927259"/>
+                  <a:pt x="2120739" y="3926868"/>
+                  <a:pt x="2041285" y="3904635"/>
+                </a:cubicBezTo>
+                <a:cubicBezTo>
+                  <a:pt x="2008216" y="3895664"/>
+                  <a:pt x="1971934" y="3886305"/>
+                  <a:pt x="1953565" y="3917116"/>
+                </a:cubicBezTo>
+                <a:cubicBezTo>
+                  <a:pt x="1931978" y="3954170"/>
+                  <a:pt x="1976527" y="3968211"/>
+                  <a:pt x="2003623" y="3974842"/>
+                </a:cubicBezTo>
+                <a:cubicBezTo>
+                  <a:pt x="2079866" y="3993563"/>
+                  <a:pt x="2138192" y="4038028"/>
+                  <a:pt x="2201114" y="4072742"/>
+                </a:cubicBezTo>
+                <a:cubicBezTo>
+                  <a:pt x="2339356" y="4148800"/>
+                  <a:pt x="2490917" y="4212375"/>
+                  <a:pt x="2608032" y="4337967"/>
+                </a:cubicBezTo>
+                <a:cubicBezTo>
+                  <a:pt x="2460606" y="4305983"/>
+                  <a:pt x="2350838" y="4231487"/>
+                  <a:pt x="2213973" y="4216277"/>
+                </a:cubicBezTo>
+                <a:cubicBezTo>
+                  <a:pt x="2332467" y="4330557"/>
+                  <a:pt x="2484945" y="4405834"/>
+                  <a:pt x="2629158" y="4488911"/>
+                </a:cubicBezTo>
+                <a:cubicBezTo>
+                  <a:pt x="2670494" y="4512315"/>
+                  <a:pt x="2712289" y="4528306"/>
+                  <a:pt x="2721471" y="4579399"/>
+                </a:cubicBezTo>
+                <a:cubicBezTo>
+                  <a:pt x="2739385" y="4678470"/>
+                  <a:pt x="2793121" y="4760378"/>
+                  <a:pt x="2907939" y="4804062"/>
+                </a:cubicBezTo>
+                <a:cubicBezTo>
+                  <a:pt x="2908859" y="4804452"/>
+                  <a:pt x="2902428" y="4819274"/>
+                  <a:pt x="2898753" y="4829414"/>
+                </a:cubicBezTo>
+                <a:cubicBezTo>
+                  <a:pt x="2828485" y="4832536"/>
+                  <a:pt x="2772912" y="4774028"/>
+                  <a:pt x="2683352" y="4793141"/>
+                </a:cubicBezTo>
+                <a:cubicBezTo>
+                  <a:pt x="2769239" y="4872708"/>
+                  <a:pt x="2840885" y="4944087"/>
+                  <a:pt x="2962594" y="4981920"/>
+                </a:cubicBezTo>
+                <a:cubicBezTo>
+                  <a:pt x="3059960" y="5011952"/>
+                  <a:pt x="3180289" y="5029503"/>
+                  <a:pt x="3251019" y="5127012"/>
+                </a:cubicBezTo>
+                <a:cubicBezTo>
+                  <a:pt x="3168808" y="5146126"/>
+                  <a:pt x="3107723" y="5121944"/>
+                  <a:pt x="3046180" y="5104781"/>
+                </a:cubicBezTo>
+                <a:cubicBezTo>
+                  <a:pt x="2952030" y="5078258"/>
+                  <a:pt x="2858796" y="5048226"/>
+                  <a:pt x="2764646" y="5021703"/>
+                </a:cubicBezTo>
+                <a:cubicBezTo>
+                  <a:pt x="2728821" y="5011563"/>
+                  <a:pt x="2689782" y="5004540"/>
+                  <a:pt x="2666820" y="5052905"/>
+                </a:cubicBezTo>
+                <a:cubicBezTo>
+                  <a:pt x="2786691" y="5063047"/>
+                  <a:pt x="2858337" y="5128575"/>
+                  <a:pt x="2933657" y="5190198"/>
+                </a:cubicBezTo>
+                <a:cubicBezTo>
+                  <a:pt x="2975911" y="5224912"/>
+                  <a:pt x="3010358" y="5271328"/>
+                  <a:pt x="3086598" y="5253776"/>
+                </a:cubicBezTo>
+                <a:cubicBezTo>
+                  <a:pt x="3126554" y="5244415"/>
+                  <a:pt x="3151814" y="5270547"/>
+                  <a:pt x="3147680" y="5302531"/>
+                </a:cubicBezTo>
+                <a:cubicBezTo>
+                  <a:pt x="3132525" y="5415251"/>
+                  <a:pt x="3225759" y="5454645"/>
+                  <a:pt x="3322204" y="5476487"/>
+                </a:cubicBezTo>
+                <a:cubicBezTo>
+                  <a:pt x="3504998" y="5517440"/>
+                  <a:pt x="3657018" y="5613779"/>
+                  <a:pt x="3834758" y="5666434"/>
+                </a:cubicBezTo>
+                <a:cubicBezTo>
+                  <a:pt x="4007445" y="5717529"/>
+                  <a:pt x="4141095" y="5838830"/>
+                  <a:pt x="4314240" y="5902409"/>
+                </a:cubicBezTo>
+                <a:cubicBezTo>
+                  <a:pt x="4439624" y="5948433"/>
+                  <a:pt x="4559494" y="6007718"/>
+                  <a:pt x="4688552" y="6049453"/>
+                </a:cubicBezTo>
+                <a:cubicBezTo>
+                  <a:pt x="4993968" y="6148131"/>
+                  <a:pt x="5305360" y="6227308"/>
+                  <a:pt x="5634660" y="6238620"/>
+                </a:cubicBezTo>
+                <a:cubicBezTo>
+                  <a:pt x="5906549" y="6247590"/>
+                  <a:pt x="8264931" y="6239010"/>
+                  <a:pt x="9222980" y="4955397"/>
+                </a:cubicBezTo>
+                <a:cubicBezTo>
+                  <a:pt x="9241350" y="4949155"/>
+                  <a:pt x="9262017" y="4932775"/>
+                  <a:pt x="9268448" y="4917173"/>
+                </a:cubicBezTo>
+                <a:cubicBezTo>
+                  <a:pt x="9299220" y="4844235"/>
+                  <a:pt x="9374540" y="4812644"/>
+                  <a:pt x="9442512" y="4773251"/>
+                </a:cubicBezTo>
+                <a:cubicBezTo>
+                  <a:pt x="9502220" y="4738536"/>
+                  <a:pt x="9565600" y="4702263"/>
+                  <a:pt x="9590400" y="4643756"/>
+                </a:cubicBezTo>
+                <a:cubicBezTo>
+                  <a:pt x="9623008" y="4565749"/>
+                  <a:pt x="9530236" y="4629716"/>
+                  <a:pt x="9513242" y="4600073"/>
+                </a:cubicBezTo>
+                <a:cubicBezTo>
+                  <a:pt x="9548605" y="4559509"/>
+                  <a:pt x="9603261" y="4522454"/>
+                  <a:pt x="9617498" y="4476430"/>
+                </a:cubicBezTo>
+                <a:cubicBezTo>
+                  <a:pt x="9669394" y="4310276"/>
+                  <a:pt x="9781460" y="4189364"/>
+                  <a:pt x="9949094" y="4095364"/>
+                </a:cubicBezTo>
+                <a:cubicBezTo>
+                  <a:pt x="9997318" y="4068452"/>
+                  <a:pt x="10029007" y="4019306"/>
+                  <a:pt x="10094686" y="4011507"/>
+                </a:cubicBezTo>
+                <a:cubicBezTo>
+                  <a:pt x="10240735" y="3994345"/>
+                  <a:pt x="10194808" y="3860171"/>
+                  <a:pt x="10271967" y="3800497"/>
+                </a:cubicBezTo>
+                <a:cubicBezTo>
+                  <a:pt x="10286662" y="3789184"/>
+                  <a:pt x="10299980" y="3766953"/>
+                  <a:pt x="10297226" y="3751742"/>
+                </a:cubicBezTo>
+                <a:cubicBezTo>
+                  <a:pt x="10293091" y="3729898"/>
+                  <a:pt x="10275639" y="3709227"/>
+                  <a:pt x="10260943" y="3689723"/>
+                </a:cubicBezTo>
+                <a:cubicBezTo>
+                  <a:pt x="10245786" y="3670222"/>
+                  <a:pt x="10222825" y="3653061"/>
+                  <a:pt x="10233847" y="3627319"/>
+                </a:cubicBezTo>
+                <a:cubicBezTo>
+                  <a:pt x="10238437" y="3616788"/>
+                  <a:pt x="10235225" y="3580125"/>
+                  <a:pt x="10269209" y="3608986"/>
+                </a:cubicBezTo>
+                <a:cubicBezTo>
+                  <a:pt x="10362443" y="3688165"/>
+                  <a:pt x="10416637" y="3613279"/>
+                  <a:pt x="10496550" y="3577393"/>
+                </a:cubicBezTo>
+                <a:cubicBezTo>
+                  <a:pt x="10432253" y="3540340"/>
+                  <a:pt x="10374383" y="3514208"/>
+                  <a:pt x="10364738" y="3458823"/>
+                </a:cubicBezTo>
+                <a:cubicBezTo>
+                  <a:pt x="10344991" y="3344542"/>
+                  <a:pt x="10260485" y="3292277"/>
+                  <a:pt x="10132346" y="3282137"/>
+                </a:cubicBezTo>
+                <a:cubicBezTo>
+                  <a:pt x="10179650" y="3171757"/>
+                  <a:pt x="10179650" y="3171757"/>
+                  <a:pt x="10026712" y="3156543"/>
+                </a:cubicBezTo>
+                <a:cubicBezTo>
+                  <a:pt x="10085499" y="3086337"/>
+                  <a:pt x="10085499" y="3068396"/>
+                  <a:pt x="10014312" y="3044213"/>
+                </a:cubicBezTo>
+                <a:cubicBezTo>
+                  <a:pt x="9945880" y="3021201"/>
+                  <a:pt x="9870100" y="3013401"/>
+                  <a:pt x="9806718" y="2977907"/>
+                </a:cubicBezTo>
+                <a:cubicBezTo>
+                  <a:pt x="9865047" y="2888199"/>
+                  <a:pt x="9881580" y="2784060"/>
+                  <a:pt x="10001912" y="2740374"/>
+                </a:cubicBezTo>
+                <a:cubicBezTo>
+                  <a:pt x="10020741" y="2733743"/>
+                  <a:pt x="10033600" y="2706830"/>
+                  <a:pt x="10021662" y="2691231"/>
+                </a:cubicBezTo>
+                <a:cubicBezTo>
+                  <a:pt x="9978030" y="2634675"/>
+                  <a:pt x="10040492" y="2527414"/>
+                  <a:pt x="9904546" y="2515322"/>
+                </a:cubicBezTo>
+                <a:cubicBezTo>
+                  <a:pt x="9887552" y="2514152"/>
+                  <a:pt x="9871936" y="2502450"/>
+                  <a:pt x="9885256" y="2487240"/>
+                </a:cubicBezTo>
+                <a:cubicBezTo>
+                  <a:pt x="9931184" y="2434196"/>
+                  <a:pt x="9875611" y="2437706"/>
+                  <a:pt x="9842085" y="2431074"/>
+                </a:cubicBezTo>
+                <a:cubicBezTo>
+                  <a:pt x="9801668" y="2422884"/>
+                  <a:pt x="9755740" y="2446287"/>
+                  <a:pt x="9718078" y="2417424"/>
+                </a:cubicBezTo>
+                <a:cubicBezTo>
+                  <a:pt x="9726806" y="2386999"/>
+                  <a:pt x="9759413" y="2387390"/>
+                  <a:pt x="9782378" y="2377641"/>
+                </a:cubicBezTo>
+                <a:cubicBezTo>
+                  <a:pt x="9849430" y="2349558"/>
+                  <a:pt x="9904086" y="2316013"/>
+                  <a:pt x="9907302" y="2243078"/>
+                </a:cubicBezTo>
+                <a:cubicBezTo>
+                  <a:pt x="9909596" y="2184182"/>
+                  <a:pt x="9916946" y="2132305"/>
+                  <a:pt x="9824171" y="2114365"/>
+                </a:cubicBezTo>
+                <a:cubicBezTo>
+                  <a:pt x="9785593" y="2106953"/>
+                  <a:pt x="9796616" y="2064440"/>
+                  <a:pt x="9818662" y="2043377"/>
+                </a:cubicBezTo>
+                <a:cubicBezTo>
+                  <a:pt x="9858160" y="2005933"/>
+                  <a:pt x="9890766" y="1956008"/>
+                  <a:pt x="9958740" y="1952499"/>
+                </a:cubicBezTo>
+                <a:cubicBezTo>
+                  <a:pt x="10000075" y="1950158"/>
+                  <a:pt x="10031764" y="1934556"/>
+                  <a:pt x="10064374" y="1916615"/>
+                </a:cubicBezTo>
+                <a:cubicBezTo>
+                  <a:pt x="10087795" y="1903743"/>
+                  <a:pt x="10115810" y="1892823"/>
+                  <a:pt x="10113055" y="1865131"/>
+                </a:cubicBezTo>
+                <a:cubicBezTo>
+                  <a:pt x="10110302" y="1838607"/>
+                  <a:pt x="10083203" y="1827686"/>
+                  <a:pt x="10055646" y="1822227"/>
+                </a:cubicBezTo>
+                <a:cubicBezTo>
+                  <a:pt x="9963792" y="1804675"/>
+                  <a:pt x="9877448" y="1778933"/>
+                  <a:pt x="9800748" y="1720036"/>
+                </a:cubicBezTo>
+                <a:cubicBezTo>
+                  <a:pt x="9851726" y="1688834"/>
+                  <a:pt x="9900410" y="1666211"/>
+                  <a:pt x="9938071" y="1634617"/>
+                </a:cubicBezTo>
+                <a:cubicBezTo>
+                  <a:pt x="10029007" y="1558172"/>
+                  <a:pt x="9258802" y="1317517"/>
+                  <a:pt x="9220224" y="1231709"/>
+                </a:cubicBezTo>
+                <a:cubicBezTo>
+                  <a:pt x="9208284" y="1205187"/>
+                  <a:pt x="9167410" y="1177883"/>
+                  <a:pt x="9133419" y="1170083"/>
+                </a:cubicBezTo>
+                <a:cubicBezTo>
+                  <a:pt x="8974052" y="1133420"/>
+                  <a:pt x="8835810" y="1051123"/>
+                  <a:pt x="8672768" y="1020699"/>
+                </a:cubicBezTo>
+                <a:cubicBezTo>
+                  <a:pt x="8518912" y="991837"/>
+                  <a:pt x="8367350" y="953222"/>
+                  <a:pt x="8198797" y="915000"/>
+                </a:cubicBezTo>
+                <a:cubicBezTo>
+                  <a:pt x="8302134" y="819048"/>
+                  <a:pt x="8485382" y="830361"/>
+                  <a:pt x="8528095" y="691898"/>
+                </a:cubicBezTo>
+                <a:cubicBezTo>
+                  <a:pt x="8361379" y="656013"/>
+                  <a:pt x="8185937" y="696968"/>
+                  <a:pt x="8025190" y="640021"/>
+                </a:cubicBezTo>
+                <a:cubicBezTo>
+                  <a:pt x="8011411" y="634954"/>
+                  <a:pt x="7992579" y="640021"/>
+                  <a:pt x="7976047" y="641584"/>
+                </a:cubicBezTo>
+                <a:cubicBezTo>
+                  <a:pt x="7644909" y="672005"/>
+                  <a:pt x="7315149" y="645484"/>
+                  <a:pt x="6988604" y="607260"/>
+                </a:cubicBezTo>
+                <a:cubicBezTo>
+                  <a:pt x="6518305" y="552656"/>
+                  <a:pt x="6046170" y="517941"/>
+                  <a:pt x="5573116" y="493368"/>
+                </a:cubicBezTo>
+                <a:cubicBezTo>
+                  <a:pt x="5182272" y="473086"/>
+                  <a:pt x="4790511" y="464116"/>
+                  <a:pt x="4401503" y="425112"/>
+                </a:cubicBezTo>
+                <a:cubicBezTo>
+                  <a:pt x="3985401" y="383379"/>
+                  <a:pt x="3569756" y="336184"/>
+                  <a:pt x="3154109" y="292499"/>
+                </a:cubicBezTo>
+                <a:cubicBezTo>
+                  <a:pt x="3135280" y="290549"/>
+                  <a:pt x="3114499" y="284406"/>
+                  <a:pt x="3094406" y="283966"/>
+                </a:cubicBezTo>
+                <a:close/>
+                <a:moveTo>
+                  <a:pt x="0" y="0"/>
+                </a:moveTo>
+                <a:lnTo>
+                  <a:pt x="12192000" y="0"/>
+                </a:lnTo>
+                <a:lnTo>
+                  <a:pt x="12192000" y="6858000"/>
+                </a:lnTo>
+                <a:lnTo>
+                  <a:pt x="0" y="6858000"/>
+                </a:lnTo>
+                <a:close/>
+              </a:path>
+            </a:pathLst>
+          </a:custGeom>
+          <a:solidFill>
+            <a:schemeClr val="bg2">
+              <a:alpha val="50000"/>
+            </a:schemeClr>
+          </a:solidFill>
+          <a:ln w="32707" cap="flat">
+            <a:noFill/>
+            <a:prstDash val="solid"/>
+            <a:miter/>
+          </a:ln>
+        </p:spPr>
+        <p:txBody>
+          <a:bodyPr wrap="square" rtlCol="0" anchor="ctr">
+            <a:noAutofit/>
+          </a:bodyPr>
+          <a:lstStyle/>
+          <a:p>
+            <a:pPr algn="ctr"/>
+            <a:endParaRPr lang="en-US"/>
+          </a:p>
+        </p:txBody>
+      </p:sp>
       <p:pic>
         <p:nvPicPr>
-          <p:cNvPr id="35" name="圖片 34" descr="一張含有 螢幕擷取畫面, 多媒體, 作業系統, 軟體 的圖片&#10;&#10;自動產生的描述">
+          <p:cNvPr id="3" name="圖片 2" descr="一張含有 文字, 螢幕擷取畫面, 行動電話, 行動裝置 的圖片&#10;&#10;自動產生的描述">
             <a:extLst>
               <a:ext uri="{FF2B5EF4-FFF2-40B4-BE49-F238E27FC236}">
-                <a16:creationId xmlns:a16="http://schemas.microsoft.com/office/drawing/2014/main" id="{8704F2D7-D9C1-975F-1BEA-A5C6C2892765}"/>
+                <a16:creationId xmlns:a16="http://schemas.microsoft.com/office/drawing/2014/main" id="{95B294C1-9820-0B30-C2CA-CFFEE93EF65D}"/>
               </a:ext>
             </a:extLst>
           </p:cNvPr>
@@ -4823,25 +7771,493 @@
           <p:nvPr/>
         </p:nvPicPr>
         <p:blipFill>
-          <a:blip r:embed="rId8"/>
+          <a:blip r:embed="rId2"/>
           <a:stretch>
             <a:fillRect/>
           </a:stretch>
         </p:blipFill>
         <p:spPr>
-          <a:xfrm rot="1211875">
-            <a:off x="8632234" y="1228589"/>
-            <a:ext cx="2581619" cy="5230800"/>
+          <a:xfrm>
+            <a:off x="820211" y="428625"/>
+            <a:ext cx="2751936" cy="5569200"/>
           </a:xfrm>
           <a:prstGeom prst="rect">
             <a:avLst/>
           </a:prstGeom>
         </p:spPr>
       </p:pic>
+      <p:pic>
+        <p:nvPicPr>
+          <p:cNvPr id="5" name="圖片 4" descr="一張含有 文字, 螢幕擷取畫面 的圖片&#10;&#10;自動產生的描述">
+            <a:extLst>
+              <a:ext uri="{FF2B5EF4-FFF2-40B4-BE49-F238E27FC236}">
+                <a16:creationId xmlns:a16="http://schemas.microsoft.com/office/drawing/2014/main" id="{BE1BB50D-5D0A-BCA8-C9B6-D3377780B7EF}"/>
+              </a:ext>
+            </a:extLst>
+          </p:cNvPr>
+          <p:cNvPicPr>
+            <a:picLocks noChangeAspect="1"/>
+          </p:cNvPicPr>
+          <p:nvPr/>
+        </p:nvPicPr>
+        <p:blipFill>
+          <a:blip r:embed="rId3"/>
+          <a:stretch>
+            <a:fillRect/>
+          </a:stretch>
+        </p:blipFill>
+        <p:spPr>
+          <a:xfrm>
+            <a:off x="3857625" y="1025838"/>
+            <a:ext cx="3292914" cy="2403162"/>
+          </a:xfrm>
+          <a:prstGeom prst="rect">
+            <a:avLst/>
+          </a:prstGeom>
+        </p:spPr>
+      </p:pic>
+      <p:sp>
+        <p:nvSpPr>
+          <p:cNvPr id="6" name="文字方塊 5">
+            <a:extLst>
+              <a:ext uri="{FF2B5EF4-FFF2-40B4-BE49-F238E27FC236}">
+                <a16:creationId xmlns:a16="http://schemas.microsoft.com/office/drawing/2014/main" id="{F33B2A6B-369B-8728-2501-0B6E8EAB1E3A}"/>
+              </a:ext>
+            </a:extLst>
+          </p:cNvPr>
+          <p:cNvSpPr txBox="1"/>
+          <p:nvPr/>
+        </p:nvSpPr>
+        <p:spPr>
+          <a:xfrm>
+            <a:off x="3748467" y="568200"/>
+            <a:ext cx="1116331" cy="369332"/>
+          </a:xfrm>
+          <a:prstGeom prst="rect">
+            <a:avLst/>
+          </a:prstGeom>
+          <a:noFill/>
+        </p:spPr>
+        <p:txBody>
+          <a:bodyPr wrap="none" rtlCol="0">
+            <a:spAutoFit/>
+          </a:bodyPr>
+          <a:lstStyle/>
+          <a:p>
+            <a:pPr marL="7938"/>
+            <a:r>
+              <a:rPr kumimoji="1" lang="zh-TW" altLang="en-US" dirty="0">
+                <a:solidFill>
+                  <a:srgbClr val="A16B40"/>
+                </a:solidFill>
+                <a:latin typeface="Heiti TC Medium" pitchFamily="2" charset="-128"/>
+                <a:ea typeface="Heiti TC Medium" pitchFamily="2" charset="-128"/>
+              </a:rPr>
+              <a:t>匹配項目</a:t>
+            </a:r>
+            <a:endParaRPr kumimoji="1" lang="en-US" altLang="zh-TW" dirty="0">
+              <a:solidFill>
+                <a:srgbClr val="A16B40"/>
+              </a:solidFill>
+              <a:latin typeface="Heiti TC Medium" pitchFamily="2" charset="-128"/>
+              <a:ea typeface="Heiti TC Medium" pitchFamily="2" charset="-128"/>
+            </a:endParaRPr>
+          </a:p>
+        </p:txBody>
+      </p:sp>
+      <p:sp>
+        <p:nvSpPr>
+          <p:cNvPr id="8" name="文字方塊 7">
+            <a:extLst>
+              <a:ext uri="{FF2B5EF4-FFF2-40B4-BE49-F238E27FC236}">
+                <a16:creationId xmlns:a16="http://schemas.microsoft.com/office/drawing/2014/main" id="{D6FE04CD-9E5B-F1CB-49FF-1BCAD95F70AC}"/>
+              </a:ext>
+            </a:extLst>
+          </p:cNvPr>
+          <p:cNvSpPr txBox="1"/>
+          <p:nvPr/>
+        </p:nvSpPr>
+        <p:spPr>
+          <a:xfrm>
+            <a:off x="5858021" y="1904253"/>
+            <a:ext cx="1577996" cy="646331"/>
+          </a:xfrm>
+          <a:prstGeom prst="rect">
+            <a:avLst/>
+          </a:prstGeom>
+          <a:noFill/>
+        </p:spPr>
+        <p:txBody>
+          <a:bodyPr wrap="none" rtlCol="0">
+            <a:spAutoFit/>
+          </a:bodyPr>
+          <a:lstStyle/>
+          <a:p>
+            <a:pPr marL="7938"/>
+            <a:r>
+              <a:rPr kumimoji="1" lang="zh-TW" altLang="en-US" dirty="0">
+                <a:solidFill>
+                  <a:srgbClr val="A16B40"/>
+                </a:solidFill>
+                <a:latin typeface="Heiti TC Medium" pitchFamily="2" charset="-128"/>
+                <a:ea typeface="Heiti TC Medium" pitchFamily="2" charset="-128"/>
+              </a:rPr>
+              <a:t>可組合之</a:t>
+            </a:r>
+            <a:endParaRPr kumimoji="1" lang="en-US" altLang="zh-TW" dirty="0">
+              <a:solidFill>
+                <a:srgbClr val="A16B40"/>
+              </a:solidFill>
+              <a:latin typeface="Heiti TC Medium" pitchFamily="2" charset="-128"/>
+              <a:ea typeface="Heiti TC Medium" pitchFamily="2" charset="-128"/>
+            </a:endParaRPr>
+          </a:p>
+          <a:p>
+            <a:pPr marL="7938"/>
+            <a:r>
+              <a:rPr kumimoji="1" lang="zh-TW" altLang="en-US" dirty="0">
+                <a:solidFill>
+                  <a:srgbClr val="A16B40"/>
+                </a:solidFill>
+                <a:latin typeface="Heiti TC Medium" pitchFamily="2" charset="-128"/>
+                <a:ea typeface="Heiti TC Medium" pitchFamily="2" charset="-128"/>
+              </a:rPr>
+              <a:t>料理數量需求</a:t>
+            </a:r>
+            <a:endParaRPr kumimoji="1" lang="en-US" altLang="zh-TW" dirty="0">
+              <a:solidFill>
+                <a:srgbClr val="A16B40"/>
+              </a:solidFill>
+              <a:latin typeface="Heiti TC Medium" pitchFamily="2" charset="-128"/>
+              <a:ea typeface="Heiti TC Medium" pitchFamily="2" charset="-128"/>
+            </a:endParaRPr>
+          </a:p>
+        </p:txBody>
+      </p:sp>
+      <p:grpSp>
+        <p:nvGrpSpPr>
+          <p:cNvPr id="21" name="群組 20">
+            <a:extLst>
+              <a:ext uri="{FF2B5EF4-FFF2-40B4-BE49-F238E27FC236}">
+                <a16:creationId xmlns:a16="http://schemas.microsoft.com/office/drawing/2014/main" id="{34F8F583-092C-772A-5E79-7A9E14438D0D}"/>
+              </a:ext>
+            </a:extLst>
+          </p:cNvPr>
+          <p:cNvGrpSpPr/>
+          <p:nvPr/>
+        </p:nvGrpSpPr>
+        <p:grpSpPr>
+          <a:xfrm>
+            <a:off x="7093117" y="2871693"/>
+            <a:ext cx="4111200" cy="1017418"/>
+            <a:chOff x="6931464" y="3959627"/>
+            <a:chExt cx="4111200" cy="1017418"/>
+          </a:xfrm>
+        </p:grpSpPr>
+        <p:pic>
+          <p:nvPicPr>
+            <p:cNvPr id="15" name="圖片 14" descr="一張含有 螢幕擷取畫面, 文字 的圖片&#10;&#10;自動產生的描述">
+              <a:extLst>
+                <a:ext uri="{FF2B5EF4-FFF2-40B4-BE49-F238E27FC236}">
+                  <a16:creationId xmlns:a16="http://schemas.microsoft.com/office/drawing/2014/main" id="{987E7F4C-7A9F-75EF-0982-63AF34C59559}"/>
+                </a:ext>
+              </a:extLst>
+            </p:cNvPr>
+            <p:cNvPicPr>
+              <a:picLocks noChangeAspect="1"/>
+            </p:cNvPicPr>
+            <p:nvPr/>
+          </p:nvPicPr>
+          <p:blipFill>
+            <a:blip r:embed="rId4"/>
+            <a:stretch>
+              <a:fillRect/>
+            </a:stretch>
+          </p:blipFill>
+          <p:spPr>
+            <a:xfrm>
+              <a:off x="6931464" y="3959627"/>
+              <a:ext cx="4111200" cy="1017418"/>
+            </a:xfrm>
+            <a:prstGeom prst="rect">
+              <a:avLst/>
+            </a:prstGeom>
+          </p:spPr>
+        </p:pic>
+        <p:sp>
+          <p:nvSpPr>
+            <p:cNvPr id="16" name="文字方塊 15">
+              <a:extLst>
+                <a:ext uri="{FF2B5EF4-FFF2-40B4-BE49-F238E27FC236}">
+                  <a16:creationId xmlns:a16="http://schemas.microsoft.com/office/drawing/2014/main" id="{C7E5C151-EABC-48BA-6D06-B9BFBD06F858}"/>
+                </a:ext>
+              </a:extLst>
+            </p:cNvPr>
+            <p:cNvSpPr txBox="1"/>
+            <p:nvPr/>
+          </p:nvSpPr>
+          <p:spPr>
+            <a:xfrm>
+              <a:off x="9365070" y="4135752"/>
+              <a:ext cx="1347164" cy="646331"/>
+            </a:xfrm>
+            <a:prstGeom prst="rect">
+              <a:avLst/>
+            </a:prstGeom>
+            <a:noFill/>
+          </p:spPr>
+          <p:txBody>
+            <a:bodyPr wrap="none" rtlCol="0">
+              <a:spAutoFit/>
+            </a:bodyPr>
+            <a:lstStyle/>
+            <a:p>
+              <a:pPr marL="7938"/>
+              <a:r>
+                <a:rPr kumimoji="1" lang="zh-TW" altLang="en-US" dirty="0">
+                  <a:solidFill>
+                    <a:srgbClr val="A16B40"/>
+                  </a:solidFill>
+                  <a:latin typeface="Heiti TC Medium" pitchFamily="2" charset="-128"/>
+                  <a:ea typeface="Heiti TC Medium" pitchFamily="2" charset="-128"/>
+                </a:rPr>
+                <a:t>需求、數量</a:t>
+              </a:r>
+              <a:endParaRPr kumimoji="1" lang="en-US" altLang="zh-TW" dirty="0">
+                <a:solidFill>
+                  <a:srgbClr val="A16B40"/>
+                </a:solidFill>
+                <a:latin typeface="Heiti TC Medium" pitchFamily="2" charset="-128"/>
+                <a:ea typeface="Heiti TC Medium" pitchFamily="2" charset="-128"/>
+              </a:endParaRPr>
+            </a:p>
+            <a:p>
+              <a:pPr marL="7938"/>
+              <a:r>
+                <a:rPr kumimoji="1" lang="zh-TW" altLang="en-US" dirty="0">
+                  <a:solidFill>
+                    <a:srgbClr val="A16B40"/>
+                  </a:solidFill>
+                  <a:latin typeface="Heiti TC Medium" pitchFamily="2" charset="-128"/>
+                  <a:ea typeface="Heiti TC Medium" pitchFamily="2" charset="-128"/>
+                </a:rPr>
+                <a:t>皆滿足</a:t>
+              </a:r>
+              <a:endParaRPr kumimoji="1" lang="en-US" altLang="zh-TW" dirty="0">
+                <a:solidFill>
+                  <a:srgbClr val="A16B40"/>
+                </a:solidFill>
+                <a:latin typeface="Heiti TC Medium" pitchFamily="2" charset="-128"/>
+                <a:ea typeface="Heiti TC Medium" pitchFamily="2" charset="-128"/>
+              </a:endParaRPr>
+            </a:p>
+          </p:txBody>
+        </p:sp>
+      </p:grpSp>
+      <p:grpSp>
+        <p:nvGrpSpPr>
+          <p:cNvPr id="23" name="群組 22">
+            <a:extLst>
+              <a:ext uri="{FF2B5EF4-FFF2-40B4-BE49-F238E27FC236}">
+                <a16:creationId xmlns:a16="http://schemas.microsoft.com/office/drawing/2014/main" id="{AFED3751-34B7-EA10-4B23-176E0324D7A5}"/>
+              </a:ext>
+            </a:extLst>
+          </p:cNvPr>
+          <p:cNvGrpSpPr/>
+          <p:nvPr/>
+        </p:nvGrpSpPr>
+        <p:grpSpPr>
+          <a:xfrm>
+            <a:off x="4039968" y="3993024"/>
+            <a:ext cx="4112064" cy="1017632"/>
+            <a:chOff x="4306632" y="4702470"/>
+            <a:chExt cx="4112064" cy="1017632"/>
+          </a:xfrm>
+        </p:grpSpPr>
+        <p:pic>
+          <p:nvPicPr>
+            <p:cNvPr id="13" name="圖片 12" descr="一張含有 螢幕擷取畫面, 文字, 黃色, 標誌 的圖片&#10;&#10;自動產生的描述">
+              <a:extLst>
+                <a:ext uri="{FF2B5EF4-FFF2-40B4-BE49-F238E27FC236}">
+                  <a16:creationId xmlns:a16="http://schemas.microsoft.com/office/drawing/2014/main" id="{9848239A-667B-1124-CE3B-200F00CC029D}"/>
+                </a:ext>
+              </a:extLst>
+            </p:cNvPr>
+            <p:cNvPicPr>
+              <a:picLocks noChangeAspect="1"/>
+            </p:cNvPicPr>
+            <p:nvPr/>
+          </p:nvPicPr>
+          <p:blipFill>
+            <a:blip r:embed="rId5"/>
+            <a:stretch>
+              <a:fillRect/>
+            </a:stretch>
+          </p:blipFill>
+          <p:spPr>
+            <a:xfrm>
+              <a:off x="4306632" y="4702470"/>
+              <a:ext cx="4112064" cy="1017632"/>
+            </a:xfrm>
+            <a:prstGeom prst="rect">
+              <a:avLst/>
+            </a:prstGeom>
+          </p:spPr>
+        </p:pic>
+        <p:sp>
+          <p:nvSpPr>
+            <p:cNvPr id="19" name="文字方塊 18">
+              <a:extLst>
+                <a:ext uri="{FF2B5EF4-FFF2-40B4-BE49-F238E27FC236}">
+                  <a16:creationId xmlns:a16="http://schemas.microsoft.com/office/drawing/2014/main" id="{B444E1C7-094E-66F2-D65A-371370907AAE}"/>
+                </a:ext>
+              </a:extLst>
+            </p:cNvPr>
+            <p:cNvSpPr txBox="1"/>
+            <p:nvPr/>
+          </p:nvSpPr>
+          <p:spPr>
+            <a:xfrm>
+              <a:off x="6762435" y="5026620"/>
+              <a:ext cx="1347164" cy="369332"/>
+            </a:xfrm>
+            <a:prstGeom prst="rect">
+              <a:avLst/>
+            </a:prstGeom>
+            <a:noFill/>
+          </p:spPr>
+          <p:txBody>
+            <a:bodyPr wrap="none" rtlCol="0">
+              <a:spAutoFit/>
+            </a:bodyPr>
+            <a:lstStyle/>
+            <a:p>
+              <a:pPr marL="7938"/>
+              <a:r>
+                <a:rPr kumimoji="1" lang="zh-TW" altLang="en-US" dirty="0">
+                  <a:solidFill>
+                    <a:srgbClr val="A16B40"/>
+                  </a:solidFill>
+                  <a:latin typeface="Heiti TC Medium" pitchFamily="2" charset="-128"/>
+                  <a:ea typeface="Heiti TC Medium" pitchFamily="2" charset="-128"/>
+                </a:rPr>
+                <a:t>缺一種食材</a:t>
+              </a:r>
+              <a:endParaRPr kumimoji="1" lang="en-US" altLang="zh-TW" dirty="0">
+                <a:solidFill>
+                  <a:srgbClr val="A16B40"/>
+                </a:solidFill>
+                <a:latin typeface="Heiti TC Medium" pitchFamily="2" charset="-128"/>
+                <a:ea typeface="Heiti TC Medium" pitchFamily="2" charset="-128"/>
+              </a:endParaRPr>
+            </a:p>
+          </p:txBody>
+        </p:sp>
+      </p:grpSp>
+      <p:grpSp>
+        <p:nvGrpSpPr>
+          <p:cNvPr id="29" name="群組 28">
+            <a:extLst>
+              <a:ext uri="{FF2B5EF4-FFF2-40B4-BE49-F238E27FC236}">
+                <a16:creationId xmlns:a16="http://schemas.microsoft.com/office/drawing/2014/main" id="{2642972C-753E-B2A8-E804-809521B90595}"/>
+              </a:ext>
+            </a:extLst>
+          </p:cNvPr>
+          <p:cNvGrpSpPr/>
+          <p:nvPr/>
+        </p:nvGrpSpPr>
+        <p:grpSpPr>
+          <a:xfrm>
+            <a:off x="6113360" y="5114569"/>
+            <a:ext cx="4111200" cy="1017418"/>
+            <a:chOff x="6947506" y="5470767"/>
+            <a:chExt cx="4111200" cy="1017418"/>
+          </a:xfrm>
+        </p:grpSpPr>
+        <p:pic>
+          <p:nvPicPr>
+            <p:cNvPr id="27" name="圖片 26" descr="一張含有 文字, 黃色, 螢幕擷取畫面, 標誌 的圖片&#10;&#10;自動產生的描述">
+              <a:extLst>
+                <a:ext uri="{FF2B5EF4-FFF2-40B4-BE49-F238E27FC236}">
+                  <a16:creationId xmlns:a16="http://schemas.microsoft.com/office/drawing/2014/main" id="{548C8A46-BE9A-E5A0-D115-E4E93E2F6867}"/>
+                </a:ext>
+              </a:extLst>
+            </p:cNvPr>
+            <p:cNvPicPr>
+              <a:picLocks noChangeAspect="1"/>
+            </p:cNvPicPr>
+            <p:nvPr/>
+          </p:nvPicPr>
+          <p:blipFill>
+            <a:blip r:embed="rId6"/>
+            <a:stretch>
+              <a:fillRect/>
+            </a:stretch>
+          </p:blipFill>
+          <p:spPr>
+            <a:xfrm>
+              <a:off x="6947506" y="5470767"/>
+              <a:ext cx="4111200" cy="1017418"/>
+            </a:xfrm>
+            <a:prstGeom prst="rect">
+              <a:avLst/>
+            </a:prstGeom>
+          </p:spPr>
+        </p:pic>
+        <p:sp>
+          <p:nvSpPr>
+            <p:cNvPr id="28" name="文字方塊 27">
+              <a:extLst>
+                <a:ext uri="{FF2B5EF4-FFF2-40B4-BE49-F238E27FC236}">
+                  <a16:creationId xmlns:a16="http://schemas.microsoft.com/office/drawing/2014/main" id="{EC2454D1-1C83-290F-0814-8B9CBE98F618}"/>
+                </a:ext>
+              </a:extLst>
+            </p:cNvPr>
+            <p:cNvSpPr txBox="1"/>
+            <p:nvPr/>
+          </p:nvSpPr>
+          <p:spPr>
+            <a:xfrm>
+              <a:off x="9393645" y="5794810"/>
+              <a:ext cx="1577996" cy="369332"/>
+            </a:xfrm>
+            <a:prstGeom prst="rect">
+              <a:avLst/>
+            </a:prstGeom>
+            <a:noFill/>
+          </p:spPr>
+          <p:txBody>
+            <a:bodyPr wrap="none" rtlCol="0">
+              <a:spAutoFit/>
+            </a:bodyPr>
+            <a:lstStyle/>
+            <a:p>
+              <a:pPr marL="7938"/>
+              <a:r>
+                <a:rPr kumimoji="1" lang="zh-TW" altLang="en-US" dirty="0">
+                  <a:solidFill>
+                    <a:srgbClr val="A16B40"/>
+                  </a:solidFill>
+                  <a:latin typeface="Heiti TC Medium" pitchFamily="2" charset="-128"/>
+                  <a:ea typeface="Heiti TC Medium" pitchFamily="2" charset="-128"/>
+                </a:rPr>
+                <a:t>鍋子容量不夠</a:t>
+              </a:r>
+              <a:endParaRPr kumimoji="1" lang="en-US" altLang="zh-TW" dirty="0">
+                <a:solidFill>
+                  <a:srgbClr val="A16B40"/>
+                </a:solidFill>
+                <a:latin typeface="Heiti TC Medium" pitchFamily="2" charset="-128"/>
+                <a:ea typeface="Heiti TC Medium" pitchFamily="2" charset="-128"/>
+              </a:endParaRPr>
+            </a:p>
+          </p:txBody>
+        </p:sp>
+      </p:grpSp>
     </p:spTree>
     <p:extLst>
       <p:ext uri="{BB962C8B-B14F-4D97-AF65-F5344CB8AC3E}">
-        <p14:creationId xmlns:p14="http://schemas.microsoft.com/office/powerpoint/2010/main" val="413373188"/>
+        <p14:creationId xmlns:p14="http://schemas.microsoft.com/office/powerpoint/2010/main" val="3938351301"/>
       </p:ext>
     </p:extLst>
   </p:cSld>

--- a/doc/introduce.pptx
+++ b/doc/introduce.pptx
@@ -8,6 +8,7 @@
     <p:sldId id="258" r:id="rId2"/>
     <p:sldId id="257" r:id="rId3"/>
     <p:sldId id="259" r:id="rId4"/>
+    <p:sldId id="260" r:id="rId5"/>
   </p:sldIdLst>
   <p:sldSz cx="12192000" cy="6858000"/>
   <p:notesSz cx="6858000" cy="9144000"/>
@@ -8267,6 +8268,1525 @@
 </p:sld>
 </file>
 
+<file path=ppt/slides/slide4.xml><?xml version="1.0" encoding="utf-8"?>
+<p:sld xmlns:a="http://schemas.openxmlformats.org/drawingml/2006/main" xmlns:r="http://schemas.openxmlformats.org/officeDocument/2006/relationships" xmlns:p="http://schemas.openxmlformats.org/presentationml/2006/main">
+  <p:cSld>
+    <p:bg>
+      <p:bgPr>
+        <a:solidFill>
+          <a:schemeClr val="bg1"/>
+        </a:solidFill>
+        <a:effectLst/>
+      </p:bgPr>
+    </p:bg>
+    <p:spTree>
+      <p:nvGrpSpPr>
+        <p:cNvPr id="1" name=""/>
+        <p:cNvGrpSpPr/>
+        <p:nvPr/>
+      </p:nvGrpSpPr>
+      <p:grpSpPr>
+        <a:xfrm>
+          <a:off x="0" y="0"/>
+          <a:ext cx="0" cy="0"/>
+          <a:chOff x="0" y="0"/>
+          <a:chExt cx="0" cy="0"/>
+        </a:xfrm>
+      </p:grpSpPr>
+      <p:sp useBgFill="1">
+        <p:nvSpPr>
+          <p:cNvPr id="12" name="Rectangle 11">
+            <a:extLst>
+              <a:ext uri="{FF2B5EF4-FFF2-40B4-BE49-F238E27FC236}">
+                <a16:creationId xmlns:a16="http://schemas.microsoft.com/office/drawing/2014/main" id="{854ECEBE-9353-406C-9313-02A517A310EF}"/>
+              </a:ext>
+              <a:ext uri="{C183D7F6-B498-43B3-948B-1728B52AA6E4}">
+                <adec:decorative xmlns:adec="http://schemas.microsoft.com/office/drawing/2017/decorative" val="1"/>
+              </a:ext>
+            </a:extLst>
+          </p:cNvPr>
+          <p:cNvSpPr>
+            <a:spLocks noGrp="1" noRot="1" noChangeAspect="1" noMove="1" noResize="1" noEditPoints="1" noAdjustHandles="1" noChangeArrowheads="1" noChangeShapeType="1" noTextEdit="1"/>
+          </p:cNvSpPr>
+          <p:nvPr>
+            <p:extLst>
+              <p:ext uri="{386F3935-93C4-4BCD-93E2-E3B085C9AB24}">
+                <p16:designElem xmlns:p16="http://schemas.microsoft.com/office/powerpoint/2015/main" val="1"/>
+              </p:ext>
+            </p:extLst>
+          </p:nvPr>
+        </p:nvSpPr>
+        <p:spPr>
+          <a:xfrm>
+            <a:off x="0" y="0"/>
+            <a:ext cx="12192000" cy="6858000"/>
+          </a:xfrm>
+          <a:prstGeom prst="rect">
+            <a:avLst/>
+          </a:prstGeom>
+          <a:solidFill>
+            <a:schemeClr val="bg2">
+              <a:tint val="95000"/>
+              <a:satMod val="170000"/>
+            </a:schemeClr>
+          </a:solidFill>
+          <a:ln>
+            <a:noFill/>
+          </a:ln>
+        </p:spPr>
+        <p:style>
+          <a:lnRef idx="2">
+            <a:schemeClr val="accent1">
+              <a:shade val="50000"/>
+            </a:schemeClr>
+          </a:lnRef>
+          <a:fillRef idx="1">
+            <a:schemeClr val="accent1"/>
+          </a:fillRef>
+          <a:effectRef idx="0">
+            <a:schemeClr val="accent1"/>
+          </a:effectRef>
+          <a:fontRef idx="minor">
+            <a:schemeClr val="lt1"/>
+          </a:fontRef>
+        </p:style>
+        <p:txBody>
+          <a:bodyPr rtlCol="0" anchor="ctr"/>
+          <a:lstStyle/>
+          <a:p>
+            <a:pPr algn="ctr"/>
+            <a:endParaRPr lang="en-US">
+              <a:solidFill>
+                <a:prstClr val="white"/>
+              </a:solidFill>
+              <a:latin typeface="Meiryo"/>
+            </a:endParaRPr>
+          </a:p>
+        </p:txBody>
+      </p:sp>
+      <p:sp>
+        <p:nvSpPr>
+          <p:cNvPr id="14" name="Freeform: Shape 13">
+            <a:extLst>
+              <a:ext uri="{FF2B5EF4-FFF2-40B4-BE49-F238E27FC236}">
+                <a16:creationId xmlns:a16="http://schemas.microsoft.com/office/drawing/2014/main" id="{71A74C97-ECC4-4C3A-988A-A72C1F8BBAC8}"/>
+              </a:ext>
+              <a:ext uri="{C183D7F6-B498-43B3-948B-1728B52AA6E4}">
+                <adec:decorative xmlns:adec="http://schemas.microsoft.com/office/drawing/2017/decorative" val="1"/>
+              </a:ext>
+            </a:extLst>
+          </p:cNvPr>
+          <p:cNvSpPr>
+            <a:spLocks noGrp="1" noRot="1" noChangeAspect="1" noMove="1" noResize="1" noEditPoints="1" noAdjustHandles="1" noChangeArrowheads="1" noChangeShapeType="1" noTextEdit="1"/>
+          </p:cNvSpPr>
+          <p:nvPr>
+            <p:extLst>
+              <p:ext uri="{386F3935-93C4-4BCD-93E2-E3B085C9AB24}">
+                <p16:designElem xmlns:p16="http://schemas.microsoft.com/office/powerpoint/2015/main" val="1"/>
+              </p:ext>
+            </p:extLst>
+          </p:nvPr>
+        </p:nvSpPr>
+        <p:spPr>
+          <a:xfrm>
+            <a:off x="0" y="0"/>
+            <a:ext cx="6323162" cy="5593660"/>
+          </a:xfrm>
+          <a:custGeom>
+            <a:avLst/>
+            <a:gdLst>
+              <a:gd name="connsiteX0" fmla="*/ 2177447 w 6323162"/>
+              <a:gd name="connsiteY0" fmla="*/ 0 h 5593660"/>
+              <a:gd name="connsiteX1" fmla="*/ 4826316 w 6323162"/>
+              <a:gd name="connsiteY1" fmla="*/ 0 h 5593660"/>
+              <a:gd name="connsiteX2" fmla="*/ 4971508 w 6323162"/>
+              <a:gd name="connsiteY2" fmla="*/ 75777 h 5593660"/>
+              <a:gd name="connsiteX3" fmla="*/ 5577109 w 6323162"/>
+              <a:gd name="connsiteY3" fmla="*/ 586873 h 5593660"/>
+              <a:gd name="connsiteX4" fmla="*/ 6323162 w 6323162"/>
+              <a:gd name="connsiteY4" fmla="*/ 2829148 h 5593660"/>
+              <a:gd name="connsiteX5" fmla="*/ 5990836 w 6323162"/>
+              <a:gd name="connsiteY5" fmla="*/ 3748729 h 5593660"/>
+              <a:gd name="connsiteX6" fmla="*/ 5006899 w 6323162"/>
+              <a:gd name="connsiteY6" fmla="*/ 4604992 h 5593660"/>
+              <a:gd name="connsiteX7" fmla="*/ 4790566 w 6323162"/>
+              <a:gd name="connsiteY7" fmla="*/ 4768788 h 5593660"/>
+              <a:gd name="connsiteX8" fmla="*/ 3012943 w 6323162"/>
+              <a:gd name="connsiteY8" fmla="*/ 5593660 h 5593660"/>
+              <a:gd name="connsiteX9" fmla="*/ 671286 w 6323162"/>
+              <a:gd name="connsiteY9" fmla="*/ 4252856 h 5593660"/>
+              <a:gd name="connsiteX10" fmla="*/ 421733 w 6323162"/>
+              <a:gd name="connsiteY10" fmla="*/ 3909839 h 5593660"/>
+              <a:gd name="connsiteX11" fmla="*/ 48655 w 6323162"/>
+              <a:gd name="connsiteY11" fmla="*/ 3351082 h 5593660"/>
+              <a:gd name="connsiteX12" fmla="*/ 0 w 6323162"/>
+              <a:gd name="connsiteY12" fmla="*/ 3239820 h 5593660"/>
+              <a:gd name="connsiteX13" fmla="*/ 0 w 6323162"/>
+              <a:gd name="connsiteY13" fmla="*/ 2248150 h 5593660"/>
+              <a:gd name="connsiteX14" fmla="*/ 1658 w 6323162"/>
+              <a:gd name="connsiteY14" fmla="*/ 2239520 h 5593660"/>
+              <a:gd name="connsiteX15" fmla="*/ 225714 w 6323162"/>
+              <a:gd name="connsiteY15" fmla="*/ 1665285 h 5593660"/>
+              <a:gd name="connsiteX16" fmla="*/ 1050970 w 6323162"/>
+              <a:gd name="connsiteY16" fmla="*/ 665214 h 5593660"/>
+              <a:gd name="connsiteX17" fmla="*/ 1923692 w 6323162"/>
+              <a:gd name="connsiteY17" fmla="*/ 107844 h 5593660"/>
+            </a:gdLst>
+            <a:ahLst/>
+            <a:cxnLst>
+              <a:cxn ang="0">
+                <a:pos x="connsiteX0" y="connsiteY0"/>
+              </a:cxn>
+              <a:cxn ang="0">
+                <a:pos x="connsiteX1" y="connsiteY1"/>
+              </a:cxn>
+              <a:cxn ang="0">
+                <a:pos x="connsiteX2" y="connsiteY2"/>
+              </a:cxn>
+              <a:cxn ang="0">
+                <a:pos x="connsiteX3" y="connsiteY3"/>
+              </a:cxn>
+              <a:cxn ang="0">
+                <a:pos x="connsiteX4" y="connsiteY4"/>
+              </a:cxn>
+              <a:cxn ang="0">
+                <a:pos x="connsiteX5" y="connsiteY5"/>
+              </a:cxn>
+              <a:cxn ang="0">
+                <a:pos x="connsiteX6" y="connsiteY6"/>
+              </a:cxn>
+              <a:cxn ang="0">
+                <a:pos x="connsiteX7" y="connsiteY7"/>
+              </a:cxn>
+              <a:cxn ang="0">
+                <a:pos x="connsiteX8" y="connsiteY8"/>
+              </a:cxn>
+              <a:cxn ang="0">
+                <a:pos x="connsiteX9" y="connsiteY9"/>
+              </a:cxn>
+              <a:cxn ang="0">
+                <a:pos x="connsiteX10" y="connsiteY10"/>
+              </a:cxn>
+              <a:cxn ang="0">
+                <a:pos x="connsiteX11" y="connsiteY11"/>
+              </a:cxn>
+              <a:cxn ang="0">
+                <a:pos x="connsiteX12" y="connsiteY12"/>
+              </a:cxn>
+              <a:cxn ang="0">
+                <a:pos x="connsiteX13" y="connsiteY13"/>
+              </a:cxn>
+              <a:cxn ang="0">
+                <a:pos x="connsiteX14" y="connsiteY14"/>
+              </a:cxn>
+              <a:cxn ang="0">
+                <a:pos x="connsiteX15" y="connsiteY15"/>
+              </a:cxn>
+              <a:cxn ang="0">
+                <a:pos x="connsiteX16" y="connsiteY16"/>
+              </a:cxn>
+              <a:cxn ang="0">
+                <a:pos x="connsiteX17" y="connsiteY17"/>
+              </a:cxn>
+            </a:cxnLst>
+            <a:rect l="l" t="t" r="r" b="b"/>
+            <a:pathLst>
+              <a:path w="6323162" h="5593660">
+                <a:moveTo>
+                  <a:pt x="2177447" y="0"/>
+                </a:moveTo>
+                <a:lnTo>
+                  <a:pt x="4826316" y="0"/>
+                </a:lnTo>
+                <a:lnTo>
+                  <a:pt x="4971508" y="75777"/>
+                </a:lnTo>
+                <a:cubicBezTo>
+                  <a:pt x="5197582" y="210111"/>
+                  <a:pt x="5400550" y="381325"/>
+                  <a:pt x="5577109" y="586873"/>
+                </a:cubicBezTo>
+                <a:cubicBezTo>
+                  <a:pt x="6058235" y="1147205"/>
+                  <a:pt x="6323162" y="1943505"/>
+                  <a:pt x="6323162" y="2829148"/>
+                </a:cubicBezTo>
+                <a:cubicBezTo>
+                  <a:pt x="6323162" y="3182494"/>
+                  <a:pt x="6220623" y="3466081"/>
+                  <a:pt x="5990836" y="3748729"/>
+                </a:cubicBezTo>
+                <a:cubicBezTo>
+                  <a:pt x="5750480" y="4044392"/>
+                  <a:pt x="5389327" y="4316711"/>
+                  <a:pt x="5006899" y="4604992"/>
+                </a:cubicBezTo>
+                <a:cubicBezTo>
+                  <a:pt x="4936343" y="4658116"/>
+                  <a:pt x="4863453" y="4713117"/>
+                  <a:pt x="4790566" y="4768788"/>
+                </a:cubicBezTo>
+                <a:cubicBezTo>
+                  <a:pt x="4138128" y="5267012"/>
+                  <a:pt x="3661945" y="5593660"/>
+                  <a:pt x="3012943" y="5593660"/>
+                </a:cubicBezTo>
+                <a:cubicBezTo>
+                  <a:pt x="2024062" y="5593660"/>
+                  <a:pt x="1323723" y="5192693"/>
+                  <a:pt x="671286" y="4252856"/>
+                </a:cubicBezTo>
+                <a:cubicBezTo>
+                  <a:pt x="585906" y="4129842"/>
+                  <a:pt x="502446" y="4017964"/>
+                  <a:pt x="421733" y="3909839"/>
+                </a:cubicBezTo>
+                <a:cubicBezTo>
+                  <a:pt x="254471" y="3685679"/>
+                  <a:pt x="130655" y="3515312"/>
+                  <a:pt x="48655" y="3351082"/>
+                </a:cubicBezTo>
+                <a:lnTo>
+                  <a:pt x="0" y="3239820"/>
+                </a:lnTo>
+                <a:lnTo>
+                  <a:pt x="0" y="2248150"/>
+                </a:lnTo>
+                <a:lnTo>
+                  <a:pt x="1658" y="2239520"/>
+                </a:lnTo>
+                <a:cubicBezTo>
+                  <a:pt x="51657" y="2045089"/>
+                  <a:pt x="126469" y="1853225"/>
+                  <a:pt x="225714" y="1665285"/>
+                </a:cubicBezTo>
+                <a:cubicBezTo>
+                  <a:pt x="419948" y="1297585"/>
+                  <a:pt x="697641" y="961011"/>
+                  <a:pt x="1050970" y="665214"/>
+                </a:cubicBezTo>
+                <a:cubicBezTo>
+                  <a:pt x="1311437" y="447090"/>
+                  <a:pt x="1608578" y="257641"/>
+                  <a:pt x="1923692" y="107844"/>
+                </a:cubicBezTo>
+                <a:close/>
+              </a:path>
+            </a:pathLst>
+          </a:custGeom>
+          <a:solidFill>
+            <a:schemeClr val="bg1">
+              <a:alpha val="30000"/>
+            </a:schemeClr>
+          </a:solidFill>
+          <a:ln w="15875">
+            <a:noFill/>
+          </a:ln>
+        </p:spPr>
+        <p:style>
+          <a:lnRef idx="2">
+            <a:schemeClr val="accent1">
+              <a:shade val="50000"/>
+            </a:schemeClr>
+          </a:lnRef>
+          <a:fillRef idx="1">
+            <a:schemeClr val="accent1"/>
+          </a:fillRef>
+          <a:effectRef idx="0">
+            <a:schemeClr val="accent1"/>
+          </a:effectRef>
+          <a:fontRef idx="minor">
+            <a:schemeClr val="lt1"/>
+          </a:fontRef>
+        </p:style>
+        <p:txBody>
+          <a:bodyPr wrap="square" rtlCol="0" anchor="ctr">
+            <a:noAutofit/>
+          </a:bodyPr>
+          <a:lstStyle/>
+          <a:p>
+            <a:pPr algn="ctr"/>
+            <a:endParaRPr lang="en-US" dirty="0"/>
+          </a:p>
+        </p:txBody>
+      </p:sp>
+      <p:sp>
+        <p:nvSpPr>
+          <p:cNvPr id="16" name="Freeform: Shape 15">
+            <a:extLst>
+              <a:ext uri="{FF2B5EF4-FFF2-40B4-BE49-F238E27FC236}">
+                <a16:creationId xmlns:a16="http://schemas.microsoft.com/office/drawing/2014/main" id="{5FB5F3BA-58DF-40DA-AE44-974A00E0619C}"/>
+              </a:ext>
+              <a:ext uri="{C183D7F6-B498-43B3-948B-1728B52AA6E4}">
+                <adec:decorative xmlns:adec="http://schemas.microsoft.com/office/drawing/2017/decorative" val="1"/>
+              </a:ext>
+            </a:extLst>
+          </p:cNvPr>
+          <p:cNvSpPr>
+            <a:spLocks noGrp="1" noRot="1" noChangeAspect="1" noMove="1" noResize="1" noEditPoints="1" noAdjustHandles="1" noChangeArrowheads="1" noChangeShapeType="1" noTextEdit="1"/>
+          </p:cNvSpPr>
+          <p:nvPr>
+            <p:extLst>
+              <p:ext uri="{386F3935-93C4-4BCD-93E2-E3B085C9AB24}">
+                <p16:designElem xmlns:p16="http://schemas.microsoft.com/office/powerpoint/2015/main" val="1"/>
+              </p:ext>
+            </p:extLst>
+          </p:nvPr>
+        </p:nvSpPr>
+        <p:spPr>
+          <a:xfrm>
+            <a:off x="6795930" y="1598213"/>
+            <a:ext cx="5396070" cy="5259788"/>
+          </a:xfrm>
+          <a:custGeom>
+            <a:avLst/>
+            <a:gdLst>
+              <a:gd name="connsiteX0" fmla="*/ 2739575 w 5261264"/>
+              <a:gd name="connsiteY0" fmla="*/ 1369 h 4909930"/>
+              <a:gd name="connsiteX1" fmla="*/ 3931992 w 5261264"/>
+              <a:gd name="connsiteY1" fmla="*/ 357115 h 4909930"/>
+              <a:gd name="connsiteX2" fmla="*/ 5228644 w 5261264"/>
+              <a:gd name="connsiteY2" fmla="*/ 1704869 h 4909930"/>
+              <a:gd name="connsiteX3" fmla="*/ 5261264 w 5261264"/>
+              <a:gd name="connsiteY3" fmla="*/ 1769901 h 4909930"/>
+              <a:gd name="connsiteX4" fmla="*/ 5261264 w 5261264"/>
+              <a:gd name="connsiteY4" fmla="*/ 4640262 h 4909930"/>
+              <a:gd name="connsiteX5" fmla="*/ 5239287 w 5261264"/>
+              <a:gd name="connsiteY5" fmla="*/ 4674079 h 4909930"/>
+              <a:gd name="connsiteX6" fmla="*/ 5039558 w 5261264"/>
+              <a:gd name="connsiteY6" fmla="*/ 4893028 h 4909930"/>
+              <a:gd name="connsiteX7" fmla="*/ 5018342 w 5261264"/>
+              <a:gd name="connsiteY7" fmla="*/ 4909930 h 4909930"/>
+              <a:gd name="connsiteX8" fmla="*/ 962510 w 5261264"/>
+              <a:gd name="connsiteY8" fmla="*/ 4909930 h 4909930"/>
+              <a:gd name="connsiteX9" fmla="*/ 821338 w 5261264"/>
+              <a:gd name="connsiteY9" fmla="*/ 4707517 h 4909930"/>
+              <a:gd name="connsiteX10" fmla="*/ 448558 w 5261264"/>
+              <a:gd name="connsiteY10" fmla="*/ 3922606 h 4909930"/>
+              <a:gd name="connsiteX11" fmla="*/ 221727 w 5261264"/>
+              <a:gd name="connsiteY11" fmla="*/ 1588926 h 4909930"/>
+              <a:gd name="connsiteX12" fmla="*/ 2739575 w 5261264"/>
+              <a:gd name="connsiteY12" fmla="*/ 1369 h 4909930"/>
+            </a:gdLst>
+            <a:ahLst/>
+            <a:cxnLst>
+              <a:cxn ang="0">
+                <a:pos x="connsiteX0" y="connsiteY0"/>
+              </a:cxn>
+              <a:cxn ang="0">
+                <a:pos x="connsiteX1" y="connsiteY1"/>
+              </a:cxn>
+              <a:cxn ang="0">
+                <a:pos x="connsiteX2" y="connsiteY2"/>
+              </a:cxn>
+              <a:cxn ang="0">
+                <a:pos x="connsiteX3" y="connsiteY3"/>
+              </a:cxn>
+              <a:cxn ang="0">
+                <a:pos x="connsiteX4" y="connsiteY4"/>
+              </a:cxn>
+              <a:cxn ang="0">
+                <a:pos x="connsiteX5" y="connsiteY5"/>
+              </a:cxn>
+              <a:cxn ang="0">
+                <a:pos x="connsiteX6" y="connsiteY6"/>
+              </a:cxn>
+              <a:cxn ang="0">
+                <a:pos x="connsiteX7" y="connsiteY7"/>
+              </a:cxn>
+              <a:cxn ang="0">
+                <a:pos x="connsiteX8" y="connsiteY8"/>
+              </a:cxn>
+              <a:cxn ang="0">
+                <a:pos x="connsiteX9" y="connsiteY9"/>
+              </a:cxn>
+              <a:cxn ang="0">
+                <a:pos x="connsiteX10" y="connsiteY10"/>
+              </a:cxn>
+              <a:cxn ang="0">
+                <a:pos x="connsiteX11" y="connsiteY11"/>
+              </a:cxn>
+              <a:cxn ang="0">
+                <a:pos x="connsiteX12" y="connsiteY12"/>
+              </a:cxn>
+            </a:cxnLst>
+            <a:rect l="l" t="t" r="r" b="b"/>
+            <a:pathLst>
+              <a:path w="5261264" h="4909930">
+                <a:moveTo>
+                  <a:pt x="2739575" y="1369"/>
+                </a:moveTo>
+                <a:cubicBezTo>
+                  <a:pt x="3132207" y="14841"/>
+                  <a:pt x="3535383" y="128133"/>
+                  <a:pt x="3931992" y="357115"/>
+                </a:cubicBezTo>
+                <a:cubicBezTo>
+                  <a:pt x="4474996" y="670619"/>
+                  <a:pt x="4925124" y="1151857"/>
+                  <a:pt x="5228644" y="1704869"/>
+                </a:cubicBezTo>
+                <a:lnTo>
+                  <a:pt x="5261264" y="1769901"/>
+                </a:lnTo>
+                <a:lnTo>
+                  <a:pt x="5261264" y="4640262"/>
+                </a:lnTo>
+                <a:lnTo>
+                  <a:pt x="5239287" y="4674079"/>
+                </a:lnTo>
+                <a:cubicBezTo>
+                  <a:pt x="5177453" y="4758643"/>
+                  <a:pt x="5110673" y="4830413"/>
+                  <a:pt x="5039558" y="4893028"/>
+                </a:cubicBezTo>
+                <a:lnTo>
+                  <a:pt x="5018342" y="4909930"/>
+                </a:lnTo>
+                <a:lnTo>
+                  <a:pt x="962510" y="4909930"/>
+                </a:lnTo>
+                <a:lnTo>
+                  <a:pt x="821338" y="4707517"/>
+                </a:lnTo>
+                <a:cubicBezTo>
+                  <a:pt x="672683" y="4465717"/>
+                  <a:pt x="560617" y="4198197"/>
+                  <a:pt x="448558" y="3922606"/>
+                </a:cubicBezTo>
+                <a:cubicBezTo>
+                  <a:pt x="120358" y="3115488"/>
+                  <a:pt x="-245146" y="2397572"/>
+                  <a:pt x="221727" y="1588926"/>
+                </a:cubicBezTo>
+                <a:cubicBezTo>
+                  <a:pt x="801679" y="584418"/>
+                  <a:pt x="1736188" y="-33060"/>
+                  <a:pt x="2739575" y="1369"/>
+                </a:cubicBezTo>
+                <a:close/>
+              </a:path>
+            </a:pathLst>
+          </a:custGeom>
+          <a:solidFill>
+            <a:schemeClr val="bg1">
+              <a:alpha val="30000"/>
+            </a:schemeClr>
+          </a:solidFill>
+          <a:ln>
+            <a:noFill/>
+          </a:ln>
+        </p:spPr>
+        <p:style>
+          <a:lnRef idx="2">
+            <a:schemeClr val="accent1">
+              <a:shade val="50000"/>
+            </a:schemeClr>
+          </a:lnRef>
+          <a:fillRef idx="1">
+            <a:schemeClr val="accent1"/>
+          </a:fillRef>
+          <a:effectRef idx="0">
+            <a:schemeClr val="accent1"/>
+          </a:effectRef>
+          <a:fontRef idx="minor">
+            <a:schemeClr val="lt1"/>
+          </a:fontRef>
+        </p:style>
+        <p:txBody>
+          <a:bodyPr wrap="square" rtlCol="0" anchor="ctr">
+            <a:noAutofit/>
+          </a:bodyPr>
+          <a:lstStyle/>
+          <a:p>
+            <a:pPr marL="0" marR="0" lvl="0" indent="0" algn="ctr" defTabSz="457200" rtl="0" eaLnBrk="1" fontAlgn="auto" latinLnBrk="0" hangingPunct="1">
+              <a:lnSpc>
+                <a:spcPct val="100000"/>
+              </a:lnSpc>
+              <a:spcBef>
+                <a:spcPts val="0"/>
+              </a:spcBef>
+              <a:spcAft>
+                <a:spcPts val="0"/>
+              </a:spcAft>
+              <a:buClrTx/>
+              <a:buSzTx/>
+              <a:buFontTx/>
+              <a:buNone/>
+              <a:tabLst/>
+              <a:defRPr/>
+            </a:pPr>
+            <a:endParaRPr kumimoji="0" lang="en-US" sz="1800" b="0" i="0" u="none" strike="noStrike" kern="1200" cap="none" spc="0" normalizeH="0" baseline="0" noProof="0">
+              <a:ln>
+                <a:noFill/>
+              </a:ln>
+              <a:solidFill>
+                <a:prstClr val="white"/>
+              </a:solidFill>
+              <a:effectLst/>
+              <a:uLnTx/>
+              <a:uFillTx/>
+              <a:latin typeface="Meiryo"/>
+              <a:ea typeface="+mn-ea"/>
+              <a:cs typeface="+mn-cs"/>
+            </a:endParaRPr>
+          </a:p>
+        </p:txBody>
+      </p:sp>
+      <p:sp>
+        <p:nvSpPr>
+          <p:cNvPr id="18" name="Freeform: Shape 17">
+            <a:extLst>
+              <a:ext uri="{FF2B5EF4-FFF2-40B4-BE49-F238E27FC236}">
+                <a16:creationId xmlns:a16="http://schemas.microsoft.com/office/drawing/2014/main" id="{DE1994AC-22D1-4B48-9EDA-BE373E704567}"/>
+              </a:ext>
+              <a:ext uri="{C183D7F6-B498-43B3-948B-1728B52AA6E4}">
+                <adec:decorative xmlns:adec="http://schemas.microsoft.com/office/drawing/2017/decorative" val="1"/>
+              </a:ext>
+            </a:extLst>
+          </p:cNvPr>
+          <p:cNvSpPr>
+            <a:spLocks noGrp="1" noRot="1" noChangeAspect="1" noMove="1" noResize="1" noEditPoints="1" noAdjustHandles="1" noChangeArrowheads="1" noChangeShapeType="1" noTextEdit="1"/>
+          </p:cNvSpPr>
+          <p:nvPr>
+            <p:extLst>
+              <p:ext uri="{386F3935-93C4-4BCD-93E2-E3B085C9AB24}">
+                <p16:designElem xmlns:p16="http://schemas.microsoft.com/office/powerpoint/2015/main" val="1"/>
+              </p:ext>
+            </p:extLst>
+          </p:nvPr>
+        </p:nvSpPr>
+        <p:spPr>
+          <a:xfrm>
+            <a:off x="6541758" y="1407380"/>
+            <a:ext cx="5665992" cy="5466522"/>
+          </a:xfrm>
+          <a:custGeom>
+            <a:avLst/>
+            <a:gdLst>
+              <a:gd name="connsiteX0" fmla="*/ 3113576 w 5665992"/>
+              <a:gd name="connsiteY0" fmla="*/ 1556 h 5401530"/>
+              <a:gd name="connsiteX1" fmla="*/ 4468777 w 5665992"/>
+              <a:gd name="connsiteY1" fmla="*/ 405866 h 5401530"/>
+              <a:gd name="connsiteX2" fmla="*/ 5525792 w 5665992"/>
+              <a:gd name="connsiteY2" fmla="*/ 1317461 h 5401530"/>
+              <a:gd name="connsiteX3" fmla="*/ 5665992 w 5665992"/>
+              <a:gd name="connsiteY3" fmla="*/ 1506159 h 5401530"/>
+              <a:gd name="connsiteX4" fmla="*/ 5665992 w 5665992"/>
+              <a:gd name="connsiteY4" fmla="*/ 5401530 h 5401530"/>
+              <a:gd name="connsiteX5" fmla="*/ 965932 w 5665992"/>
+              <a:gd name="connsiteY5" fmla="*/ 5401530 h 5401530"/>
+              <a:gd name="connsiteX6" fmla="*/ 836753 w 5665992"/>
+              <a:gd name="connsiteY6" fmla="*/ 5181943 h 5401530"/>
+              <a:gd name="connsiteX7" fmla="*/ 509793 w 5665992"/>
+              <a:gd name="connsiteY7" fmla="*/ 4458111 h 5401530"/>
+              <a:gd name="connsiteX8" fmla="*/ 251995 w 5665992"/>
+              <a:gd name="connsiteY8" fmla="*/ 1805844 h 5401530"/>
+              <a:gd name="connsiteX9" fmla="*/ 3113576 w 5665992"/>
+              <a:gd name="connsiteY9" fmla="*/ 1556 h 5401530"/>
+            </a:gdLst>
+            <a:ahLst/>
+            <a:cxnLst>
+              <a:cxn ang="0">
+                <a:pos x="connsiteX0" y="connsiteY0"/>
+              </a:cxn>
+              <a:cxn ang="0">
+                <a:pos x="connsiteX1" y="connsiteY1"/>
+              </a:cxn>
+              <a:cxn ang="0">
+                <a:pos x="connsiteX2" y="connsiteY2"/>
+              </a:cxn>
+              <a:cxn ang="0">
+                <a:pos x="connsiteX3" y="connsiteY3"/>
+              </a:cxn>
+              <a:cxn ang="0">
+                <a:pos x="connsiteX4" y="connsiteY4"/>
+              </a:cxn>
+              <a:cxn ang="0">
+                <a:pos x="connsiteX5" y="connsiteY5"/>
+              </a:cxn>
+              <a:cxn ang="0">
+                <a:pos x="connsiteX6" y="connsiteY6"/>
+              </a:cxn>
+              <a:cxn ang="0">
+                <a:pos x="connsiteX7" y="connsiteY7"/>
+              </a:cxn>
+              <a:cxn ang="0">
+                <a:pos x="connsiteX8" y="connsiteY8"/>
+              </a:cxn>
+              <a:cxn ang="0">
+                <a:pos x="connsiteX9" y="connsiteY9"/>
+              </a:cxn>
+            </a:cxnLst>
+            <a:rect l="l" t="t" r="r" b="b"/>
+            <a:pathLst>
+              <a:path w="5665992" h="5401530">
+                <a:moveTo>
+                  <a:pt x="3113576" y="1556"/>
+                </a:moveTo>
+                <a:cubicBezTo>
+                  <a:pt x="3559807" y="16866"/>
+                  <a:pt x="4018025" y="145625"/>
+                  <a:pt x="4468777" y="405866"/>
+                </a:cubicBezTo>
+                <a:cubicBezTo>
+                  <a:pt x="4871803" y="638554"/>
+                  <a:pt x="5229811" y="952545"/>
+                  <a:pt x="5525792" y="1317461"/>
+                </a:cubicBezTo>
+                <a:lnTo>
+                  <a:pt x="5665992" y="1506159"/>
+                </a:lnTo>
+                <a:lnTo>
+                  <a:pt x="5665992" y="5401530"/>
+                </a:lnTo>
+                <a:lnTo>
+                  <a:pt x="965932" y="5401530"/>
+                </a:lnTo>
+                <a:lnTo>
+                  <a:pt x="836753" y="5181943"/>
+                </a:lnTo>
+                <a:cubicBezTo>
+                  <a:pt x="713569" y="4953383"/>
+                  <a:pt x="611679" y="4708683"/>
+                  <a:pt x="509793" y="4458111"/>
+                </a:cubicBezTo>
+                <a:cubicBezTo>
+                  <a:pt x="136790" y="3540808"/>
+                  <a:pt x="-278612" y="2724882"/>
+                  <a:pt x="251995" y="1805844"/>
+                </a:cubicBezTo>
+                <a:cubicBezTo>
+                  <a:pt x="911122" y="664202"/>
+                  <a:pt x="1973207" y="-37572"/>
+                  <a:pt x="3113576" y="1556"/>
+                </a:cubicBezTo>
+                <a:close/>
+              </a:path>
+            </a:pathLst>
+          </a:custGeom>
+          <a:noFill/>
+          <a:ln w="19050">
+            <a:solidFill>
+              <a:srgbClr val="FFFFFF">
+                <a:alpha val="50000"/>
+              </a:srgbClr>
+            </a:solidFill>
+          </a:ln>
+        </p:spPr>
+        <p:style>
+          <a:lnRef idx="2">
+            <a:schemeClr val="accent1">
+              <a:shade val="50000"/>
+            </a:schemeClr>
+          </a:lnRef>
+          <a:fillRef idx="1">
+            <a:schemeClr val="accent1"/>
+          </a:fillRef>
+          <a:effectRef idx="0">
+            <a:schemeClr val="accent1"/>
+          </a:effectRef>
+          <a:fontRef idx="minor">
+            <a:schemeClr val="lt1"/>
+          </a:fontRef>
+        </p:style>
+        <p:txBody>
+          <a:bodyPr wrap="square" rtlCol="0" anchor="ctr">
+            <a:noAutofit/>
+          </a:bodyPr>
+          <a:lstStyle/>
+          <a:p>
+            <a:pPr marL="0" marR="0" lvl="0" indent="0" algn="ctr" defTabSz="457200" rtl="0" eaLnBrk="1" fontAlgn="auto" latinLnBrk="0" hangingPunct="1">
+              <a:lnSpc>
+                <a:spcPct val="100000"/>
+              </a:lnSpc>
+              <a:spcBef>
+                <a:spcPts val="0"/>
+              </a:spcBef>
+              <a:spcAft>
+                <a:spcPts val="0"/>
+              </a:spcAft>
+              <a:buClrTx/>
+              <a:buSzTx/>
+              <a:buFontTx/>
+              <a:buNone/>
+              <a:tabLst/>
+              <a:defRPr/>
+            </a:pPr>
+            <a:endParaRPr kumimoji="0" lang="en-US" sz="1800" b="0" i="0" u="none" strike="noStrike" kern="1200" cap="none" spc="0" normalizeH="0" baseline="0" noProof="0">
+              <a:ln>
+                <a:noFill/>
+              </a:ln>
+              <a:solidFill>
+                <a:prstClr val="white"/>
+              </a:solidFill>
+              <a:effectLst/>
+              <a:uLnTx/>
+              <a:uFillTx/>
+              <a:latin typeface="Meiryo"/>
+              <a:ea typeface="+mn-ea"/>
+              <a:cs typeface="+mn-cs"/>
+            </a:endParaRPr>
+          </a:p>
+        </p:txBody>
+      </p:sp>
+      <p:sp>
+        <p:nvSpPr>
+          <p:cNvPr id="20" name="Freeform: Shape 19">
+            <a:extLst>
+              <a:ext uri="{FF2B5EF4-FFF2-40B4-BE49-F238E27FC236}">
+                <a16:creationId xmlns:a16="http://schemas.microsoft.com/office/drawing/2014/main" id="{86806086-A782-4311-A63B-1A68574D8067}"/>
+              </a:ext>
+              <a:ext uri="{C183D7F6-B498-43B3-948B-1728B52AA6E4}">
+                <adec:decorative xmlns:adec="http://schemas.microsoft.com/office/drawing/2017/decorative" val="1"/>
+              </a:ext>
+            </a:extLst>
+          </p:cNvPr>
+          <p:cNvSpPr>
+            <a:spLocks noGrp="1" noRot="1" noChangeAspect="1" noMove="1" noResize="1" noEditPoints="1" noAdjustHandles="1" noChangeArrowheads="1" noChangeShapeType="1" noTextEdit="1"/>
+          </p:cNvSpPr>
+          <p:nvPr>
+            <p:extLst>
+              <p:ext uri="{386F3935-93C4-4BCD-93E2-E3B085C9AB24}">
+                <p16:designElem xmlns:p16="http://schemas.microsoft.com/office/powerpoint/2015/main" val="1"/>
+              </p:ext>
+            </p:extLst>
+          </p:nvPr>
+        </p:nvSpPr>
+        <p:spPr>
+          <a:xfrm>
+            <a:off x="-15902" y="-15901"/>
+            <a:ext cx="6578337" cy="5814891"/>
+          </a:xfrm>
+          <a:custGeom>
+            <a:avLst/>
+            <a:gdLst>
+              <a:gd name="connsiteX0" fmla="*/ 1667657 w 6578337"/>
+              <a:gd name="connsiteY0" fmla="*/ 0 h 5814891"/>
+              <a:gd name="connsiteX1" fmla="*/ 5296215 w 6578337"/>
+              <a:gd name="connsiteY1" fmla="*/ 0 h 5814891"/>
+              <a:gd name="connsiteX2" fmla="*/ 5354505 w 6578337"/>
+              <a:gd name="connsiteY2" fmla="*/ 38974 h 5814891"/>
+              <a:gd name="connsiteX3" fmla="*/ 5772761 w 6578337"/>
+              <a:gd name="connsiteY3" fmla="*/ 430996 h 5814891"/>
+              <a:gd name="connsiteX4" fmla="*/ 6578337 w 6578337"/>
+              <a:gd name="connsiteY4" fmla="*/ 2842158 h 5814891"/>
+              <a:gd name="connsiteX5" fmla="*/ 6219497 w 6578337"/>
+              <a:gd name="connsiteY5" fmla="*/ 3831001 h 5814891"/>
+              <a:gd name="connsiteX6" fmla="*/ 5157059 w 6578337"/>
+              <a:gd name="connsiteY6" fmla="*/ 4751758 h 5814891"/>
+              <a:gd name="connsiteX7" fmla="*/ 4923464 w 6578337"/>
+              <a:gd name="connsiteY7" fmla="*/ 4927890 h 5814891"/>
+              <a:gd name="connsiteX8" fmla="*/ 3004017 w 6578337"/>
+              <a:gd name="connsiteY8" fmla="*/ 5814891 h 5814891"/>
+              <a:gd name="connsiteX9" fmla="*/ 475534 w 6578337"/>
+              <a:gd name="connsiteY9" fmla="*/ 4373098 h 5814891"/>
+              <a:gd name="connsiteX10" fmla="*/ 206071 w 6578337"/>
+              <a:gd name="connsiteY10" fmla="*/ 4004246 h 5814891"/>
+              <a:gd name="connsiteX11" fmla="*/ 79385 w 6578337"/>
+              <a:gd name="connsiteY11" fmla="*/ 3833508 h 5814891"/>
+              <a:gd name="connsiteX12" fmla="*/ 0 w 6578337"/>
+              <a:gd name="connsiteY12" fmla="*/ 3721725 h 5814891"/>
+              <a:gd name="connsiteX13" fmla="*/ 0 w 6578337"/>
+              <a:gd name="connsiteY13" fmla="*/ 1581323 h 5814891"/>
+              <a:gd name="connsiteX14" fmla="*/ 168477 w 6578337"/>
+              <a:gd name="connsiteY14" fmla="*/ 1300525 h 5814891"/>
+              <a:gd name="connsiteX15" fmla="*/ 885512 w 6578337"/>
+              <a:gd name="connsiteY15" fmla="*/ 515238 h 5814891"/>
+              <a:gd name="connsiteX16" fmla="*/ 1494824 w 6578337"/>
+              <a:gd name="connsiteY16" fmla="*/ 90742 h 5814891"/>
+            </a:gdLst>
+            <a:ahLst/>
+            <a:cxnLst>
+              <a:cxn ang="0">
+                <a:pos x="connsiteX0" y="connsiteY0"/>
+              </a:cxn>
+              <a:cxn ang="0">
+                <a:pos x="connsiteX1" y="connsiteY1"/>
+              </a:cxn>
+              <a:cxn ang="0">
+                <a:pos x="connsiteX2" y="connsiteY2"/>
+              </a:cxn>
+              <a:cxn ang="0">
+                <a:pos x="connsiteX3" y="connsiteY3"/>
+              </a:cxn>
+              <a:cxn ang="0">
+                <a:pos x="connsiteX4" y="connsiteY4"/>
+              </a:cxn>
+              <a:cxn ang="0">
+                <a:pos x="connsiteX5" y="connsiteY5"/>
+              </a:cxn>
+              <a:cxn ang="0">
+                <a:pos x="connsiteX6" y="connsiteY6"/>
+              </a:cxn>
+              <a:cxn ang="0">
+                <a:pos x="connsiteX7" y="connsiteY7"/>
+              </a:cxn>
+              <a:cxn ang="0">
+                <a:pos x="connsiteX8" y="connsiteY8"/>
+              </a:cxn>
+              <a:cxn ang="0">
+                <a:pos x="connsiteX9" y="connsiteY9"/>
+              </a:cxn>
+              <a:cxn ang="0">
+                <a:pos x="connsiteX10" y="connsiteY10"/>
+              </a:cxn>
+              <a:cxn ang="0">
+                <a:pos x="connsiteX11" y="connsiteY11"/>
+              </a:cxn>
+              <a:cxn ang="0">
+                <a:pos x="connsiteX12" y="connsiteY12"/>
+              </a:cxn>
+              <a:cxn ang="0">
+                <a:pos x="connsiteX13" y="connsiteY13"/>
+              </a:cxn>
+              <a:cxn ang="0">
+                <a:pos x="connsiteX14" y="connsiteY14"/>
+              </a:cxn>
+              <a:cxn ang="0">
+                <a:pos x="connsiteX15" y="connsiteY15"/>
+              </a:cxn>
+              <a:cxn ang="0">
+                <a:pos x="connsiteX16" y="connsiteY16"/>
+              </a:cxn>
+            </a:cxnLst>
+            <a:rect l="l" t="t" r="r" b="b"/>
+            <a:pathLst>
+              <a:path w="6578337" h="5814891">
+                <a:moveTo>
+                  <a:pt x="1667657" y="0"/>
+                </a:moveTo>
+                <a:lnTo>
+                  <a:pt x="5296215" y="0"/>
+                </a:lnTo>
+                <a:lnTo>
+                  <a:pt x="5354505" y="38974"/>
+                </a:lnTo>
+                <a:cubicBezTo>
+                  <a:pt x="5505893" y="152699"/>
+                  <a:pt x="5645664" y="283643"/>
+                  <a:pt x="5772761" y="430996"/>
+                </a:cubicBezTo>
+                <a:cubicBezTo>
+                  <a:pt x="6292274" y="1033532"/>
+                  <a:pt x="6578337" y="1889809"/>
+                  <a:pt x="6578337" y="2842158"/>
+                </a:cubicBezTo>
+                <a:cubicBezTo>
+                  <a:pt x="6578337" y="3222117"/>
+                  <a:pt x="6467617" y="3527065"/>
+                  <a:pt x="6219497" y="3831001"/>
+                </a:cubicBezTo>
+                <a:cubicBezTo>
+                  <a:pt x="5959965" y="4148933"/>
+                  <a:pt x="5569997" y="4441763"/>
+                  <a:pt x="5157059" y="4751758"/>
+                </a:cubicBezTo>
+                <a:cubicBezTo>
+                  <a:pt x="5080873" y="4808882"/>
+                  <a:pt x="5002168" y="4868026"/>
+                  <a:pt x="4923464" y="4927890"/>
+                </a:cubicBezTo>
+                <a:cubicBezTo>
+                  <a:pt x="4218974" y="5463640"/>
+                  <a:pt x="3704799" y="5814891"/>
+                  <a:pt x="3004017" y="5814891"/>
+                </a:cubicBezTo>
+                <a:cubicBezTo>
+                  <a:pt x="1936240" y="5814891"/>
+                  <a:pt x="1180025" y="5383723"/>
+                  <a:pt x="475534" y="4373098"/>
+                </a:cubicBezTo>
+                <a:cubicBezTo>
+                  <a:pt x="383343" y="4240819"/>
+                  <a:pt x="293225" y="4120515"/>
+                  <a:pt x="206071" y="4004246"/>
+                </a:cubicBezTo>
+                <a:cubicBezTo>
+                  <a:pt x="160920" y="3943985"/>
+                  <a:pt x="118700" y="3887339"/>
+                  <a:pt x="79385" y="3833508"/>
+                </a:cubicBezTo>
+                <a:lnTo>
+                  <a:pt x="0" y="3721725"/>
+                </a:lnTo>
+                <a:lnTo>
+                  <a:pt x="0" y="1581323"/>
+                </a:lnTo>
+                <a:lnTo>
+                  <a:pt x="168477" y="1300525"/>
+                </a:lnTo>
+                <a:cubicBezTo>
+                  <a:pt x="359173" y="1017017"/>
+                  <a:pt x="599372" y="753795"/>
+                  <a:pt x="885512" y="515238"/>
+                </a:cubicBezTo>
+                <a:cubicBezTo>
+                  <a:pt x="1073010" y="358870"/>
+                  <a:pt x="1278109" y="216205"/>
+                  <a:pt x="1494824" y="90742"/>
+                </a:cubicBezTo>
+                <a:close/>
+              </a:path>
+            </a:pathLst>
+          </a:custGeom>
+          <a:noFill/>
+          <a:ln w="19050">
+            <a:solidFill>
+              <a:srgbClr val="FFFFFF">
+                <a:alpha val="50000"/>
+              </a:srgbClr>
+            </a:solidFill>
+          </a:ln>
+        </p:spPr>
+        <p:style>
+          <a:lnRef idx="2">
+            <a:schemeClr val="accent1">
+              <a:shade val="50000"/>
+            </a:schemeClr>
+          </a:lnRef>
+          <a:fillRef idx="1">
+            <a:schemeClr val="accent1"/>
+          </a:fillRef>
+          <a:effectRef idx="0">
+            <a:schemeClr val="accent1"/>
+          </a:effectRef>
+          <a:fontRef idx="minor">
+            <a:schemeClr val="lt1"/>
+          </a:fontRef>
+        </p:style>
+        <p:txBody>
+          <a:bodyPr wrap="square" rtlCol="0" anchor="ctr">
+            <a:noAutofit/>
+          </a:bodyPr>
+          <a:lstStyle/>
+          <a:p>
+            <a:pPr algn="ctr"/>
+            <a:endParaRPr lang="en-US" dirty="0"/>
+          </a:p>
+        </p:txBody>
+      </p:sp>
+      <p:pic>
+        <p:nvPicPr>
+          <p:cNvPr id="5" name="圖片 4" descr="一張含有 文字, 螢幕擷取畫面, 行動電話, 卡通 的圖片&#10;&#10;自動產生的描述">
+            <a:extLst>
+              <a:ext uri="{FF2B5EF4-FFF2-40B4-BE49-F238E27FC236}">
+                <a16:creationId xmlns:a16="http://schemas.microsoft.com/office/drawing/2014/main" id="{13B24B43-F151-D98E-C9BB-4EFD2F94C4E0}"/>
+              </a:ext>
+            </a:extLst>
+          </p:cNvPr>
+          <p:cNvPicPr>
+            <a:picLocks noChangeAspect="1"/>
+          </p:cNvPicPr>
+          <p:nvPr/>
+        </p:nvPicPr>
+        <p:blipFill>
+          <a:blip r:embed="rId2"/>
+          <a:stretch>
+            <a:fillRect/>
+          </a:stretch>
+        </p:blipFill>
+        <p:spPr>
+          <a:xfrm>
+            <a:off x="2225165" y="339072"/>
+            <a:ext cx="2484000" cy="5018181"/>
+          </a:xfrm>
+          <a:prstGeom prst="rect">
+            <a:avLst/>
+          </a:prstGeom>
+        </p:spPr>
+      </p:pic>
+      <p:pic>
+        <p:nvPicPr>
+          <p:cNvPr id="7" name="圖片 6" descr="一張含有 文字, 行動電話, 螢幕擷取畫面, 行動裝置 的圖片&#10;&#10;自動產生的描述">
+            <a:extLst>
+              <a:ext uri="{FF2B5EF4-FFF2-40B4-BE49-F238E27FC236}">
+                <a16:creationId xmlns:a16="http://schemas.microsoft.com/office/drawing/2014/main" id="{F597A6D9-FDE1-D512-8CF1-C7635720BC40}"/>
+              </a:ext>
+            </a:extLst>
+          </p:cNvPr>
+          <p:cNvPicPr>
+            <a:picLocks noChangeAspect="1"/>
+          </p:cNvPicPr>
+          <p:nvPr/>
+        </p:nvPicPr>
+        <p:blipFill>
+          <a:blip r:embed="rId3"/>
+          <a:stretch>
+            <a:fillRect/>
+          </a:stretch>
+        </p:blipFill>
+        <p:spPr>
+          <a:xfrm>
+            <a:off x="8015792" y="1496036"/>
+            <a:ext cx="2484000" cy="5018183"/>
+          </a:xfrm>
+          <a:prstGeom prst="rect">
+            <a:avLst/>
+          </a:prstGeom>
+        </p:spPr>
+      </p:pic>
+      <p:grpSp>
+        <p:nvGrpSpPr>
+          <p:cNvPr id="22" name="群組 21">
+            <a:extLst>
+              <a:ext uri="{FF2B5EF4-FFF2-40B4-BE49-F238E27FC236}">
+                <a16:creationId xmlns:a16="http://schemas.microsoft.com/office/drawing/2014/main" id="{143AA094-483A-D3CE-DE25-963CA188F15F}"/>
+              </a:ext>
+            </a:extLst>
+          </p:cNvPr>
+          <p:cNvGrpSpPr/>
+          <p:nvPr/>
+        </p:nvGrpSpPr>
+        <p:grpSpPr>
+          <a:xfrm>
+            <a:off x="5088401" y="3547928"/>
+            <a:ext cx="2501326" cy="2045732"/>
+            <a:chOff x="4980688" y="3974653"/>
+            <a:chExt cx="2501326" cy="2045732"/>
+          </a:xfrm>
+        </p:grpSpPr>
+        <p:grpSp>
+          <p:nvGrpSpPr>
+            <p:cNvPr id="19" name="群組 18">
+              <a:extLst>
+                <a:ext uri="{FF2B5EF4-FFF2-40B4-BE49-F238E27FC236}">
+                  <a16:creationId xmlns:a16="http://schemas.microsoft.com/office/drawing/2014/main" id="{F22D1256-3607-062F-C861-D9A1EB37F67F}"/>
+                </a:ext>
+              </a:extLst>
+            </p:cNvPr>
+            <p:cNvGrpSpPr/>
+            <p:nvPr/>
+          </p:nvGrpSpPr>
+          <p:grpSpPr>
+            <a:xfrm>
+              <a:off x="5469351" y="3974653"/>
+              <a:ext cx="1524000" cy="1676400"/>
+              <a:chOff x="5140207" y="1138944"/>
+              <a:chExt cx="1524000" cy="1676400"/>
+            </a:xfrm>
+            <a:solidFill>
+              <a:srgbClr val="A16B40"/>
+            </a:solidFill>
+          </p:grpSpPr>
+          <p:sp>
+            <p:nvSpPr>
+              <p:cNvPr id="15" name="手繪多邊形 14">
+                <a:extLst>
+                  <a:ext uri="{FF2B5EF4-FFF2-40B4-BE49-F238E27FC236}">
+                    <a16:creationId xmlns:a16="http://schemas.microsoft.com/office/drawing/2014/main" id="{3648ECDB-C739-8AAD-0D84-D096BC205FE2}"/>
+                  </a:ext>
+                </a:extLst>
+              </p:cNvPr>
+              <p:cNvSpPr/>
+              <p:nvPr/>
+            </p:nvSpPr>
+            <p:spPr>
+              <a:xfrm>
+                <a:off x="5368807" y="1443744"/>
+                <a:ext cx="1142967" cy="1371600"/>
+              </a:xfrm>
+              <a:custGeom>
+                <a:avLst/>
+                <a:gdLst>
+                  <a:gd name="connsiteX0" fmla="*/ 1058418 w 1142967"/>
+                  <a:gd name="connsiteY0" fmla="*/ 742950 h 1371600"/>
+                  <a:gd name="connsiteX1" fmla="*/ 746760 w 1142967"/>
+                  <a:gd name="connsiteY1" fmla="*/ 587502 h 1371600"/>
+                  <a:gd name="connsiteX2" fmla="*/ 678942 w 1142967"/>
+                  <a:gd name="connsiteY2" fmla="*/ 571500 h 1371600"/>
+                  <a:gd name="connsiteX3" fmla="*/ 609600 w 1142967"/>
+                  <a:gd name="connsiteY3" fmla="*/ 571500 h 1371600"/>
+                  <a:gd name="connsiteX4" fmla="*/ 609600 w 1142967"/>
+                  <a:gd name="connsiteY4" fmla="*/ 114300 h 1371600"/>
+                  <a:gd name="connsiteX5" fmla="*/ 495300 w 1142967"/>
+                  <a:gd name="connsiteY5" fmla="*/ 0 h 1371600"/>
+                  <a:gd name="connsiteX6" fmla="*/ 381000 w 1142967"/>
+                  <a:gd name="connsiteY6" fmla="*/ 114300 h 1371600"/>
+                  <a:gd name="connsiteX7" fmla="*/ 381000 w 1142967"/>
+                  <a:gd name="connsiteY7" fmla="*/ 932688 h 1371600"/>
+                  <a:gd name="connsiteX8" fmla="*/ 133350 w 1142967"/>
+                  <a:gd name="connsiteY8" fmla="*/ 876300 h 1371600"/>
+                  <a:gd name="connsiteX9" fmla="*/ 63246 w 1142967"/>
+                  <a:gd name="connsiteY9" fmla="*/ 897636 h 1371600"/>
+                  <a:gd name="connsiteX10" fmla="*/ 0 w 1142967"/>
+                  <a:gd name="connsiteY10" fmla="*/ 961644 h 1371600"/>
+                  <a:gd name="connsiteX11" fmla="*/ 345948 w 1142967"/>
+                  <a:gd name="connsiteY11" fmla="*/ 1326642 h 1371600"/>
+                  <a:gd name="connsiteX12" fmla="*/ 473202 w 1142967"/>
+                  <a:gd name="connsiteY12" fmla="*/ 1371600 h 1371600"/>
+                  <a:gd name="connsiteX13" fmla="*/ 942594 w 1142967"/>
+                  <a:gd name="connsiteY13" fmla="*/ 1371600 h 1371600"/>
+                  <a:gd name="connsiteX14" fmla="*/ 1093470 w 1142967"/>
+                  <a:gd name="connsiteY14" fmla="*/ 1240536 h 1371600"/>
+                  <a:gd name="connsiteX15" fmla="*/ 1141476 w 1142967"/>
+                  <a:gd name="connsiteY15" fmla="*/ 900684 h 1371600"/>
+                  <a:gd name="connsiteX16" fmla="*/ 1058418 w 1142967"/>
+                  <a:gd name="connsiteY16" fmla="*/ 742950 h 1371600"/>
+                </a:gdLst>
+                <a:ahLst/>
+                <a:cxnLst>
+                  <a:cxn ang="0">
+                    <a:pos x="connsiteX0" y="connsiteY0"/>
+                  </a:cxn>
+                  <a:cxn ang="0">
+                    <a:pos x="connsiteX1" y="connsiteY1"/>
+                  </a:cxn>
+                  <a:cxn ang="0">
+                    <a:pos x="connsiteX2" y="connsiteY2"/>
+                  </a:cxn>
+                  <a:cxn ang="0">
+                    <a:pos x="connsiteX3" y="connsiteY3"/>
+                  </a:cxn>
+                  <a:cxn ang="0">
+                    <a:pos x="connsiteX4" y="connsiteY4"/>
+                  </a:cxn>
+                  <a:cxn ang="0">
+                    <a:pos x="connsiteX5" y="connsiteY5"/>
+                  </a:cxn>
+                  <a:cxn ang="0">
+                    <a:pos x="connsiteX6" y="connsiteY6"/>
+                  </a:cxn>
+                  <a:cxn ang="0">
+                    <a:pos x="connsiteX7" y="connsiteY7"/>
+                  </a:cxn>
+                  <a:cxn ang="0">
+                    <a:pos x="connsiteX8" y="connsiteY8"/>
+                  </a:cxn>
+                  <a:cxn ang="0">
+                    <a:pos x="connsiteX9" y="connsiteY9"/>
+                  </a:cxn>
+                  <a:cxn ang="0">
+                    <a:pos x="connsiteX10" y="connsiteY10"/>
+                  </a:cxn>
+                  <a:cxn ang="0">
+                    <a:pos x="connsiteX11" y="connsiteY11"/>
+                  </a:cxn>
+                  <a:cxn ang="0">
+                    <a:pos x="connsiteX12" y="connsiteY12"/>
+                  </a:cxn>
+                  <a:cxn ang="0">
+                    <a:pos x="connsiteX13" y="connsiteY13"/>
+                  </a:cxn>
+                  <a:cxn ang="0">
+                    <a:pos x="connsiteX14" y="connsiteY14"/>
+                  </a:cxn>
+                  <a:cxn ang="0">
+                    <a:pos x="connsiteX15" y="connsiteY15"/>
+                  </a:cxn>
+                  <a:cxn ang="0">
+                    <a:pos x="connsiteX16" y="connsiteY16"/>
+                  </a:cxn>
+                </a:cxnLst>
+                <a:rect l="l" t="t" r="r" b="b"/>
+                <a:pathLst>
+                  <a:path w="1142967" h="1371600">
+                    <a:moveTo>
+                      <a:pt x="1058418" y="742950"/>
+                    </a:moveTo>
+                    <a:lnTo>
+                      <a:pt x="746760" y="587502"/>
+                    </a:lnTo>
+                    <a:cubicBezTo>
+                      <a:pt x="725424" y="576834"/>
+                      <a:pt x="702564" y="571500"/>
+                      <a:pt x="678942" y="571500"/>
+                    </a:cubicBezTo>
+                    <a:lnTo>
+                      <a:pt x="609600" y="571500"/>
+                    </a:lnTo>
+                    <a:lnTo>
+                      <a:pt x="609600" y="114300"/>
+                    </a:lnTo>
+                    <a:cubicBezTo>
+                      <a:pt x="609600" y="51054"/>
+                      <a:pt x="558546" y="0"/>
+                      <a:pt x="495300" y="0"/>
+                    </a:cubicBezTo>
+                    <a:cubicBezTo>
+                      <a:pt x="432054" y="0"/>
+                      <a:pt x="381000" y="51054"/>
+                      <a:pt x="381000" y="114300"/>
+                    </a:cubicBezTo>
+                    <a:lnTo>
+                      <a:pt x="381000" y="932688"/>
+                    </a:lnTo>
+                    <a:lnTo>
+                      <a:pt x="133350" y="876300"/>
+                    </a:lnTo>
+                    <a:cubicBezTo>
+                      <a:pt x="108204" y="870966"/>
+                      <a:pt x="81534" y="878586"/>
+                      <a:pt x="63246" y="897636"/>
+                    </a:cubicBezTo>
+                    <a:lnTo>
+                      <a:pt x="0" y="961644"/>
+                    </a:lnTo>
+                    <a:lnTo>
+                      <a:pt x="345948" y="1326642"/>
+                    </a:lnTo>
+                    <a:cubicBezTo>
+                      <a:pt x="374904" y="1355598"/>
+                      <a:pt x="432816" y="1371600"/>
+                      <a:pt x="473202" y="1371600"/>
+                    </a:cubicBezTo>
+                    <a:lnTo>
+                      <a:pt x="942594" y="1371600"/>
+                    </a:lnTo>
+                    <a:cubicBezTo>
+                      <a:pt x="1018794" y="1371600"/>
+                      <a:pt x="1082802" y="1315974"/>
+                      <a:pt x="1093470" y="1240536"/>
+                    </a:cubicBezTo>
+                    <a:lnTo>
+                      <a:pt x="1141476" y="900684"/>
+                    </a:lnTo>
+                    <a:cubicBezTo>
+                      <a:pt x="1150620" y="835914"/>
+                      <a:pt x="1117092" y="772668"/>
+                      <a:pt x="1058418" y="742950"/>
+                    </a:cubicBezTo>
+                    <a:close/>
+                  </a:path>
+                </a:pathLst>
+              </a:custGeom>
+              <a:grpFill/>
+              <a:ln w="76200" cap="flat">
+                <a:noFill/>
+                <a:prstDash val="solid"/>
+                <a:miter/>
+              </a:ln>
+            </p:spPr>
+            <p:txBody>
+              <a:bodyPr rtlCol="0" anchor="ctr"/>
+              <a:lstStyle/>
+              <a:p>
+                <a:endParaRPr lang="zh-TW" altLang="en-US"/>
+              </a:p>
+            </p:txBody>
+          </p:sp>
+          <p:sp>
+            <p:nvSpPr>
+              <p:cNvPr id="17" name="手繪多邊形 16">
+                <a:extLst>
+                  <a:ext uri="{FF2B5EF4-FFF2-40B4-BE49-F238E27FC236}">
+                    <a16:creationId xmlns:a16="http://schemas.microsoft.com/office/drawing/2014/main" id="{D842FAB4-5BF1-0C49-76E2-31AE529792A0}"/>
+                  </a:ext>
+                </a:extLst>
+              </p:cNvPr>
+              <p:cNvSpPr/>
+              <p:nvPr/>
+            </p:nvSpPr>
+            <p:spPr>
+              <a:xfrm>
+                <a:off x="5140207" y="1138944"/>
+                <a:ext cx="1524000" cy="457200"/>
+              </a:xfrm>
+              <a:custGeom>
+                <a:avLst/>
+                <a:gdLst>
+                  <a:gd name="connsiteX0" fmla="*/ 1381506 w 1524000"/>
+                  <a:gd name="connsiteY0" fmla="*/ 218694 h 457200"/>
+                  <a:gd name="connsiteX1" fmla="*/ 762000 w 1524000"/>
+                  <a:gd name="connsiteY1" fmla="*/ 0 h 457200"/>
+                  <a:gd name="connsiteX2" fmla="*/ 142494 w 1524000"/>
+                  <a:gd name="connsiteY2" fmla="*/ 218694 h 457200"/>
+                  <a:gd name="connsiteX3" fmla="*/ 0 w 1524000"/>
+                  <a:gd name="connsiteY3" fmla="*/ 76200 h 457200"/>
+                  <a:gd name="connsiteX4" fmla="*/ 0 w 1524000"/>
+                  <a:gd name="connsiteY4" fmla="*/ 457200 h 457200"/>
+                  <a:gd name="connsiteX5" fmla="*/ 381000 w 1524000"/>
+                  <a:gd name="connsiteY5" fmla="*/ 457200 h 457200"/>
+                  <a:gd name="connsiteX6" fmla="*/ 223266 w 1524000"/>
+                  <a:gd name="connsiteY6" fmla="*/ 299466 h 457200"/>
+                  <a:gd name="connsiteX7" fmla="*/ 762000 w 1524000"/>
+                  <a:gd name="connsiteY7" fmla="*/ 114300 h 457200"/>
+                  <a:gd name="connsiteX8" fmla="*/ 1300734 w 1524000"/>
+                  <a:gd name="connsiteY8" fmla="*/ 299466 h 457200"/>
+                  <a:gd name="connsiteX9" fmla="*/ 1143000 w 1524000"/>
+                  <a:gd name="connsiteY9" fmla="*/ 457200 h 457200"/>
+                  <a:gd name="connsiteX10" fmla="*/ 1524000 w 1524000"/>
+                  <a:gd name="connsiteY10" fmla="*/ 457200 h 457200"/>
+                  <a:gd name="connsiteX11" fmla="*/ 1524000 w 1524000"/>
+                  <a:gd name="connsiteY11" fmla="*/ 76200 h 457200"/>
+                  <a:gd name="connsiteX12" fmla="*/ 1381506 w 1524000"/>
+                  <a:gd name="connsiteY12" fmla="*/ 218694 h 457200"/>
+                </a:gdLst>
+                <a:ahLst/>
+                <a:cxnLst>
+                  <a:cxn ang="0">
+                    <a:pos x="connsiteX0" y="connsiteY0"/>
+                  </a:cxn>
+                  <a:cxn ang="0">
+                    <a:pos x="connsiteX1" y="connsiteY1"/>
+                  </a:cxn>
+                  <a:cxn ang="0">
+                    <a:pos x="connsiteX2" y="connsiteY2"/>
+                  </a:cxn>
+                  <a:cxn ang="0">
+                    <a:pos x="connsiteX3" y="connsiteY3"/>
+                  </a:cxn>
+                  <a:cxn ang="0">
+                    <a:pos x="connsiteX4" y="connsiteY4"/>
+                  </a:cxn>
+                  <a:cxn ang="0">
+                    <a:pos x="connsiteX5" y="connsiteY5"/>
+                  </a:cxn>
+                  <a:cxn ang="0">
+                    <a:pos x="connsiteX6" y="connsiteY6"/>
+                  </a:cxn>
+                  <a:cxn ang="0">
+                    <a:pos x="connsiteX7" y="connsiteY7"/>
+                  </a:cxn>
+                  <a:cxn ang="0">
+                    <a:pos x="connsiteX8" y="connsiteY8"/>
+                  </a:cxn>
+                  <a:cxn ang="0">
+                    <a:pos x="connsiteX9" y="connsiteY9"/>
+                  </a:cxn>
+                  <a:cxn ang="0">
+                    <a:pos x="connsiteX10" y="connsiteY10"/>
+                  </a:cxn>
+                  <a:cxn ang="0">
+                    <a:pos x="connsiteX11" y="connsiteY11"/>
+                  </a:cxn>
+                  <a:cxn ang="0">
+                    <a:pos x="connsiteX12" y="connsiteY12"/>
+                  </a:cxn>
+                </a:cxnLst>
+                <a:rect l="l" t="t" r="r" b="b"/>
+                <a:pathLst>
+                  <a:path w="1524000" h="457200">
+                    <a:moveTo>
+                      <a:pt x="1381506" y="218694"/>
+                    </a:moveTo>
+                    <a:cubicBezTo>
+                      <a:pt x="1271778" y="89154"/>
+                      <a:pt x="1036320" y="0"/>
+                      <a:pt x="762000" y="0"/>
+                    </a:cubicBezTo>
+                    <a:cubicBezTo>
+                      <a:pt x="487680" y="0"/>
+                      <a:pt x="252222" y="89154"/>
+                      <a:pt x="142494" y="218694"/>
+                    </a:cubicBezTo>
+                    <a:lnTo>
+                      <a:pt x="0" y="76200"/>
+                    </a:lnTo>
+                    <a:lnTo>
+                      <a:pt x="0" y="457200"/>
+                    </a:lnTo>
+                    <a:lnTo>
+                      <a:pt x="381000" y="457200"/>
+                    </a:lnTo>
+                    <a:lnTo>
+                      <a:pt x="223266" y="299466"/>
+                    </a:lnTo>
+                    <a:cubicBezTo>
+                      <a:pt x="299466" y="201168"/>
+                      <a:pt x="505206" y="114300"/>
+                      <a:pt x="762000" y="114300"/>
+                    </a:cubicBezTo>
+                    <a:cubicBezTo>
+                      <a:pt x="1018794" y="114300"/>
+                      <a:pt x="1224534" y="201168"/>
+                      <a:pt x="1300734" y="299466"/>
+                    </a:cubicBezTo>
+                    <a:lnTo>
+                      <a:pt x="1143000" y="457200"/>
+                    </a:lnTo>
+                    <a:lnTo>
+                      <a:pt x="1524000" y="457200"/>
+                    </a:lnTo>
+                    <a:lnTo>
+                      <a:pt x="1524000" y="76200"/>
+                    </a:lnTo>
+                    <a:lnTo>
+                      <a:pt x="1381506" y="218694"/>
+                    </a:lnTo>
+                    <a:close/>
+                  </a:path>
+                </a:pathLst>
+              </a:custGeom>
+              <a:grpFill/>
+              <a:ln w="76200" cap="flat">
+                <a:noFill/>
+                <a:prstDash val="solid"/>
+                <a:miter/>
+              </a:ln>
+            </p:spPr>
+            <p:txBody>
+              <a:bodyPr rtlCol="0" anchor="ctr"/>
+              <a:lstStyle/>
+              <a:p>
+                <a:endParaRPr lang="zh-TW" altLang="en-US"/>
+              </a:p>
+            </p:txBody>
+          </p:sp>
+        </p:grpSp>
+        <p:sp>
+          <p:nvSpPr>
+            <p:cNvPr id="21" name="文字方塊 20">
+              <a:extLst>
+                <a:ext uri="{FF2B5EF4-FFF2-40B4-BE49-F238E27FC236}">
+                  <a16:creationId xmlns:a16="http://schemas.microsoft.com/office/drawing/2014/main" id="{3B6DF32B-EE74-5BDF-5D5C-E6AD35F714F5}"/>
+                </a:ext>
+              </a:extLst>
+            </p:cNvPr>
+            <p:cNvSpPr txBox="1"/>
+            <p:nvPr/>
+          </p:nvSpPr>
+          <p:spPr>
+            <a:xfrm>
+              <a:off x="4980688" y="5651053"/>
+              <a:ext cx="2501326" cy="369332"/>
+            </a:xfrm>
+            <a:prstGeom prst="rect">
+              <a:avLst/>
+            </a:prstGeom>
+            <a:noFill/>
+          </p:spPr>
+          <p:txBody>
+            <a:bodyPr wrap="none" rtlCol="0">
+              <a:spAutoFit/>
+            </a:bodyPr>
+            <a:lstStyle/>
+            <a:p>
+              <a:pPr marL="7938"/>
+              <a:r>
+                <a:rPr kumimoji="1" lang="zh-TW" altLang="en-US" dirty="0">
+                  <a:solidFill>
+                    <a:srgbClr val="A16B40"/>
+                  </a:solidFill>
+                  <a:latin typeface="Heiti TC Medium" pitchFamily="2" charset="-128"/>
+                  <a:ea typeface="Heiti TC Medium" pitchFamily="2" charset="-128"/>
+                </a:rPr>
+                <a:t>左右滑動，切換前後隻</a:t>
+              </a:r>
+              <a:endParaRPr kumimoji="1" lang="en-US" altLang="zh-TW" dirty="0">
+                <a:solidFill>
+                  <a:srgbClr val="A16B40"/>
+                </a:solidFill>
+                <a:latin typeface="Heiti TC Medium" pitchFamily="2" charset="-128"/>
+                <a:ea typeface="Heiti TC Medium" pitchFamily="2" charset="-128"/>
+              </a:endParaRPr>
+            </a:p>
+          </p:txBody>
+        </p:sp>
+      </p:grpSp>
+    </p:spTree>
+    <p:extLst>
+      <p:ext uri="{BB962C8B-B14F-4D97-AF65-F5344CB8AC3E}">
+        <p14:creationId xmlns:p14="http://schemas.microsoft.com/office/powerpoint/2010/main" val="4026685657"/>
+      </p:ext>
+    </p:extLst>
+  </p:cSld>
+  <p:clrMapOvr>
+    <a:masterClrMapping/>
+  </p:clrMapOvr>
+</p:sld>
+</file>
+
 <file path=ppt/theme/theme1.xml><?xml version="1.0" encoding="utf-8"?>
 <a:theme xmlns:a="http://schemas.openxmlformats.org/drawingml/2006/main" name="Office 佈景主題 2013 - 2022">
   <a:themeElements>
